--- a/docs/ProjetMention.pptx
+++ b/docs/ProjetMention.pptx
@@ -8,10 +8,14 @@
     <p:sldId id="256" r:id="rId2"/>
     <p:sldId id="257" r:id="rId3"/>
     <p:sldId id="262" r:id="rId4"/>
-    <p:sldId id="261" r:id="rId5"/>
-    <p:sldId id="258" r:id="rId6"/>
-    <p:sldId id="260" r:id="rId7"/>
-    <p:sldId id="259" r:id="rId8"/>
+    <p:sldId id="266" r:id="rId5"/>
+    <p:sldId id="265" r:id="rId6"/>
+    <p:sldId id="261" r:id="rId7"/>
+    <p:sldId id="258" r:id="rId8"/>
+    <p:sldId id="263" r:id="rId9"/>
+    <p:sldId id="264" r:id="rId10"/>
+    <p:sldId id="260" r:id="rId11"/>
+    <p:sldId id="259" r:id="rId12"/>
   </p:sldIdLst>
   <p:sldSz cx="12192000" cy="6858000"/>
   <p:notesSz cx="6858000" cy="9144000"/>
@@ -111,6 +115,5978 @@
     </a:lvl9pPr>
   </p:defaultTextStyle>
 </p:presentation>
+</file>
+
+<file path=ppt/charts/chart1.xml><?xml version="1.0" encoding="utf-8"?>
+<c:chartSpace xmlns:c="http://schemas.openxmlformats.org/drawingml/2006/chart" xmlns:a="http://schemas.openxmlformats.org/drawingml/2006/main" xmlns:r="http://schemas.openxmlformats.org/officeDocument/2006/relationships">
+  <c:date1904 val="0"/>
+  <c:lang val="fr-FR"/>
+  <c:roundedCorners val="0"/>
+  <mc:AlternateContent xmlns:mc="http://schemas.openxmlformats.org/markup-compatibility/2006">
+    <mc:Choice xmlns:c14="http://schemas.microsoft.com/office/drawing/2007/8/2/chart" Requires="c14">
+      <c14:style val="102"/>
+    </mc:Choice>
+    <mc:Fallback>
+      <c:style val="2"/>
+    </mc:Fallback>
+  </mc:AlternateContent>
+  <c:chart>
+    <c:title>
+      <c:layout/>
+      <c:overlay val="0"/>
+      <c:spPr>
+        <a:noFill/>
+        <a:ln>
+          <a:noFill/>
+        </a:ln>
+        <a:effectLst/>
+      </c:spPr>
+      <c:txPr>
+        <a:bodyPr rot="0" spcFirstLastPara="1" vertOverflow="ellipsis" vert="horz" wrap="square" anchor="ctr" anchorCtr="1"/>
+        <a:lstStyle/>
+        <a:p>
+          <a:pPr>
+            <a:defRPr sz="1862" b="0" i="0" u="none" strike="noStrike" kern="1200" spc="0" baseline="0">
+              <a:solidFill>
+                <a:schemeClr val="tx1">
+                  <a:lumMod val="65000"/>
+                  <a:lumOff val="35000"/>
+                </a:schemeClr>
+              </a:solidFill>
+              <a:latin typeface="+mn-lt"/>
+              <a:ea typeface="+mn-ea"/>
+              <a:cs typeface="+mn-cs"/>
+            </a:defRPr>
+          </a:pPr>
+          <a:endParaRPr lang="fr-FR"/>
+        </a:p>
+      </c:txPr>
+    </c:title>
+    <c:autoTitleDeleted val="0"/>
+    <c:view3D>
+      <c:rotX val="30"/>
+      <c:rotY val="0"/>
+      <c:depthPercent val="100"/>
+      <c:rAngAx val="0"/>
+    </c:view3D>
+    <c:floor>
+      <c:thickness val="0"/>
+      <c:spPr>
+        <a:noFill/>
+        <a:ln>
+          <a:noFill/>
+        </a:ln>
+        <a:effectLst/>
+        <a:sp3d/>
+      </c:spPr>
+    </c:floor>
+    <c:sideWall>
+      <c:thickness val="0"/>
+      <c:spPr>
+        <a:noFill/>
+        <a:ln>
+          <a:noFill/>
+        </a:ln>
+        <a:effectLst/>
+        <a:sp3d/>
+      </c:spPr>
+    </c:sideWall>
+    <c:backWall>
+      <c:thickness val="0"/>
+      <c:spPr>
+        <a:noFill/>
+        <a:ln>
+          <a:noFill/>
+        </a:ln>
+        <a:effectLst/>
+        <a:sp3d/>
+      </c:spPr>
+    </c:backWall>
+    <c:plotArea>
+      <c:layout/>
+      <c:pie3DChart>
+        <c:varyColors val="1"/>
+        <c:ser>
+          <c:idx val="0"/>
+          <c:order val="0"/>
+          <c:tx>
+            <c:strRef>
+              <c:f>Feuil1!$B$1</c:f>
+              <c:strCache>
+                <c:ptCount val="1"/>
+                <c:pt idx="0">
+                  <c:v>Snake Project</c:v>
+                </c:pt>
+              </c:strCache>
+            </c:strRef>
+          </c:tx>
+          <c:explosion val="36"/>
+          <c:dPt>
+            <c:idx val="0"/>
+            <c:bubble3D val="0"/>
+            <c:spPr>
+              <a:solidFill>
+                <a:schemeClr val="accent1"/>
+              </a:solidFill>
+              <a:ln w="25400">
+                <a:solidFill>
+                  <a:schemeClr val="lt1"/>
+                </a:solidFill>
+              </a:ln>
+              <a:effectLst/>
+              <a:sp3d contourW="25400">
+                <a:contourClr>
+                  <a:schemeClr val="lt1"/>
+                </a:contourClr>
+              </a:sp3d>
+            </c:spPr>
+          </c:dPt>
+          <c:dPt>
+            <c:idx val="1"/>
+            <c:bubble3D val="0"/>
+            <c:spPr>
+              <a:solidFill>
+                <a:schemeClr val="accent3"/>
+              </a:solidFill>
+              <a:ln w="25400">
+                <a:solidFill>
+                  <a:schemeClr val="lt1"/>
+                </a:solidFill>
+              </a:ln>
+              <a:effectLst/>
+              <a:sp3d contourW="25400">
+                <a:contourClr>
+                  <a:schemeClr val="lt1"/>
+                </a:contourClr>
+              </a:sp3d>
+            </c:spPr>
+          </c:dPt>
+          <c:cat>
+            <c:strRef>
+              <c:f>Feuil1!$A$2:$A$3</c:f>
+              <c:strCache>
+                <c:ptCount val="2"/>
+                <c:pt idx="0">
+                  <c:v>Compatibilité Git/IntelliJ</c:v>
+                </c:pt>
+                <c:pt idx="1">
+                  <c:v>Logique Modèle</c:v>
+                </c:pt>
+              </c:strCache>
+            </c:strRef>
+          </c:cat>
+          <c:val>
+            <c:numRef>
+              <c:f>Feuil1!$B$2:$B$3</c:f>
+              <c:numCache>
+                <c:formatCode>General</c:formatCode>
+                <c:ptCount val="2"/>
+                <c:pt idx="0">
+                  <c:v>28</c:v>
+                </c:pt>
+                <c:pt idx="1">
+                  <c:v>72</c:v>
+                </c:pt>
+              </c:numCache>
+            </c:numRef>
+          </c:val>
+        </c:ser>
+        <c:dLbls>
+          <c:showLegendKey val="0"/>
+          <c:showVal val="0"/>
+          <c:showCatName val="0"/>
+          <c:showSerName val="0"/>
+          <c:showPercent val="0"/>
+          <c:showBubbleSize val="0"/>
+          <c:showLeaderLines val="1"/>
+        </c:dLbls>
+      </c:pie3DChart>
+      <c:spPr>
+        <a:noFill/>
+        <a:ln>
+          <a:noFill/>
+        </a:ln>
+        <a:effectLst/>
+      </c:spPr>
+    </c:plotArea>
+    <c:legend>
+      <c:legendPos val="b"/>
+      <c:layout/>
+      <c:overlay val="0"/>
+      <c:spPr>
+        <a:noFill/>
+        <a:ln>
+          <a:noFill/>
+        </a:ln>
+        <a:effectLst/>
+      </c:spPr>
+      <c:txPr>
+        <a:bodyPr rot="0" spcFirstLastPara="1" vertOverflow="ellipsis" vert="horz" wrap="square" anchor="ctr" anchorCtr="1"/>
+        <a:lstStyle/>
+        <a:p>
+          <a:pPr>
+            <a:defRPr sz="1197" b="0" i="0" u="none" strike="noStrike" kern="1200" baseline="0">
+              <a:solidFill>
+                <a:schemeClr val="tx1">
+                  <a:lumMod val="65000"/>
+                  <a:lumOff val="35000"/>
+                </a:schemeClr>
+              </a:solidFill>
+              <a:latin typeface="+mn-lt"/>
+              <a:ea typeface="+mn-ea"/>
+              <a:cs typeface="+mn-cs"/>
+            </a:defRPr>
+          </a:pPr>
+          <a:endParaRPr lang="fr-FR"/>
+        </a:p>
+      </c:txPr>
+    </c:legend>
+    <c:plotVisOnly val="1"/>
+    <c:dispBlanksAs val="gap"/>
+    <c:showDLblsOverMax val="0"/>
+  </c:chart>
+  <c:spPr>
+    <a:noFill/>
+    <a:ln>
+      <a:noFill/>
+    </a:ln>
+    <a:effectLst/>
+  </c:spPr>
+  <c:txPr>
+    <a:bodyPr/>
+    <a:lstStyle/>
+    <a:p>
+      <a:pPr>
+        <a:defRPr/>
+      </a:pPr>
+      <a:endParaRPr lang="fr-FR"/>
+    </a:p>
+  </c:txPr>
+  <c:externalData r:id="rId3">
+    <c:autoUpdate val="0"/>
+  </c:externalData>
+</c:chartSpace>
+</file>
+
+<file path=ppt/charts/colors1.xml><?xml version="1.0" encoding="utf-8"?>
+<cs:colorStyle xmlns:cs="http://schemas.microsoft.com/office/drawing/2012/chartStyle" xmlns:a="http://schemas.openxmlformats.org/drawingml/2006/main" meth="cycle" id="11">
+  <a:schemeClr val="accent1"/>
+  <a:schemeClr val="accent3"/>
+  <a:schemeClr val="accent5"/>
+  <cs:variation/>
+  <cs:variation>
+    <a:lumMod val="60000"/>
+  </cs:variation>
+  <cs:variation>
+    <a:lumMod val="80000"/>
+    <a:lumOff val="20000"/>
+  </cs:variation>
+  <cs:variation>
+    <a:lumMod val="80000"/>
+  </cs:variation>
+  <cs:variation>
+    <a:lumMod val="60000"/>
+    <a:lumOff val="40000"/>
+  </cs:variation>
+  <cs:variation>
+    <a:lumMod val="50000"/>
+  </cs:variation>
+  <cs:variation>
+    <a:lumMod val="70000"/>
+    <a:lumOff val="30000"/>
+  </cs:variation>
+  <cs:variation>
+    <a:lumMod val="70000"/>
+  </cs:variation>
+  <cs:variation>
+    <a:lumMod val="50000"/>
+    <a:lumOff val="50000"/>
+  </cs:variation>
+</cs:colorStyle>
+</file>
+
+<file path=ppt/charts/style1.xml><?xml version="1.0" encoding="utf-8"?>
+<cs:chartStyle xmlns:cs="http://schemas.microsoft.com/office/drawing/2012/chartStyle" xmlns:a="http://schemas.openxmlformats.org/drawingml/2006/main" id="262">
+  <cs:axisTitle>
+    <cs:lnRef idx="0"/>
+    <cs:fillRef idx="0"/>
+    <cs:effectRef idx="0"/>
+    <cs:fontRef idx="minor">
+      <a:schemeClr val="tx1">
+        <a:lumMod val="65000"/>
+        <a:lumOff val="35000"/>
+      </a:schemeClr>
+    </cs:fontRef>
+    <cs:defRPr sz="1330" kern="1200"/>
+  </cs:axisTitle>
+  <cs:categoryAxis>
+    <cs:lnRef idx="0"/>
+    <cs:fillRef idx="0"/>
+    <cs:effectRef idx="0"/>
+    <cs:fontRef idx="minor">
+      <a:schemeClr val="tx1">
+        <a:lumMod val="65000"/>
+        <a:lumOff val="35000"/>
+      </a:schemeClr>
+    </cs:fontRef>
+    <cs:spPr>
+      <a:ln w="9525" cap="flat" cmpd="sng" algn="ctr">
+        <a:solidFill>
+          <a:schemeClr val="tx1">
+            <a:lumMod val="15000"/>
+            <a:lumOff val="85000"/>
+          </a:schemeClr>
+        </a:solidFill>
+        <a:round/>
+      </a:ln>
+    </cs:spPr>
+    <cs:defRPr sz="1197" kern="1200"/>
+  </cs:categoryAxis>
+  <cs:chartArea mods="allowNoFillOverride allowNoLineOverride">
+    <cs:lnRef idx="0"/>
+    <cs:fillRef idx="0"/>
+    <cs:effectRef idx="0"/>
+    <cs:fontRef idx="minor">
+      <a:schemeClr val="tx1"/>
+    </cs:fontRef>
+    <cs:spPr>
+      <a:solidFill>
+        <a:schemeClr val="bg1"/>
+      </a:solidFill>
+      <a:ln w="9525" cap="flat" cmpd="sng" algn="ctr">
+        <a:solidFill>
+          <a:schemeClr val="tx1">
+            <a:lumMod val="15000"/>
+            <a:lumOff val="85000"/>
+          </a:schemeClr>
+        </a:solidFill>
+        <a:round/>
+      </a:ln>
+    </cs:spPr>
+    <cs:defRPr sz="1197" kern="1200"/>
+  </cs:chartArea>
+  <cs:dataLabel>
+    <cs:lnRef idx="0"/>
+    <cs:fillRef idx="0"/>
+    <cs:effectRef idx="0"/>
+    <cs:fontRef idx="minor">
+      <a:schemeClr val="tx1">
+        <a:lumMod val="75000"/>
+        <a:lumOff val="25000"/>
+      </a:schemeClr>
+    </cs:fontRef>
+    <cs:defRPr sz="1197" kern="1200"/>
+  </cs:dataLabel>
+  <cs:dataLabelCallout>
+    <cs:lnRef idx="0"/>
+    <cs:fillRef idx="0"/>
+    <cs:effectRef idx="0"/>
+    <cs:fontRef idx="minor">
+      <a:schemeClr val="dk1">
+        <a:lumMod val="65000"/>
+        <a:lumOff val="35000"/>
+      </a:schemeClr>
+    </cs:fontRef>
+    <cs:spPr>
+      <a:solidFill>
+        <a:schemeClr val="lt1"/>
+      </a:solidFill>
+      <a:ln>
+        <a:solidFill>
+          <a:schemeClr val="dk1">
+            <a:lumMod val="25000"/>
+            <a:lumOff val="75000"/>
+          </a:schemeClr>
+        </a:solidFill>
+      </a:ln>
+    </cs:spPr>
+    <cs:defRPr sz="1197" kern="1200"/>
+    <cs:bodyPr rot="0" spcFirstLastPara="1" vertOverflow="clip" horzOverflow="clip" vert="horz" wrap="square" lIns="36576" tIns="18288" rIns="36576" bIns="18288" anchor="ctr" anchorCtr="1">
+      <a:spAutoFit/>
+    </cs:bodyPr>
+  </cs:dataLabelCallout>
+  <cs:dataPoint>
+    <cs:lnRef idx="0"/>
+    <cs:fillRef idx="1">
+      <cs:styleClr val="auto"/>
+    </cs:fillRef>
+    <cs:effectRef idx="0"/>
+    <cs:fontRef idx="minor">
+      <a:schemeClr val="tx1"/>
+    </cs:fontRef>
+    <cs:spPr>
+      <a:ln w="19050">
+        <a:solidFill>
+          <a:schemeClr val="lt1"/>
+        </a:solidFill>
+      </a:ln>
+    </cs:spPr>
+  </cs:dataPoint>
+  <cs:dataPoint3D>
+    <cs:lnRef idx="0"/>
+    <cs:fillRef idx="1">
+      <cs:styleClr val="auto"/>
+    </cs:fillRef>
+    <cs:effectRef idx="0"/>
+    <cs:fontRef idx="minor">
+      <a:schemeClr val="tx1"/>
+    </cs:fontRef>
+    <cs:spPr>
+      <a:ln w="25400">
+        <a:solidFill>
+          <a:schemeClr val="lt1"/>
+        </a:solidFill>
+      </a:ln>
+    </cs:spPr>
+  </cs:dataPoint3D>
+  <cs:dataPointLine>
+    <cs:lnRef idx="0">
+      <cs:styleClr val="auto"/>
+    </cs:lnRef>
+    <cs:fillRef idx="0"/>
+    <cs:effectRef idx="0"/>
+    <cs:fontRef idx="minor">
+      <a:schemeClr val="tx1"/>
+    </cs:fontRef>
+    <cs:spPr>
+      <a:ln w="28575" cap="rnd">
+        <a:solidFill>
+          <a:schemeClr val="phClr"/>
+        </a:solidFill>
+        <a:round/>
+      </a:ln>
+    </cs:spPr>
+  </cs:dataPointLine>
+  <cs:dataPointMarker>
+    <cs:lnRef idx="0">
+      <cs:styleClr val="auto"/>
+    </cs:lnRef>
+    <cs:fillRef idx="1">
+      <cs:styleClr val="auto"/>
+    </cs:fillRef>
+    <cs:effectRef idx="0"/>
+    <cs:fontRef idx="minor">
+      <a:schemeClr val="tx1"/>
+    </cs:fontRef>
+    <cs:spPr>
+      <a:ln w="9525">
+        <a:solidFill>
+          <a:schemeClr val="phClr"/>
+        </a:solidFill>
+      </a:ln>
+    </cs:spPr>
+  </cs:dataPointMarker>
+  <cs:dataPointMarkerLayout symbol="circle" size="5"/>
+  <cs:dataPointWireframe>
+    <cs:lnRef idx="0">
+      <cs:styleClr val="auto"/>
+    </cs:lnRef>
+    <cs:fillRef idx="0"/>
+    <cs:effectRef idx="0"/>
+    <cs:fontRef idx="minor">
+      <a:schemeClr val="tx1"/>
+    </cs:fontRef>
+    <cs:spPr>
+      <a:ln w="9525" cap="rnd">
+        <a:solidFill>
+          <a:schemeClr val="phClr"/>
+        </a:solidFill>
+        <a:round/>
+      </a:ln>
+    </cs:spPr>
+  </cs:dataPointWireframe>
+  <cs:dataTable>
+    <cs:lnRef idx="0"/>
+    <cs:fillRef idx="0"/>
+    <cs:effectRef idx="0"/>
+    <cs:fontRef idx="minor">
+      <a:schemeClr val="tx1">
+        <a:lumMod val="65000"/>
+        <a:lumOff val="35000"/>
+      </a:schemeClr>
+    </cs:fontRef>
+    <cs:spPr>
+      <a:noFill/>
+      <a:ln w="9525" cap="flat" cmpd="sng" algn="ctr">
+        <a:solidFill>
+          <a:schemeClr val="tx1">
+            <a:lumMod val="15000"/>
+            <a:lumOff val="85000"/>
+          </a:schemeClr>
+        </a:solidFill>
+        <a:round/>
+      </a:ln>
+    </cs:spPr>
+    <cs:defRPr sz="1197" kern="1200"/>
+  </cs:dataTable>
+  <cs:downBar>
+    <cs:lnRef idx="0"/>
+    <cs:fillRef idx="0"/>
+    <cs:effectRef idx="0"/>
+    <cs:fontRef idx="minor">
+      <a:schemeClr val="tx1"/>
+    </cs:fontRef>
+    <cs:spPr>
+      <a:solidFill>
+        <a:schemeClr val="dk1">
+          <a:lumMod val="75000"/>
+          <a:lumOff val="25000"/>
+        </a:schemeClr>
+      </a:solidFill>
+      <a:ln w="9525" cap="flat" cmpd="sng" algn="ctr">
+        <a:solidFill>
+          <a:schemeClr val="tx1">
+            <a:lumMod val="65000"/>
+            <a:lumOff val="35000"/>
+          </a:schemeClr>
+        </a:solidFill>
+        <a:round/>
+      </a:ln>
+    </cs:spPr>
+  </cs:downBar>
+  <cs:dropLine>
+    <cs:lnRef idx="0"/>
+    <cs:fillRef idx="0"/>
+    <cs:effectRef idx="0"/>
+    <cs:fontRef idx="minor">
+      <a:schemeClr val="tx1"/>
+    </cs:fontRef>
+    <cs:spPr>
+      <a:ln w="9525" cap="flat" cmpd="sng" algn="ctr">
+        <a:solidFill>
+          <a:schemeClr val="tx1">
+            <a:lumMod val="35000"/>
+            <a:lumOff val="65000"/>
+          </a:schemeClr>
+        </a:solidFill>
+        <a:round/>
+      </a:ln>
+    </cs:spPr>
+  </cs:dropLine>
+  <cs:errorBar>
+    <cs:lnRef idx="0"/>
+    <cs:fillRef idx="0"/>
+    <cs:effectRef idx="0"/>
+    <cs:fontRef idx="minor">
+      <a:schemeClr val="tx1"/>
+    </cs:fontRef>
+    <cs:spPr>
+      <a:ln w="9525" cap="flat" cmpd="sng" algn="ctr">
+        <a:solidFill>
+          <a:schemeClr val="tx1">
+            <a:lumMod val="65000"/>
+            <a:lumOff val="35000"/>
+          </a:schemeClr>
+        </a:solidFill>
+        <a:round/>
+      </a:ln>
+    </cs:spPr>
+  </cs:errorBar>
+  <cs:floor>
+    <cs:lnRef idx="0"/>
+    <cs:fillRef idx="0"/>
+    <cs:effectRef idx="0"/>
+    <cs:fontRef idx="minor">
+      <a:schemeClr val="tx1"/>
+    </cs:fontRef>
+    <cs:spPr>
+      <a:noFill/>
+      <a:ln>
+        <a:noFill/>
+      </a:ln>
+    </cs:spPr>
+  </cs:floor>
+  <cs:gridlineMajor>
+    <cs:lnRef idx="0"/>
+    <cs:fillRef idx="0"/>
+    <cs:effectRef idx="0"/>
+    <cs:fontRef idx="minor">
+      <a:schemeClr val="tx1"/>
+    </cs:fontRef>
+    <cs:spPr>
+      <a:ln w="9525" cap="flat" cmpd="sng" algn="ctr">
+        <a:solidFill>
+          <a:schemeClr val="tx1">
+            <a:lumMod val="15000"/>
+            <a:lumOff val="85000"/>
+          </a:schemeClr>
+        </a:solidFill>
+        <a:round/>
+      </a:ln>
+    </cs:spPr>
+  </cs:gridlineMajor>
+  <cs:gridlineMinor>
+    <cs:lnRef idx="0"/>
+    <cs:fillRef idx="0"/>
+    <cs:effectRef idx="0"/>
+    <cs:fontRef idx="minor">
+      <a:schemeClr val="tx1"/>
+    </cs:fontRef>
+    <cs:spPr>
+      <a:ln w="9525" cap="flat" cmpd="sng" algn="ctr">
+        <a:solidFill>
+          <a:schemeClr val="tx1">
+            <a:lumMod val="5000"/>
+            <a:lumOff val="95000"/>
+          </a:schemeClr>
+        </a:solidFill>
+        <a:round/>
+      </a:ln>
+    </cs:spPr>
+  </cs:gridlineMinor>
+  <cs:hiLoLine>
+    <cs:lnRef idx="0"/>
+    <cs:fillRef idx="0"/>
+    <cs:effectRef idx="0"/>
+    <cs:fontRef idx="minor">
+      <a:schemeClr val="tx1"/>
+    </cs:fontRef>
+    <cs:spPr>
+      <a:ln w="9525" cap="flat" cmpd="sng" algn="ctr">
+        <a:solidFill>
+          <a:schemeClr val="tx1">
+            <a:lumMod val="50000"/>
+            <a:lumOff val="50000"/>
+          </a:schemeClr>
+        </a:solidFill>
+        <a:round/>
+      </a:ln>
+    </cs:spPr>
+  </cs:hiLoLine>
+  <cs:leaderLine>
+    <cs:lnRef idx="0"/>
+    <cs:fillRef idx="0"/>
+    <cs:effectRef idx="0"/>
+    <cs:fontRef idx="minor">
+      <a:schemeClr val="tx1"/>
+    </cs:fontRef>
+    <cs:spPr>
+      <a:ln w="9525" cap="flat" cmpd="sng" algn="ctr">
+        <a:solidFill>
+          <a:schemeClr val="tx1">
+            <a:lumMod val="35000"/>
+            <a:lumOff val="65000"/>
+          </a:schemeClr>
+        </a:solidFill>
+        <a:round/>
+      </a:ln>
+    </cs:spPr>
+  </cs:leaderLine>
+  <cs:legend>
+    <cs:lnRef idx="0"/>
+    <cs:fillRef idx="0"/>
+    <cs:effectRef idx="0"/>
+    <cs:fontRef idx="minor">
+      <a:schemeClr val="tx1">
+        <a:lumMod val="65000"/>
+        <a:lumOff val="35000"/>
+      </a:schemeClr>
+    </cs:fontRef>
+    <cs:defRPr sz="1197" kern="1200"/>
+  </cs:legend>
+  <cs:plotArea mods="allowNoFillOverride allowNoLineOverride">
+    <cs:lnRef idx="0"/>
+    <cs:fillRef idx="0"/>
+    <cs:effectRef idx="0"/>
+    <cs:fontRef idx="minor">
+      <a:schemeClr val="tx1"/>
+    </cs:fontRef>
+  </cs:plotArea>
+  <cs:plotArea3D mods="allowNoFillOverride allowNoLineOverride">
+    <cs:lnRef idx="0"/>
+    <cs:fillRef idx="0"/>
+    <cs:effectRef idx="0"/>
+    <cs:fontRef idx="minor">
+      <a:schemeClr val="tx1"/>
+    </cs:fontRef>
+  </cs:plotArea3D>
+  <cs:seriesAxis>
+    <cs:lnRef idx="0"/>
+    <cs:fillRef idx="0"/>
+    <cs:effectRef idx="0"/>
+    <cs:fontRef idx="minor">
+      <a:schemeClr val="tx1">
+        <a:lumMod val="65000"/>
+        <a:lumOff val="35000"/>
+      </a:schemeClr>
+    </cs:fontRef>
+    <cs:defRPr sz="1197" kern="1200"/>
+  </cs:seriesAxis>
+  <cs:seriesLine>
+    <cs:lnRef idx="0"/>
+    <cs:fillRef idx="0"/>
+    <cs:effectRef idx="0"/>
+    <cs:fontRef idx="minor">
+      <a:schemeClr val="tx1"/>
+    </cs:fontRef>
+    <cs:spPr>
+      <a:ln w="9525" cap="flat" cmpd="sng" algn="ctr">
+        <a:solidFill>
+          <a:schemeClr val="tx1">
+            <a:lumMod val="35000"/>
+            <a:lumOff val="65000"/>
+          </a:schemeClr>
+        </a:solidFill>
+        <a:round/>
+      </a:ln>
+    </cs:spPr>
+  </cs:seriesLine>
+  <cs:title>
+    <cs:lnRef idx="0"/>
+    <cs:fillRef idx="0"/>
+    <cs:effectRef idx="0"/>
+    <cs:fontRef idx="minor">
+      <a:schemeClr val="tx1">
+        <a:lumMod val="65000"/>
+        <a:lumOff val="35000"/>
+      </a:schemeClr>
+    </cs:fontRef>
+    <cs:defRPr sz="1862" b="0" kern="1200" spc="0" baseline="0"/>
+  </cs:title>
+  <cs:trendline>
+    <cs:lnRef idx="0">
+      <cs:styleClr val="auto"/>
+    </cs:lnRef>
+    <cs:fillRef idx="0"/>
+    <cs:effectRef idx="0"/>
+    <cs:fontRef idx="minor">
+      <a:schemeClr val="tx1"/>
+    </cs:fontRef>
+    <cs:spPr>
+      <a:ln w="19050" cap="rnd">
+        <a:solidFill>
+          <a:schemeClr val="phClr"/>
+        </a:solidFill>
+        <a:prstDash val="sysDot"/>
+      </a:ln>
+    </cs:spPr>
+  </cs:trendline>
+  <cs:trendlineLabel>
+    <cs:lnRef idx="0"/>
+    <cs:fillRef idx="0"/>
+    <cs:effectRef idx="0"/>
+    <cs:fontRef idx="minor">
+      <a:schemeClr val="tx1">
+        <a:lumMod val="65000"/>
+        <a:lumOff val="35000"/>
+      </a:schemeClr>
+    </cs:fontRef>
+    <cs:defRPr sz="1197" kern="1200"/>
+  </cs:trendlineLabel>
+  <cs:upBar>
+    <cs:lnRef idx="0"/>
+    <cs:fillRef idx="0"/>
+    <cs:effectRef idx="0"/>
+    <cs:fontRef idx="minor">
+      <a:schemeClr val="tx1"/>
+    </cs:fontRef>
+    <cs:spPr>
+      <a:solidFill>
+        <a:schemeClr val="lt1"/>
+      </a:solidFill>
+      <a:ln w="9525" cap="flat" cmpd="sng" algn="ctr">
+        <a:solidFill>
+          <a:schemeClr val="tx1">
+            <a:lumMod val="65000"/>
+            <a:lumOff val="35000"/>
+          </a:schemeClr>
+        </a:solidFill>
+        <a:round/>
+      </a:ln>
+    </cs:spPr>
+  </cs:upBar>
+  <cs:valueAxis>
+    <cs:lnRef idx="0"/>
+    <cs:fillRef idx="0"/>
+    <cs:effectRef idx="0"/>
+    <cs:fontRef idx="minor">
+      <a:schemeClr val="tx1">
+        <a:lumMod val="65000"/>
+        <a:lumOff val="35000"/>
+      </a:schemeClr>
+    </cs:fontRef>
+    <cs:defRPr sz="1197" kern="1200"/>
+  </cs:valueAxis>
+  <cs:wall>
+    <cs:lnRef idx="0"/>
+    <cs:fillRef idx="0"/>
+    <cs:effectRef idx="0"/>
+    <cs:fontRef idx="minor">
+      <a:schemeClr val="tx1"/>
+    </cs:fontRef>
+    <cs:spPr>
+      <a:noFill/>
+      <a:ln>
+        <a:noFill/>
+      </a:ln>
+    </cs:spPr>
+  </cs:wall>
+</cs:chartStyle>
+</file>
+
+<file path=ppt/diagrams/colors1.xml><?xml version="1.0" encoding="utf-8"?>
+<dgm:colorsDef xmlns:dgm="http://schemas.openxmlformats.org/drawingml/2006/diagram" xmlns:a="http://schemas.openxmlformats.org/drawingml/2006/main" uniqueId="urn:microsoft.com/office/officeart/2005/8/colors/accent1_2">
+  <dgm:title val=""/>
+  <dgm:desc val=""/>
+  <dgm:catLst>
+    <dgm:cat type="accent1" pri="11200"/>
+  </dgm:catLst>
+  <dgm:styleLbl name="node0">
+    <dgm:fillClrLst meth="repeat">
+      <a:schemeClr val="accent1"/>
+    </dgm:fillClrLst>
+    <dgm:linClrLst meth="repeat">
+      <a:schemeClr val="lt1"/>
+    </dgm:linClrLst>
+    <dgm:effectClrLst/>
+    <dgm:txLinClrLst/>
+    <dgm:txFillClrLst/>
+    <dgm:txEffectClrLst/>
+  </dgm:styleLbl>
+  <dgm:styleLbl name="alignNode1">
+    <dgm:fillClrLst meth="repeat">
+      <a:schemeClr val="accent1"/>
+    </dgm:fillClrLst>
+    <dgm:linClrLst meth="repeat">
+      <a:schemeClr val="accent1"/>
+    </dgm:linClrLst>
+    <dgm:effectClrLst/>
+    <dgm:txLinClrLst/>
+    <dgm:txFillClrLst/>
+    <dgm:txEffectClrLst/>
+  </dgm:styleLbl>
+  <dgm:styleLbl name="node1">
+    <dgm:fillClrLst meth="repeat">
+      <a:schemeClr val="accent1"/>
+    </dgm:fillClrLst>
+    <dgm:linClrLst meth="repeat">
+      <a:schemeClr val="lt1"/>
+    </dgm:linClrLst>
+    <dgm:effectClrLst/>
+    <dgm:txLinClrLst/>
+    <dgm:txFillClrLst/>
+    <dgm:txEffectClrLst/>
+  </dgm:styleLbl>
+  <dgm:styleLbl name="lnNode1">
+    <dgm:fillClrLst meth="repeat">
+      <a:schemeClr val="accent1"/>
+    </dgm:fillClrLst>
+    <dgm:linClrLst meth="repeat">
+      <a:schemeClr val="lt1"/>
+    </dgm:linClrLst>
+    <dgm:effectClrLst/>
+    <dgm:txLinClrLst/>
+    <dgm:txFillClrLst/>
+    <dgm:txEffectClrLst/>
+  </dgm:styleLbl>
+  <dgm:styleLbl name="vennNode1">
+    <dgm:fillClrLst meth="repeat">
+      <a:schemeClr val="accent1">
+        <a:alpha val="50000"/>
+      </a:schemeClr>
+    </dgm:fillClrLst>
+    <dgm:linClrLst meth="repeat">
+      <a:schemeClr val="lt1"/>
+    </dgm:linClrLst>
+    <dgm:effectClrLst/>
+    <dgm:txLinClrLst/>
+    <dgm:txFillClrLst/>
+    <dgm:txEffectClrLst/>
+  </dgm:styleLbl>
+  <dgm:styleLbl name="node2">
+    <dgm:fillClrLst meth="repeat">
+      <a:schemeClr val="accent1"/>
+    </dgm:fillClrLst>
+    <dgm:linClrLst meth="repeat">
+      <a:schemeClr val="lt1"/>
+    </dgm:linClrLst>
+    <dgm:effectClrLst/>
+    <dgm:txLinClrLst/>
+    <dgm:txFillClrLst/>
+    <dgm:txEffectClrLst/>
+  </dgm:styleLbl>
+  <dgm:styleLbl name="node3">
+    <dgm:fillClrLst meth="repeat">
+      <a:schemeClr val="accent1"/>
+    </dgm:fillClrLst>
+    <dgm:linClrLst meth="repeat">
+      <a:schemeClr val="lt1"/>
+    </dgm:linClrLst>
+    <dgm:effectClrLst/>
+    <dgm:txLinClrLst/>
+    <dgm:txFillClrLst/>
+    <dgm:txEffectClrLst/>
+  </dgm:styleLbl>
+  <dgm:styleLbl name="node4">
+    <dgm:fillClrLst meth="repeat">
+      <a:schemeClr val="accent1"/>
+    </dgm:fillClrLst>
+    <dgm:linClrLst meth="repeat">
+      <a:schemeClr val="lt1"/>
+    </dgm:linClrLst>
+    <dgm:effectClrLst/>
+    <dgm:txLinClrLst/>
+    <dgm:txFillClrLst/>
+    <dgm:txEffectClrLst/>
+  </dgm:styleLbl>
+  <dgm:styleLbl name="fgImgPlace1">
+    <dgm:fillClrLst meth="repeat">
+      <a:schemeClr val="accent1">
+        <a:tint val="50000"/>
+      </a:schemeClr>
+    </dgm:fillClrLst>
+    <dgm:linClrLst meth="repeat">
+      <a:schemeClr val="lt1"/>
+    </dgm:linClrLst>
+    <dgm:effectClrLst/>
+    <dgm:txLinClrLst/>
+    <dgm:txFillClrLst meth="repeat">
+      <a:schemeClr val="lt1"/>
+    </dgm:txFillClrLst>
+    <dgm:txEffectClrLst/>
+  </dgm:styleLbl>
+  <dgm:styleLbl name="alignImgPlace1">
+    <dgm:fillClrLst meth="repeat">
+      <a:schemeClr val="accent1">
+        <a:tint val="50000"/>
+      </a:schemeClr>
+    </dgm:fillClrLst>
+    <dgm:linClrLst meth="repeat">
+      <a:schemeClr val="lt1"/>
+    </dgm:linClrLst>
+    <dgm:effectClrLst/>
+    <dgm:txLinClrLst/>
+    <dgm:txFillClrLst meth="repeat">
+      <a:schemeClr val="lt1"/>
+    </dgm:txFillClrLst>
+    <dgm:txEffectClrLst/>
+  </dgm:styleLbl>
+  <dgm:styleLbl name="bgImgPlace1">
+    <dgm:fillClrLst meth="repeat">
+      <a:schemeClr val="accent1">
+        <a:tint val="50000"/>
+      </a:schemeClr>
+    </dgm:fillClrLst>
+    <dgm:linClrLst meth="repeat">
+      <a:schemeClr val="lt1"/>
+    </dgm:linClrLst>
+    <dgm:effectClrLst/>
+    <dgm:txLinClrLst/>
+    <dgm:txFillClrLst meth="repeat">
+      <a:schemeClr val="lt1"/>
+    </dgm:txFillClrLst>
+    <dgm:txEffectClrLst/>
+  </dgm:styleLbl>
+  <dgm:styleLbl name="sibTrans2D1">
+    <dgm:fillClrLst meth="repeat">
+      <a:schemeClr val="accent1">
+        <a:tint val="60000"/>
+      </a:schemeClr>
+    </dgm:fillClrLst>
+    <dgm:linClrLst meth="repeat">
+      <a:schemeClr val="accent1">
+        <a:tint val="60000"/>
+      </a:schemeClr>
+    </dgm:linClrLst>
+    <dgm:effectClrLst/>
+    <dgm:txLinClrLst/>
+    <dgm:txFillClrLst/>
+    <dgm:txEffectClrLst/>
+  </dgm:styleLbl>
+  <dgm:styleLbl name="fgSibTrans2D1">
+    <dgm:fillClrLst meth="repeat">
+      <a:schemeClr val="accent1">
+        <a:tint val="60000"/>
+      </a:schemeClr>
+    </dgm:fillClrLst>
+    <dgm:linClrLst meth="repeat">
+      <a:schemeClr val="accent1">
+        <a:tint val="60000"/>
+      </a:schemeClr>
+    </dgm:linClrLst>
+    <dgm:effectClrLst/>
+    <dgm:txLinClrLst/>
+    <dgm:txFillClrLst/>
+    <dgm:txEffectClrLst/>
+  </dgm:styleLbl>
+  <dgm:styleLbl name="bgSibTrans2D1">
+    <dgm:fillClrLst meth="repeat">
+      <a:schemeClr val="accent1">
+        <a:tint val="60000"/>
+      </a:schemeClr>
+    </dgm:fillClrLst>
+    <dgm:linClrLst meth="repeat">
+      <a:schemeClr val="accent1">
+        <a:tint val="60000"/>
+      </a:schemeClr>
+    </dgm:linClrLst>
+    <dgm:effectClrLst/>
+    <dgm:txLinClrLst/>
+    <dgm:txFillClrLst/>
+    <dgm:txEffectClrLst/>
+  </dgm:styleLbl>
+  <dgm:styleLbl name="sibTrans1D1">
+    <dgm:fillClrLst meth="repeat">
+      <a:schemeClr val="accent1"/>
+    </dgm:fillClrLst>
+    <dgm:linClrLst meth="repeat">
+      <a:schemeClr val="accent1"/>
+    </dgm:linClrLst>
+    <dgm:effectClrLst/>
+    <dgm:txLinClrLst/>
+    <dgm:txFillClrLst meth="repeat">
+      <a:schemeClr val="tx1"/>
+    </dgm:txFillClrLst>
+    <dgm:txEffectClrLst/>
+  </dgm:styleLbl>
+  <dgm:styleLbl name="callout">
+    <dgm:fillClrLst meth="repeat">
+      <a:schemeClr val="accent1"/>
+    </dgm:fillClrLst>
+    <dgm:linClrLst meth="repeat">
+      <a:schemeClr val="accent1">
+        <a:tint val="50000"/>
+      </a:schemeClr>
+    </dgm:linClrLst>
+    <dgm:effectClrLst/>
+    <dgm:txLinClrLst/>
+    <dgm:txFillClrLst meth="repeat">
+      <a:schemeClr val="tx1"/>
+    </dgm:txFillClrLst>
+    <dgm:txEffectClrLst/>
+  </dgm:styleLbl>
+  <dgm:styleLbl name="asst0">
+    <dgm:fillClrLst meth="repeat">
+      <a:schemeClr val="accent1"/>
+    </dgm:fillClrLst>
+    <dgm:linClrLst meth="repeat">
+      <a:schemeClr val="lt1"/>
+    </dgm:linClrLst>
+    <dgm:effectClrLst/>
+    <dgm:txLinClrLst/>
+    <dgm:txFillClrLst/>
+    <dgm:txEffectClrLst/>
+  </dgm:styleLbl>
+  <dgm:styleLbl name="asst1">
+    <dgm:fillClrLst meth="repeat">
+      <a:schemeClr val="accent1"/>
+    </dgm:fillClrLst>
+    <dgm:linClrLst meth="repeat">
+      <a:schemeClr val="lt1"/>
+    </dgm:linClrLst>
+    <dgm:effectClrLst/>
+    <dgm:txLinClrLst/>
+    <dgm:txFillClrLst/>
+    <dgm:txEffectClrLst/>
+  </dgm:styleLbl>
+  <dgm:styleLbl name="asst2">
+    <dgm:fillClrLst meth="repeat">
+      <a:schemeClr val="accent1"/>
+    </dgm:fillClrLst>
+    <dgm:linClrLst meth="repeat">
+      <a:schemeClr val="lt1"/>
+    </dgm:linClrLst>
+    <dgm:effectClrLst/>
+    <dgm:txLinClrLst/>
+    <dgm:txFillClrLst/>
+    <dgm:txEffectClrLst/>
+  </dgm:styleLbl>
+  <dgm:styleLbl name="asst3">
+    <dgm:fillClrLst meth="repeat">
+      <a:schemeClr val="accent1"/>
+    </dgm:fillClrLst>
+    <dgm:linClrLst meth="repeat">
+      <a:schemeClr val="lt1"/>
+    </dgm:linClrLst>
+    <dgm:effectClrLst/>
+    <dgm:txLinClrLst/>
+    <dgm:txFillClrLst/>
+    <dgm:txEffectClrLst/>
+  </dgm:styleLbl>
+  <dgm:styleLbl name="asst4">
+    <dgm:fillClrLst meth="repeat">
+      <a:schemeClr val="accent1"/>
+    </dgm:fillClrLst>
+    <dgm:linClrLst meth="repeat">
+      <a:schemeClr val="lt1"/>
+    </dgm:linClrLst>
+    <dgm:effectClrLst/>
+    <dgm:txLinClrLst/>
+    <dgm:txFillClrLst/>
+    <dgm:txEffectClrLst/>
+  </dgm:styleLbl>
+  <dgm:styleLbl name="parChTrans2D1">
+    <dgm:fillClrLst meth="repeat">
+      <a:schemeClr val="accent1">
+        <a:tint val="60000"/>
+      </a:schemeClr>
+    </dgm:fillClrLst>
+    <dgm:linClrLst meth="repeat">
+      <a:schemeClr val="accent1">
+        <a:tint val="60000"/>
+      </a:schemeClr>
+    </dgm:linClrLst>
+    <dgm:effectClrLst/>
+    <dgm:txLinClrLst/>
+    <dgm:txFillClrLst meth="repeat">
+      <a:schemeClr val="lt1"/>
+    </dgm:txFillClrLst>
+    <dgm:txEffectClrLst/>
+  </dgm:styleLbl>
+  <dgm:styleLbl name="parChTrans2D2">
+    <dgm:fillClrLst meth="repeat">
+      <a:schemeClr val="accent1"/>
+    </dgm:fillClrLst>
+    <dgm:linClrLst meth="repeat">
+      <a:schemeClr val="accent1"/>
+    </dgm:linClrLst>
+    <dgm:effectClrLst/>
+    <dgm:txLinClrLst/>
+    <dgm:txFillClrLst meth="repeat">
+      <a:schemeClr val="lt1"/>
+    </dgm:txFillClrLst>
+    <dgm:txEffectClrLst/>
+  </dgm:styleLbl>
+  <dgm:styleLbl name="parChTrans2D3">
+    <dgm:fillClrLst meth="repeat">
+      <a:schemeClr val="accent1"/>
+    </dgm:fillClrLst>
+    <dgm:linClrLst meth="repeat">
+      <a:schemeClr val="accent1"/>
+    </dgm:linClrLst>
+    <dgm:effectClrLst/>
+    <dgm:txLinClrLst/>
+    <dgm:txFillClrLst meth="repeat">
+      <a:schemeClr val="lt1"/>
+    </dgm:txFillClrLst>
+    <dgm:txEffectClrLst/>
+  </dgm:styleLbl>
+  <dgm:styleLbl name="parChTrans2D4">
+    <dgm:fillClrLst meth="repeat">
+      <a:schemeClr val="accent1"/>
+    </dgm:fillClrLst>
+    <dgm:linClrLst meth="repeat">
+      <a:schemeClr val="accent1"/>
+    </dgm:linClrLst>
+    <dgm:effectClrLst/>
+    <dgm:txLinClrLst/>
+    <dgm:txFillClrLst meth="repeat">
+      <a:schemeClr val="lt1"/>
+    </dgm:txFillClrLst>
+    <dgm:txEffectClrLst/>
+  </dgm:styleLbl>
+  <dgm:styleLbl name="parChTrans1D1">
+    <dgm:fillClrLst meth="repeat">
+      <a:schemeClr val="accent1"/>
+    </dgm:fillClrLst>
+    <dgm:linClrLst meth="repeat">
+      <a:schemeClr val="accent1">
+        <a:shade val="60000"/>
+      </a:schemeClr>
+    </dgm:linClrLst>
+    <dgm:effectClrLst/>
+    <dgm:txLinClrLst/>
+    <dgm:txFillClrLst meth="repeat">
+      <a:schemeClr val="tx1"/>
+    </dgm:txFillClrLst>
+    <dgm:txEffectClrLst/>
+  </dgm:styleLbl>
+  <dgm:styleLbl name="parChTrans1D2">
+    <dgm:fillClrLst meth="repeat">
+      <a:schemeClr val="accent1"/>
+    </dgm:fillClrLst>
+    <dgm:linClrLst meth="repeat">
+      <a:schemeClr val="accent1">
+        <a:shade val="60000"/>
+      </a:schemeClr>
+    </dgm:linClrLst>
+    <dgm:effectClrLst/>
+    <dgm:txLinClrLst/>
+    <dgm:txFillClrLst meth="repeat">
+      <a:schemeClr val="tx1"/>
+    </dgm:txFillClrLst>
+    <dgm:txEffectClrLst/>
+  </dgm:styleLbl>
+  <dgm:styleLbl name="parChTrans1D3">
+    <dgm:fillClrLst meth="repeat">
+      <a:schemeClr val="accent1"/>
+    </dgm:fillClrLst>
+    <dgm:linClrLst meth="repeat">
+      <a:schemeClr val="accent1">
+        <a:shade val="80000"/>
+      </a:schemeClr>
+    </dgm:linClrLst>
+    <dgm:effectClrLst/>
+    <dgm:txLinClrLst/>
+    <dgm:txFillClrLst meth="repeat">
+      <a:schemeClr val="tx1"/>
+    </dgm:txFillClrLst>
+    <dgm:txEffectClrLst/>
+  </dgm:styleLbl>
+  <dgm:styleLbl name="parChTrans1D4">
+    <dgm:fillClrLst meth="repeat">
+      <a:schemeClr val="accent1"/>
+    </dgm:fillClrLst>
+    <dgm:linClrLst meth="repeat">
+      <a:schemeClr val="accent1">
+        <a:shade val="80000"/>
+      </a:schemeClr>
+    </dgm:linClrLst>
+    <dgm:effectClrLst/>
+    <dgm:txLinClrLst/>
+    <dgm:txFillClrLst meth="repeat">
+      <a:schemeClr val="tx1"/>
+    </dgm:txFillClrLst>
+    <dgm:txEffectClrLst/>
+  </dgm:styleLbl>
+  <dgm:styleLbl name="fgAcc1">
+    <dgm:fillClrLst meth="repeat">
+      <a:schemeClr val="lt1">
+        <a:alpha val="90000"/>
+      </a:schemeClr>
+    </dgm:fillClrLst>
+    <dgm:linClrLst meth="repeat">
+      <a:schemeClr val="accent1"/>
+    </dgm:linClrLst>
+    <dgm:effectClrLst/>
+    <dgm:txLinClrLst/>
+    <dgm:txFillClrLst meth="repeat">
+      <a:schemeClr val="dk1"/>
+    </dgm:txFillClrLst>
+    <dgm:txEffectClrLst/>
+  </dgm:styleLbl>
+  <dgm:styleLbl name="conFgAcc1">
+    <dgm:fillClrLst meth="repeat">
+      <a:schemeClr val="lt1">
+        <a:alpha val="90000"/>
+      </a:schemeClr>
+    </dgm:fillClrLst>
+    <dgm:linClrLst meth="repeat">
+      <a:schemeClr val="accent1"/>
+    </dgm:linClrLst>
+    <dgm:effectClrLst/>
+    <dgm:txLinClrLst/>
+    <dgm:txFillClrLst meth="repeat">
+      <a:schemeClr val="dk1"/>
+    </dgm:txFillClrLst>
+    <dgm:txEffectClrLst/>
+  </dgm:styleLbl>
+  <dgm:styleLbl name="alignAcc1">
+    <dgm:fillClrLst meth="repeat">
+      <a:schemeClr val="lt1">
+        <a:alpha val="90000"/>
+      </a:schemeClr>
+    </dgm:fillClrLst>
+    <dgm:linClrLst meth="repeat">
+      <a:schemeClr val="accent1"/>
+    </dgm:linClrLst>
+    <dgm:effectClrLst/>
+    <dgm:txLinClrLst/>
+    <dgm:txFillClrLst meth="repeat">
+      <a:schemeClr val="dk1"/>
+    </dgm:txFillClrLst>
+    <dgm:txEffectClrLst/>
+  </dgm:styleLbl>
+  <dgm:styleLbl name="trAlignAcc1">
+    <dgm:fillClrLst meth="repeat">
+      <a:schemeClr val="lt1">
+        <a:alpha val="40000"/>
+      </a:schemeClr>
+    </dgm:fillClrLst>
+    <dgm:linClrLst meth="repeat">
+      <a:schemeClr val="accent1"/>
+    </dgm:linClrLst>
+    <dgm:effectClrLst/>
+    <dgm:txLinClrLst/>
+    <dgm:txFillClrLst meth="repeat">
+      <a:schemeClr val="dk1"/>
+    </dgm:txFillClrLst>
+    <dgm:txEffectClrLst/>
+  </dgm:styleLbl>
+  <dgm:styleLbl name="bgAcc1">
+    <dgm:fillClrLst meth="repeat">
+      <a:schemeClr val="lt1">
+        <a:alpha val="90000"/>
+      </a:schemeClr>
+    </dgm:fillClrLst>
+    <dgm:linClrLst meth="repeat">
+      <a:schemeClr val="accent1"/>
+    </dgm:linClrLst>
+    <dgm:effectClrLst/>
+    <dgm:txLinClrLst/>
+    <dgm:txFillClrLst meth="repeat">
+      <a:schemeClr val="dk1"/>
+    </dgm:txFillClrLst>
+    <dgm:txEffectClrLst/>
+  </dgm:styleLbl>
+  <dgm:styleLbl name="solidFgAcc1">
+    <dgm:fillClrLst meth="repeat">
+      <a:schemeClr val="lt1"/>
+    </dgm:fillClrLst>
+    <dgm:linClrLst meth="repeat">
+      <a:schemeClr val="accent1"/>
+    </dgm:linClrLst>
+    <dgm:effectClrLst/>
+    <dgm:txLinClrLst/>
+    <dgm:txFillClrLst meth="repeat">
+      <a:schemeClr val="dk1"/>
+    </dgm:txFillClrLst>
+    <dgm:txEffectClrLst/>
+  </dgm:styleLbl>
+  <dgm:styleLbl name="solidAlignAcc1">
+    <dgm:fillClrLst meth="repeat">
+      <a:schemeClr val="lt1"/>
+    </dgm:fillClrLst>
+    <dgm:linClrLst meth="repeat">
+      <a:schemeClr val="accent1"/>
+    </dgm:linClrLst>
+    <dgm:effectClrLst/>
+    <dgm:txLinClrLst/>
+    <dgm:txFillClrLst meth="repeat">
+      <a:schemeClr val="dk1"/>
+    </dgm:txFillClrLst>
+    <dgm:txEffectClrLst/>
+  </dgm:styleLbl>
+  <dgm:styleLbl name="solidBgAcc1">
+    <dgm:fillClrLst meth="repeat">
+      <a:schemeClr val="lt1"/>
+    </dgm:fillClrLst>
+    <dgm:linClrLst meth="repeat">
+      <a:schemeClr val="accent1"/>
+    </dgm:linClrLst>
+    <dgm:effectClrLst/>
+    <dgm:txLinClrLst/>
+    <dgm:txFillClrLst meth="repeat">
+      <a:schemeClr val="dk1"/>
+    </dgm:txFillClrLst>
+    <dgm:txEffectClrLst/>
+  </dgm:styleLbl>
+  <dgm:styleLbl name="fgAccFollowNode1">
+    <dgm:fillClrLst meth="repeat">
+      <a:schemeClr val="accent1">
+        <a:alpha val="90000"/>
+        <a:tint val="40000"/>
+      </a:schemeClr>
+    </dgm:fillClrLst>
+    <dgm:linClrLst meth="repeat">
+      <a:schemeClr val="accent1">
+        <a:alpha val="90000"/>
+        <a:tint val="40000"/>
+      </a:schemeClr>
+    </dgm:linClrLst>
+    <dgm:effectClrLst/>
+    <dgm:txLinClrLst/>
+    <dgm:txFillClrLst meth="repeat">
+      <a:schemeClr val="dk1"/>
+    </dgm:txFillClrLst>
+    <dgm:txEffectClrLst/>
+  </dgm:styleLbl>
+  <dgm:styleLbl name="alignAccFollowNode1">
+    <dgm:fillClrLst meth="repeat">
+      <a:schemeClr val="accent1">
+        <a:alpha val="90000"/>
+        <a:tint val="40000"/>
+      </a:schemeClr>
+    </dgm:fillClrLst>
+    <dgm:linClrLst meth="repeat">
+      <a:schemeClr val="accent1">
+        <a:alpha val="90000"/>
+        <a:tint val="40000"/>
+      </a:schemeClr>
+    </dgm:linClrLst>
+    <dgm:effectClrLst/>
+    <dgm:txLinClrLst/>
+    <dgm:txFillClrLst meth="repeat">
+      <a:schemeClr val="dk1"/>
+    </dgm:txFillClrLst>
+    <dgm:txEffectClrLst/>
+  </dgm:styleLbl>
+  <dgm:styleLbl name="bgAccFollowNode1">
+    <dgm:fillClrLst meth="repeat">
+      <a:schemeClr val="accent1">
+        <a:alpha val="90000"/>
+        <a:tint val="40000"/>
+      </a:schemeClr>
+    </dgm:fillClrLst>
+    <dgm:linClrLst meth="repeat">
+      <a:schemeClr val="accent1">
+        <a:alpha val="90000"/>
+        <a:tint val="40000"/>
+      </a:schemeClr>
+    </dgm:linClrLst>
+    <dgm:effectClrLst/>
+    <dgm:txLinClrLst/>
+    <dgm:txFillClrLst meth="repeat">
+      <a:schemeClr val="dk1"/>
+    </dgm:txFillClrLst>
+    <dgm:txEffectClrLst/>
+  </dgm:styleLbl>
+  <dgm:styleLbl name="fgAcc0">
+    <dgm:fillClrLst meth="repeat">
+      <a:schemeClr val="lt1">
+        <a:alpha val="90000"/>
+      </a:schemeClr>
+    </dgm:fillClrLst>
+    <dgm:linClrLst meth="repeat">
+      <a:schemeClr val="accent1"/>
+    </dgm:linClrLst>
+    <dgm:effectClrLst/>
+    <dgm:txLinClrLst/>
+    <dgm:txFillClrLst meth="repeat">
+      <a:schemeClr val="dk1"/>
+    </dgm:txFillClrLst>
+    <dgm:txEffectClrLst/>
+  </dgm:styleLbl>
+  <dgm:styleLbl name="fgAcc2">
+    <dgm:fillClrLst meth="repeat">
+      <a:schemeClr val="lt1">
+        <a:alpha val="90000"/>
+      </a:schemeClr>
+    </dgm:fillClrLst>
+    <dgm:linClrLst meth="repeat">
+      <a:schemeClr val="accent1"/>
+    </dgm:linClrLst>
+    <dgm:effectClrLst/>
+    <dgm:txLinClrLst/>
+    <dgm:txFillClrLst meth="repeat">
+      <a:schemeClr val="dk1"/>
+    </dgm:txFillClrLst>
+    <dgm:txEffectClrLst/>
+  </dgm:styleLbl>
+  <dgm:styleLbl name="fgAcc3">
+    <dgm:fillClrLst meth="repeat">
+      <a:schemeClr val="lt1">
+        <a:alpha val="90000"/>
+      </a:schemeClr>
+    </dgm:fillClrLst>
+    <dgm:linClrLst meth="repeat">
+      <a:schemeClr val="accent1"/>
+    </dgm:linClrLst>
+    <dgm:effectClrLst/>
+    <dgm:txLinClrLst/>
+    <dgm:txFillClrLst meth="repeat">
+      <a:schemeClr val="dk1"/>
+    </dgm:txFillClrLst>
+    <dgm:txEffectClrLst/>
+  </dgm:styleLbl>
+  <dgm:styleLbl name="fgAcc4">
+    <dgm:fillClrLst meth="repeat">
+      <a:schemeClr val="lt1">
+        <a:alpha val="90000"/>
+      </a:schemeClr>
+    </dgm:fillClrLst>
+    <dgm:linClrLst meth="repeat">
+      <a:schemeClr val="accent1"/>
+    </dgm:linClrLst>
+    <dgm:effectClrLst/>
+    <dgm:txLinClrLst/>
+    <dgm:txFillClrLst meth="repeat">
+      <a:schemeClr val="dk1"/>
+    </dgm:txFillClrLst>
+    <dgm:txEffectClrLst/>
+  </dgm:styleLbl>
+  <dgm:styleLbl name="bgShp">
+    <dgm:fillClrLst meth="repeat">
+      <a:schemeClr val="accent1">
+        <a:tint val="40000"/>
+      </a:schemeClr>
+    </dgm:fillClrLst>
+    <dgm:linClrLst meth="repeat">
+      <a:schemeClr val="accent1"/>
+    </dgm:linClrLst>
+    <dgm:effectClrLst/>
+    <dgm:txLinClrLst/>
+    <dgm:txFillClrLst meth="repeat">
+      <a:schemeClr val="dk1"/>
+    </dgm:txFillClrLst>
+    <dgm:txEffectClrLst/>
+  </dgm:styleLbl>
+  <dgm:styleLbl name="dkBgShp">
+    <dgm:fillClrLst meth="repeat">
+      <a:schemeClr val="accent1">
+        <a:shade val="80000"/>
+      </a:schemeClr>
+    </dgm:fillClrLst>
+    <dgm:linClrLst meth="repeat">
+      <a:schemeClr val="accent1"/>
+    </dgm:linClrLst>
+    <dgm:effectClrLst/>
+    <dgm:txLinClrLst/>
+    <dgm:txFillClrLst meth="repeat">
+      <a:schemeClr val="lt1"/>
+    </dgm:txFillClrLst>
+    <dgm:txEffectClrLst/>
+  </dgm:styleLbl>
+  <dgm:styleLbl name="trBgShp">
+    <dgm:fillClrLst meth="repeat">
+      <a:schemeClr val="accent1">
+        <a:tint val="50000"/>
+        <a:alpha val="40000"/>
+      </a:schemeClr>
+    </dgm:fillClrLst>
+    <dgm:linClrLst meth="repeat">
+      <a:schemeClr val="accent1"/>
+    </dgm:linClrLst>
+    <dgm:effectClrLst/>
+    <dgm:txLinClrLst/>
+    <dgm:txFillClrLst meth="repeat">
+      <a:schemeClr val="lt1"/>
+    </dgm:txFillClrLst>
+    <dgm:txEffectClrLst/>
+  </dgm:styleLbl>
+  <dgm:styleLbl name="fgShp">
+    <dgm:fillClrLst meth="repeat">
+      <a:schemeClr val="accent1">
+        <a:tint val="60000"/>
+      </a:schemeClr>
+    </dgm:fillClrLst>
+    <dgm:linClrLst meth="repeat">
+      <a:schemeClr val="lt1"/>
+    </dgm:linClrLst>
+    <dgm:effectClrLst/>
+    <dgm:txLinClrLst/>
+    <dgm:txFillClrLst meth="repeat">
+      <a:schemeClr val="dk1"/>
+    </dgm:txFillClrLst>
+    <dgm:txEffectClrLst/>
+  </dgm:styleLbl>
+  <dgm:styleLbl name="revTx">
+    <dgm:fillClrLst meth="repeat">
+      <a:schemeClr val="lt1">
+        <a:alpha val="0"/>
+      </a:schemeClr>
+    </dgm:fillClrLst>
+    <dgm:linClrLst meth="repeat">
+      <a:schemeClr val="dk1">
+        <a:alpha val="0"/>
+      </a:schemeClr>
+    </dgm:linClrLst>
+    <dgm:effectClrLst/>
+    <dgm:txLinClrLst/>
+    <dgm:txFillClrLst meth="repeat">
+      <a:schemeClr val="tx1"/>
+    </dgm:txFillClrLst>
+    <dgm:txEffectClrLst/>
+  </dgm:styleLbl>
+</dgm:colorsDef>
+</file>
+
+<file path=ppt/diagrams/colors2.xml><?xml version="1.0" encoding="utf-8"?>
+<dgm:colorsDef xmlns:dgm="http://schemas.openxmlformats.org/drawingml/2006/diagram" xmlns:a="http://schemas.openxmlformats.org/drawingml/2006/main" uniqueId="urn:microsoft.com/office/officeart/2005/8/colors/accent1_2">
+  <dgm:title val=""/>
+  <dgm:desc val=""/>
+  <dgm:catLst>
+    <dgm:cat type="accent1" pri="11200"/>
+  </dgm:catLst>
+  <dgm:styleLbl name="node0">
+    <dgm:fillClrLst meth="repeat">
+      <a:schemeClr val="accent1"/>
+    </dgm:fillClrLst>
+    <dgm:linClrLst meth="repeat">
+      <a:schemeClr val="lt1"/>
+    </dgm:linClrLst>
+    <dgm:effectClrLst/>
+    <dgm:txLinClrLst/>
+    <dgm:txFillClrLst/>
+    <dgm:txEffectClrLst/>
+  </dgm:styleLbl>
+  <dgm:styleLbl name="alignNode1">
+    <dgm:fillClrLst meth="repeat">
+      <a:schemeClr val="accent1"/>
+    </dgm:fillClrLst>
+    <dgm:linClrLst meth="repeat">
+      <a:schemeClr val="accent1"/>
+    </dgm:linClrLst>
+    <dgm:effectClrLst/>
+    <dgm:txLinClrLst/>
+    <dgm:txFillClrLst/>
+    <dgm:txEffectClrLst/>
+  </dgm:styleLbl>
+  <dgm:styleLbl name="node1">
+    <dgm:fillClrLst meth="repeat">
+      <a:schemeClr val="accent1"/>
+    </dgm:fillClrLst>
+    <dgm:linClrLst meth="repeat">
+      <a:schemeClr val="lt1"/>
+    </dgm:linClrLst>
+    <dgm:effectClrLst/>
+    <dgm:txLinClrLst/>
+    <dgm:txFillClrLst/>
+    <dgm:txEffectClrLst/>
+  </dgm:styleLbl>
+  <dgm:styleLbl name="lnNode1">
+    <dgm:fillClrLst meth="repeat">
+      <a:schemeClr val="accent1"/>
+    </dgm:fillClrLst>
+    <dgm:linClrLst meth="repeat">
+      <a:schemeClr val="lt1"/>
+    </dgm:linClrLst>
+    <dgm:effectClrLst/>
+    <dgm:txLinClrLst/>
+    <dgm:txFillClrLst/>
+    <dgm:txEffectClrLst/>
+  </dgm:styleLbl>
+  <dgm:styleLbl name="vennNode1">
+    <dgm:fillClrLst meth="repeat">
+      <a:schemeClr val="accent1">
+        <a:alpha val="50000"/>
+      </a:schemeClr>
+    </dgm:fillClrLst>
+    <dgm:linClrLst meth="repeat">
+      <a:schemeClr val="lt1"/>
+    </dgm:linClrLst>
+    <dgm:effectClrLst/>
+    <dgm:txLinClrLst/>
+    <dgm:txFillClrLst/>
+    <dgm:txEffectClrLst/>
+  </dgm:styleLbl>
+  <dgm:styleLbl name="node2">
+    <dgm:fillClrLst meth="repeat">
+      <a:schemeClr val="accent1"/>
+    </dgm:fillClrLst>
+    <dgm:linClrLst meth="repeat">
+      <a:schemeClr val="lt1"/>
+    </dgm:linClrLst>
+    <dgm:effectClrLst/>
+    <dgm:txLinClrLst/>
+    <dgm:txFillClrLst/>
+    <dgm:txEffectClrLst/>
+  </dgm:styleLbl>
+  <dgm:styleLbl name="node3">
+    <dgm:fillClrLst meth="repeat">
+      <a:schemeClr val="accent1"/>
+    </dgm:fillClrLst>
+    <dgm:linClrLst meth="repeat">
+      <a:schemeClr val="lt1"/>
+    </dgm:linClrLst>
+    <dgm:effectClrLst/>
+    <dgm:txLinClrLst/>
+    <dgm:txFillClrLst/>
+    <dgm:txEffectClrLst/>
+  </dgm:styleLbl>
+  <dgm:styleLbl name="node4">
+    <dgm:fillClrLst meth="repeat">
+      <a:schemeClr val="accent1"/>
+    </dgm:fillClrLst>
+    <dgm:linClrLst meth="repeat">
+      <a:schemeClr val="lt1"/>
+    </dgm:linClrLst>
+    <dgm:effectClrLst/>
+    <dgm:txLinClrLst/>
+    <dgm:txFillClrLst/>
+    <dgm:txEffectClrLst/>
+  </dgm:styleLbl>
+  <dgm:styleLbl name="fgImgPlace1">
+    <dgm:fillClrLst meth="repeat">
+      <a:schemeClr val="accent1">
+        <a:tint val="50000"/>
+      </a:schemeClr>
+    </dgm:fillClrLst>
+    <dgm:linClrLst meth="repeat">
+      <a:schemeClr val="lt1"/>
+    </dgm:linClrLst>
+    <dgm:effectClrLst/>
+    <dgm:txLinClrLst/>
+    <dgm:txFillClrLst meth="repeat">
+      <a:schemeClr val="lt1"/>
+    </dgm:txFillClrLst>
+    <dgm:txEffectClrLst/>
+  </dgm:styleLbl>
+  <dgm:styleLbl name="alignImgPlace1">
+    <dgm:fillClrLst meth="repeat">
+      <a:schemeClr val="accent1">
+        <a:tint val="50000"/>
+      </a:schemeClr>
+    </dgm:fillClrLst>
+    <dgm:linClrLst meth="repeat">
+      <a:schemeClr val="lt1"/>
+    </dgm:linClrLst>
+    <dgm:effectClrLst/>
+    <dgm:txLinClrLst/>
+    <dgm:txFillClrLst meth="repeat">
+      <a:schemeClr val="lt1"/>
+    </dgm:txFillClrLst>
+    <dgm:txEffectClrLst/>
+  </dgm:styleLbl>
+  <dgm:styleLbl name="bgImgPlace1">
+    <dgm:fillClrLst meth="repeat">
+      <a:schemeClr val="accent1">
+        <a:tint val="50000"/>
+      </a:schemeClr>
+    </dgm:fillClrLst>
+    <dgm:linClrLst meth="repeat">
+      <a:schemeClr val="lt1"/>
+    </dgm:linClrLst>
+    <dgm:effectClrLst/>
+    <dgm:txLinClrLst/>
+    <dgm:txFillClrLst meth="repeat">
+      <a:schemeClr val="lt1"/>
+    </dgm:txFillClrLst>
+    <dgm:txEffectClrLst/>
+  </dgm:styleLbl>
+  <dgm:styleLbl name="sibTrans2D1">
+    <dgm:fillClrLst meth="repeat">
+      <a:schemeClr val="accent1">
+        <a:tint val="60000"/>
+      </a:schemeClr>
+    </dgm:fillClrLst>
+    <dgm:linClrLst meth="repeat">
+      <a:schemeClr val="accent1">
+        <a:tint val="60000"/>
+      </a:schemeClr>
+    </dgm:linClrLst>
+    <dgm:effectClrLst/>
+    <dgm:txLinClrLst/>
+    <dgm:txFillClrLst/>
+    <dgm:txEffectClrLst/>
+  </dgm:styleLbl>
+  <dgm:styleLbl name="fgSibTrans2D1">
+    <dgm:fillClrLst meth="repeat">
+      <a:schemeClr val="accent1">
+        <a:tint val="60000"/>
+      </a:schemeClr>
+    </dgm:fillClrLst>
+    <dgm:linClrLst meth="repeat">
+      <a:schemeClr val="accent1">
+        <a:tint val="60000"/>
+      </a:schemeClr>
+    </dgm:linClrLst>
+    <dgm:effectClrLst/>
+    <dgm:txLinClrLst/>
+    <dgm:txFillClrLst/>
+    <dgm:txEffectClrLst/>
+  </dgm:styleLbl>
+  <dgm:styleLbl name="bgSibTrans2D1">
+    <dgm:fillClrLst meth="repeat">
+      <a:schemeClr val="accent1">
+        <a:tint val="60000"/>
+      </a:schemeClr>
+    </dgm:fillClrLst>
+    <dgm:linClrLst meth="repeat">
+      <a:schemeClr val="accent1">
+        <a:tint val="60000"/>
+      </a:schemeClr>
+    </dgm:linClrLst>
+    <dgm:effectClrLst/>
+    <dgm:txLinClrLst/>
+    <dgm:txFillClrLst/>
+    <dgm:txEffectClrLst/>
+  </dgm:styleLbl>
+  <dgm:styleLbl name="sibTrans1D1">
+    <dgm:fillClrLst meth="repeat">
+      <a:schemeClr val="accent1"/>
+    </dgm:fillClrLst>
+    <dgm:linClrLst meth="repeat">
+      <a:schemeClr val="accent1"/>
+    </dgm:linClrLst>
+    <dgm:effectClrLst/>
+    <dgm:txLinClrLst/>
+    <dgm:txFillClrLst meth="repeat">
+      <a:schemeClr val="tx1"/>
+    </dgm:txFillClrLst>
+    <dgm:txEffectClrLst/>
+  </dgm:styleLbl>
+  <dgm:styleLbl name="callout">
+    <dgm:fillClrLst meth="repeat">
+      <a:schemeClr val="accent1"/>
+    </dgm:fillClrLst>
+    <dgm:linClrLst meth="repeat">
+      <a:schemeClr val="accent1">
+        <a:tint val="50000"/>
+      </a:schemeClr>
+    </dgm:linClrLst>
+    <dgm:effectClrLst/>
+    <dgm:txLinClrLst/>
+    <dgm:txFillClrLst meth="repeat">
+      <a:schemeClr val="tx1"/>
+    </dgm:txFillClrLst>
+    <dgm:txEffectClrLst/>
+  </dgm:styleLbl>
+  <dgm:styleLbl name="asst0">
+    <dgm:fillClrLst meth="repeat">
+      <a:schemeClr val="accent1"/>
+    </dgm:fillClrLst>
+    <dgm:linClrLst meth="repeat">
+      <a:schemeClr val="lt1"/>
+    </dgm:linClrLst>
+    <dgm:effectClrLst/>
+    <dgm:txLinClrLst/>
+    <dgm:txFillClrLst/>
+    <dgm:txEffectClrLst/>
+  </dgm:styleLbl>
+  <dgm:styleLbl name="asst1">
+    <dgm:fillClrLst meth="repeat">
+      <a:schemeClr val="accent1"/>
+    </dgm:fillClrLst>
+    <dgm:linClrLst meth="repeat">
+      <a:schemeClr val="lt1"/>
+    </dgm:linClrLst>
+    <dgm:effectClrLst/>
+    <dgm:txLinClrLst/>
+    <dgm:txFillClrLst/>
+    <dgm:txEffectClrLst/>
+  </dgm:styleLbl>
+  <dgm:styleLbl name="asst2">
+    <dgm:fillClrLst meth="repeat">
+      <a:schemeClr val="accent1"/>
+    </dgm:fillClrLst>
+    <dgm:linClrLst meth="repeat">
+      <a:schemeClr val="lt1"/>
+    </dgm:linClrLst>
+    <dgm:effectClrLst/>
+    <dgm:txLinClrLst/>
+    <dgm:txFillClrLst/>
+    <dgm:txEffectClrLst/>
+  </dgm:styleLbl>
+  <dgm:styleLbl name="asst3">
+    <dgm:fillClrLst meth="repeat">
+      <a:schemeClr val="accent1"/>
+    </dgm:fillClrLst>
+    <dgm:linClrLst meth="repeat">
+      <a:schemeClr val="lt1"/>
+    </dgm:linClrLst>
+    <dgm:effectClrLst/>
+    <dgm:txLinClrLst/>
+    <dgm:txFillClrLst/>
+    <dgm:txEffectClrLst/>
+  </dgm:styleLbl>
+  <dgm:styleLbl name="asst4">
+    <dgm:fillClrLst meth="repeat">
+      <a:schemeClr val="accent1"/>
+    </dgm:fillClrLst>
+    <dgm:linClrLst meth="repeat">
+      <a:schemeClr val="lt1"/>
+    </dgm:linClrLst>
+    <dgm:effectClrLst/>
+    <dgm:txLinClrLst/>
+    <dgm:txFillClrLst/>
+    <dgm:txEffectClrLst/>
+  </dgm:styleLbl>
+  <dgm:styleLbl name="parChTrans2D1">
+    <dgm:fillClrLst meth="repeat">
+      <a:schemeClr val="accent1">
+        <a:tint val="60000"/>
+      </a:schemeClr>
+    </dgm:fillClrLst>
+    <dgm:linClrLst meth="repeat">
+      <a:schemeClr val="accent1">
+        <a:tint val="60000"/>
+      </a:schemeClr>
+    </dgm:linClrLst>
+    <dgm:effectClrLst/>
+    <dgm:txLinClrLst/>
+    <dgm:txFillClrLst meth="repeat">
+      <a:schemeClr val="lt1"/>
+    </dgm:txFillClrLst>
+    <dgm:txEffectClrLst/>
+  </dgm:styleLbl>
+  <dgm:styleLbl name="parChTrans2D2">
+    <dgm:fillClrLst meth="repeat">
+      <a:schemeClr val="accent1"/>
+    </dgm:fillClrLst>
+    <dgm:linClrLst meth="repeat">
+      <a:schemeClr val="accent1"/>
+    </dgm:linClrLst>
+    <dgm:effectClrLst/>
+    <dgm:txLinClrLst/>
+    <dgm:txFillClrLst meth="repeat">
+      <a:schemeClr val="lt1"/>
+    </dgm:txFillClrLst>
+    <dgm:txEffectClrLst/>
+  </dgm:styleLbl>
+  <dgm:styleLbl name="parChTrans2D3">
+    <dgm:fillClrLst meth="repeat">
+      <a:schemeClr val="accent1"/>
+    </dgm:fillClrLst>
+    <dgm:linClrLst meth="repeat">
+      <a:schemeClr val="accent1"/>
+    </dgm:linClrLst>
+    <dgm:effectClrLst/>
+    <dgm:txLinClrLst/>
+    <dgm:txFillClrLst meth="repeat">
+      <a:schemeClr val="lt1"/>
+    </dgm:txFillClrLst>
+    <dgm:txEffectClrLst/>
+  </dgm:styleLbl>
+  <dgm:styleLbl name="parChTrans2D4">
+    <dgm:fillClrLst meth="repeat">
+      <a:schemeClr val="accent1"/>
+    </dgm:fillClrLst>
+    <dgm:linClrLst meth="repeat">
+      <a:schemeClr val="accent1"/>
+    </dgm:linClrLst>
+    <dgm:effectClrLst/>
+    <dgm:txLinClrLst/>
+    <dgm:txFillClrLst meth="repeat">
+      <a:schemeClr val="lt1"/>
+    </dgm:txFillClrLst>
+    <dgm:txEffectClrLst/>
+  </dgm:styleLbl>
+  <dgm:styleLbl name="parChTrans1D1">
+    <dgm:fillClrLst meth="repeat">
+      <a:schemeClr val="accent1"/>
+    </dgm:fillClrLst>
+    <dgm:linClrLst meth="repeat">
+      <a:schemeClr val="accent1">
+        <a:shade val="60000"/>
+      </a:schemeClr>
+    </dgm:linClrLst>
+    <dgm:effectClrLst/>
+    <dgm:txLinClrLst/>
+    <dgm:txFillClrLst meth="repeat">
+      <a:schemeClr val="tx1"/>
+    </dgm:txFillClrLst>
+    <dgm:txEffectClrLst/>
+  </dgm:styleLbl>
+  <dgm:styleLbl name="parChTrans1D2">
+    <dgm:fillClrLst meth="repeat">
+      <a:schemeClr val="accent1"/>
+    </dgm:fillClrLst>
+    <dgm:linClrLst meth="repeat">
+      <a:schemeClr val="accent1">
+        <a:shade val="60000"/>
+      </a:schemeClr>
+    </dgm:linClrLst>
+    <dgm:effectClrLst/>
+    <dgm:txLinClrLst/>
+    <dgm:txFillClrLst meth="repeat">
+      <a:schemeClr val="tx1"/>
+    </dgm:txFillClrLst>
+    <dgm:txEffectClrLst/>
+  </dgm:styleLbl>
+  <dgm:styleLbl name="parChTrans1D3">
+    <dgm:fillClrLst meth="repeat">
+      <a:schemeClr val="accent1"/>
+    </dgm:fillClrLst>
+    <dgm:linClrLst meth="repeat">
+      <a:schemeClr val="accent1">
+        <a:shade val="80000"/>
+      </a:schemeClr>
+    </dgm:linClrLst>
+    <dgm:effectClrLst/>
+    <dgm:txLinClrLst/>
+    <dgm:txFillClrLst meth="repeat">
+      <a:schemeClr val="tx1"/>
+    </dgm:txFillClrLst>
+    <dgm:txEffectClrLst/>
+  </dgm:styleLbl>
+  <dgm:styleLbl name="parChTrans1D4">
+    <dgm:fillClrLst meth="repeat">
+      <a:schemeClr val="accent1"/>
+    </dgm:fillClrLst>
+    <dgm:linClrLst meth="repeat">
+      <a:schemeClr val="accent1">
+        <a:shade val="80000"/>
+      </a:schemeClr>
+    </dgm:linClrLst>
+    <dgm:effectClrLst/>
+    <dgm:txLinClrLst/>
+    <dgm:txFillClrLst meth="repeat">
+      <a:schemeClr val="tx1"/>
+    </dgm:txFillClrLst>
+    <dgm:txEffectClrLst/>
+  </dgm:styleLbl>
+  <dgm:styleLbl name="fgAcc1">
+    <dgm:fillClrLst meth="repeat">
+      <a:schemeClr val="lt1">
+        <a:alpha val="90000"/>
+      </a:schemeClr>
+    </dgm:fillClrLst>
+    <dgm:linClrLst meth="repeat">
+      <a:schemeClr val="accent1"/>
+    </dgm:linClrLst>
+    <dgm:effectClrLst/>
+    <dgm:txLinClrLst/>
+    <dgm:txFillClrLst meth="repeat">
+      <a:schemeClr val="dk1"/>
+    </dgm:txFillClrLst>
+    <dgm:txEffectClrLst/>
+  </dgm:styleLbl>
+  <dgm:styleLbl name="conFgAcc1">
+    <dgm:fillClrLst meth="repeat">
+      <a:schemeClr val="lt1">
+        <a:alpha val="90000"/>
+      </a:schemeClr>
+    </dgm:fillClrLst>
+    <dgm:linClrLst meth="repeat">
+      <a:schemeClr val="accent1"/>
+    </dgm:linClrLst>
+    <dgm:effectClrLst/>
+    <dgm:txLinClrLst/>
+    <dgm:txFillClrLst meth="repeat">
+      <a:schemeClr val="dk1"/>
+    </dgm:txFillClrLst>
+    <dgm:txEffectClrLst/>
+  </dgm:styleLbl>
+  <dgm:styleLbl name="alignAcc1">
+    <dgm:fillClrLst meth="repeat">
+      <a:schemeClr val="lt1">
+        <a:alpha val="90000"/>
+      </a:schemeClr>
+    </dgm:fillClrLst>
+    <dgm:linClrLst meth="repeat">
+      <a:schemeClr val="accent1"/>
+    </dgm:linClrLst>
+    <dgm:effectClrLst/>
+    <dgm:txLinClrLst/>
+    <dgm:txFillClrLst meth="repeat">
+      <a:schemeClr val="dk1"/>
+    </dgm:txFillClrLst>
+    <dgm:txEffectClrLst/>
+  </dgm:styleLbl>
+  <dgm:styleLbl name="trAlignAcc1">
+    <dgm:fillClrLst meth="repeat">
+      <a:schemeClr val="lt1">
+        <a:alpha val="40000"/>
+      </a:schemeClr>
+    </dgm:fillClrLst>
+    <dgm:linClrLst meth="repeat">
+      <a:schemeClr val="accent1"/>
+    </dgm:linClrLst>
+    <dgm:effectClrLst/>
+    <dgm:txLinClrLst/>
+    <dgm:txFillClrLst meth="repeat">
+      <a:schemeClr val="dk1"/>
+    </dgm:txFillClrLst>
+    <dgm:txEffectClrLst/>
+  </dgm:styleLbl>
+  <dgm:styleLbl name="bgAcc1">
+    <dgm:fillClrLst meth="repeat">
+      <a:schemeClr val="lt1">
+        <a:alpha val="90000"/>
+      </a:schemeClr>
+    </dgm:fillClrLst>
+    <dgm:linClrLst meth="repeat">
+      <a:schemeClr val="accent1"/>
+    </dgm:linClrLst>
+    <dgm:effectClrLst/>
+    <dgm:txLinClrLst/>
+    <dgm:txFillClrLst meth="repeat">
+      <a:schemeClr val="dk1"/>
+    </dgm:txFillClrLst>
+    <dgm:txEffectClrLst/>
+  </dgm:styleLbl>
+  <dgm:styleLbl name="solidFgAcc1">
+    <dgm:fillClrLst meth="repeat">
+      <a:schemeClr val="lt1"/>
+    </dgm:fillClrLst>
+    <dgm:linClrLst meth="repeat">
+      <a:schemeClr val="accent1"/>
+    </dgm:linClrLst>
+    <dgm:effectClrLst/>
+    <dgm:txLinClrLst/>
+    <dgm:txFillClrLst meth="repeat">
+      <a:schemeClr val="dk1"/>
+    </dgm:txFillClrLst>
+    <dgm:txEffectClrLst/>
+  </dgm:styleLbl>
+  <dgm:styleLbl name="solidAlignAcc1">
+    <dgm:fillClrLst meth="repeat">
+      <a:schemeClr val="lt1"/>
+    </dgm:fillClrLst>
+    <dgm:linClrLst meth="repeat">
+      <a:schemeClr val="accent1"/>
+    </dgm:linClrLst>
+    <dgm:effectClrLst/>
+    <dgm:txLinClrLst/>
+    <dgm:txFillClrLst meth="repeat">
+      <a:schemeClr val="dk1"/>
+    </dgm:txFillClrLst>
+    <dgm:txEffectClrLst/>
+  </dgm:styleLbl>
+  <dgm:styleLbl name="solidBgAcc1">
+    <dgm:fillClrLst meth="repeat">
+      <a:schemeClr val="lt1"/>
+    </dgm:fillClrLst>
+    <dgm:linClrLst meth="repeat">
+      <a:schemeClr val="accent1"/>
+    </dgm:linClrLst>
+    <dgm:effectClrLst/>
+    <dgm:txLinClrLst/>
+    <dgm:txFillClrLst meth="repeat">
+      <a:schemeClr val="dk1"/>
+    </dgm:txFillClrLst>
+    <dgm:txEffectClrLst/>
+  </dgm:styleLbl>
+  <dgm:styleLbl name="fgAccFollowNode1">
+    <dgm:fillClrLst meth="repeat">
+      <a:schemeClr val="accent1">
+        <a:alpha val="90000"/>
+        <a:tint val="40000"/>
+      </a:schemeClr>
+    </dgm:fillClrLst>
+    <dgm:linClrLst meth="repeat">
+      <a:schemeClr val="accent1">
+        <a:alpha val="90000"/>
+        <a:tint val="40000"/>
+      </a:schemeClr>
+    </dgm:linClrLst>
+    <dgm:effectClrLst/>
+    <dgm:txLinClrLst/>
+    <dgm:txFillClrLst meth="repeat">
+      <a:schemeClr val="dk1"/>
+    </dgm:txFillClrLst>
+    <dgm:txEffectClrLst/>
+  </dgm:styleLbl>
+  <dgm:styleLbl name="alignAccFollowNode1">
+    <dgm:fillClrLst meth="repeat">
+      <a:schemeClr val="accent1">
+        <a:alpha val="90000"/>
+        <a:tint val="40000"/>
+      </a:schemeClr>
+    </dgm:fillClrLst>
+    <dgm:linClrLst meth="repeat">
+      <a:schemeClr val="accent1">
+        <a:alpha val="90000"/>
+        <a:tint val="40000"/>
+      </a:schemeClr>
+    </dgm:linClrLst>
+    <dgm:effectClrLst/>
+    <dgm:txLinClrLst/>
+    <dgm:txFillClrLst meth="repeat">
+      <a:schemeClr val="dk1"/>
+    </dgm:txFillClrLst>
+    <dgm:txEffectClrLst/>
+  </dgm:styleLbl>
+  <dgm:styleLbl name="bgAccFollowNode1">
+    <dgm:fillClrLst meth="repeat">
+      <a:schemeClr val="accent1">
+        <a:alpha val="90000"/>
+        <a:tint val="40000"/>
+      </a:schemeClr>
+    </dgm:fillClrLst>
+    <dgm:linClrLst meth="repeat">
+      <a:schemeClr val="accent1">
+        <a:alpha val="90000"/>
+        <a:tint val="40000"/>
+      </a:schemeClr>
+    </dgm:linClrLst>
+    <dgm:effectClrLst/>
+    <dgm:txLinClrLst/>
+    <dgm:txFillClrLst meth="repeat">
+      <a:schemeClr val="dk1"/>
+    </dgm:txFillClrLst>
+    <dgm:txEffectClrLst/>
+  </dgm:styleLbl>
+  <dgm:styleLbl name="fgAcc0">
+    <dgm:fillClrLst meth="repeat">
+      <a:schemeClr val="lt1">
+        <a:alpha val="90000"/>
+      </a:schemeClr>
+    </dgm:fillClrLst>
+    <dgm:linClrLst meth="repeat">
+      <a:schemeClr val="accent1"/>
+    </dgm:linClrLst>
+    <dgm:effectClrLst/>
+    <dgm:txLinClrLst/>
+    <dgm:txFillClrLst meth="repeat">
+      <a:schemeClr val="dk1"/>
+    </dgm:txFillClrLst>
+    <dgm:txEffectClrLst/>
+  </dgm:styleLbl>
+  <dgm:styleLbl name="fgAcc2">
+    <dgm:fillClrLst meth="repeat">
+      <a:schemeClr val="lt1">
+        <a:alpha val="90000"/>
+      </a:schemeClr>
+    </dgm:fillClrLst>
+    <dgm:linClrLst meth="repeat">
+      <a:schemeClr val="accent1"/>
+    </dgm:linClrLst>
+    <dgm:effectClrLst/>
+    <dgm:txLinClrLst/>
+    <dgm:txFillClrLst meth="repeat">
+      <a:schemeClr val="dk1"/>
+    </dgm:txFillClrLst>
+    <dgm:txEffectClrLst/>
+  </dgm:styleLbl>
+  <dgm:styleLbl name="fgAcc3">
+    <dgm:fillClrLst meth="repeat">
+      <a:schemeClr val="lt1">
+        <a:alpha val="90000"/>
+      </a:schemeClr>
+    </dgm:fillClrLst>
+    <dgm:linClrLst meth="repeat">
+      <a:schemeClr val="accent1"/>
+    </dgm:linClrLst>
+    <dgm:effectClrLst/>
+    <dgm:txLinClrLst/>
+    <dgm:txFillClrLst meth="repeat">
+      <a:schemeClr val="dk1"/>
+    </dgm:txFillClrLst>
+    <dgm:txEffectClrLst/>
+  </dgm:styleLbl>
+  <dgm:styleLbl name="fgAcc4">
+    <dgm:fillClrLst meth="repeat">
+      <a:schemeClr val="lt1">
+        <a:alpha val="90000"/>
+      </a:schemeClr>
+    </dgm:fillClrLst>
+    <dgm:linClrLst meth="repeat">
+      <a:schemeClr val="accent1"/>
+    </dgm:linClrLst>
+    <dgm:effectClrLst/>
+    <dgm:txLinClrLst/>
+    <dgm:txFillClrLst meth="repeat">
+      <a:schemeClr val="dk1"/>
+    </dgm:txFillClrLst>
+    <dgm:txEffectClrLst/>
+  </dgm:styleLbl>
+  <dgm:styleLbl name="bgShp">
+    <dgm:fillClrLst meth="repeat">
+      <a:schemeClr val="accent1">
+        <a:tint val="40000"/>
+      </a:schemeClr>
+    </dgm:fillClrLst>
+    <dgm:linClrLst meth="repeat">
+      <a:schemeClr val="accent1"/>
+    </dgm:linClrLst>
+    <dgm:effectClrLst/>
+    <dgm:txLinClrLst/>
+    <dgm:txFillClrLst meth="repeat">
+      <a:schemeClr val="dk1"/>
+    </dgm:txFillClrLst>
+    <dgm:txEffectClrLst/>
+  </dgm:styleLbl>
+  <dgm:styleLbl name="dkBgShp">
+    <dgm:fillClrLst meth="repeat">
+      <a:schemeClr val="accent1">
+        <a:shade val="80000"/>
+      </a:schemeClr>
+    </dgm:fillClrLst>
+    <dgm:linClrLst meth="repeat">
+      <a:schemeClr val="accent1"/>
+    </dgm:linClrLst>
+    <dgm:effectClrLst/>
+    <dgm:txLinClrLst/>
+    <dgm:txFillClrLst meth="repeat">
+      <a:schemeClr val="lt1"/>
+    </dgm:txFillClrLst>
+    <dgm:txEffectClrLst/>
+  </dgm:styleLbl>
+  <dgm:styleLbl name="trBgShp">
+    <dgm:fillClrLst meth="repeat">
+      <a:schemeClr val="accent1">
+        <a:tint val="50000"/>
+        <a:alpha val="40000"/>
+      </a:schemeClr>
+    </dgm:fillClrLst>
+    <dgm:linClrLst meth="repeat">
+      <a:schemeClr val="accent1"/>
+    </dgm:linClrLst>
+    <dgm:effectClrLst/>
+    <dgm:txLinClrLst/>
+    <dgm:txFillClrLst meth="repeat">
+      <a:schemeClr val="lt1"/>
+    </dgm:txFillClrLst>
+    <dgm:txEffectClrLst/>
+  </dgm:styleLbl>
+  <dgm:styleLbl name="fgShp">
+    <dgm:fillClrLst meth="repeat">
+      <a:schemeClr val="accent1">
+        <a:tint val="60000"/>
+      </a:schemeClr>
+    </dgm:fillClrLst>
+    <dgm:linClrLst meth="repeat">
+      <a:schemeClr val="lt1"/>
+    </dgm:linClrLst>
+    <dgm:effectClrLst/>
+    <dgm:txLinClrLst/>
+    <dgm:txFillClrLst meth="repeat">
+      <a:schemeClr val="dk1"/>
+    </dgm:txFillClrLst>
+    <dgm:txEffectClrLst/>
+  </dgm:styleLbl>
+  <dgm:styleLbl name="revTx">
+    <dgm:fillClrLst meth="repeat">
+      <a:schemeClr val="lt1">
+        <a:alpha val="0"/>
+      </a:schemeClr>
+    </dgm:fillClrLst>
+    <dgm:linClrLst meth="repeat">
+      <a:schemeClr val="dk1">
+        <a:alpha val="0"/>
+      </a:schemeClr>
+    </dgm:linClrLst>
+    <dgm:effectClrLst/>
+    <dgm:txLinClrLst/>
+    <dgm:txFillClrLst meth="repeat">
+      <a:schemeClr val="tx1"/>
+    </dgm:txFillClrLst>
+    <dgm:txEffectClrLst/>
+  </dgm:styleLbl>
+</dgm:colorsDef>
+</file>
+
+<file path=ppt/diagrams/data1.xml><?xml version="1.0" encoding="utf-8"?>
+<dgm:dataModel xmlns:dgm="http://schemas.openxmlformats.org/drawingml/2006/diagram" xmlns:a="http://schemas.openxmlformats.org/drawingml/2006/main">
+  <dgm:ptLst>
+    <dgm:pt modelId="{0E9A5DBB-972D-4F90-B39F-6BF78DCC8176}" type="doc">
+      <dgm:prSet loTypeId="urn:microsoft.com/office/officeart/2005/8/layout/list1" loCatId="list" qsTypeId="urn:microsoft.com/office/officeart/2005/8/quickstyle/simple1" qsCatId="simple" csTypeId="urn:microsoft.com/office/officeart/2005/8/colors/accent1_2" csCatId="accent1" phldr="1"/>
+      <dgm:spPr/>
+      <dgm:t>
+        <a:bodyPr/>
+        <a:lstStyle/>
+        <a:p>
+          <a:endParaRPr lang="fr-FR"/>
+        </a:p>
+      </dgm:t>
+    </dgm:pt>
+    <dgm:pt modelId="{0478A815-82CA-4D27-86A3-82214C8D998B}">
+      <dgm:prSet phldrT="[Texte]"/>
+      <dgm:spPr/>
+      <dgm:t>
+        <a:bodyPr/>
+        <a:lstStyle/>
+        <a:p>
+          <a:r>
+            <a:rPr lang="fr-FR" dirty="0" smtClean="0"/>
+            <a:t>Affichage du score</a:t>
+          </a:r>
+          <a:endParaRPr lang="fr-FR" dirty="0"/>
+        </a:p>
+      </dgm:t>
+    </dgm:pt>
+    <dgm:pt modelId="{CE9048C6-9242-4A26-BBF2-28E7001183D8}" type="parTrans" cxnId="{EBAC0E64-01F2-4EDD-BF1D-5A2ADD1B1605}">
+      <dgm:prSet/>
+      <dgm:spPr/>
+      <dgm:t>
+        <a:bodyPr/>
+        <a:lstStyle/>
+        <a:p>
+          <a:endParaRPr lang="fr-FR"/>
+        </a:p>
+      </dgm:t>
+    </dgm:pt>
+    <dgm:pt modelId="{68492482-7340-40F1-9165-CCA530F71C63}" type="sibTrans" cxnId="{EBAC0E64-01F2-4EDD-BF1D-5A2ADD1B1605}">
+      <dgm:prSet/>
+      <dgm:spPr/>
+      <dgm:t>
+        <a:bodyPr/>
+        <a:lstStyle/>
+        <a:p>
+          <a:endParaRPr lang="fr-FR"/>
+        </a:p>
+      </dgm:t>
+    </dgm:pt>
+    <dgm:pt modelId="{3D547A74-D832-4AA1-81ED-F5287BF43368}">
+      <dgm:prSet phldrT="[Texte]"/>
+      <dgm:spPr/>
+      <dgm:t>
+        <a:bodyPr/>
+        <a:lstStyle/>
+        <a:p>
+          <a:r>
+            <a:rPr lang="fr-FR" dirty="0" smtClean="0"/>
+            <a:t>Rotation de l’écran</a:t>
+          </a:r>
+          <a:endParaRPr lang="fr-FR" dirty="0"/>
+        </a:p>
+      </dgm:t>
+    </dgm:pt>
+    <dgm:pt modelId="{22EA6BC7-09D2-413D-9540-1EC8A98D98A7}" type="parTrans" cxnId="{1D19C2BC-9531-4976-9675-514AA4A33E4D}">
+      <dgm:prSet/>
+      <dgm:spPr/>
+      <dgm:t>
+        <a:bodyPr/>
+        <a:lstStyle/>
+        <a:p>
+          <a:endParaRPr lang="fr-FR"/>
+        </a:p>
+      </dgm:t>
+    </dgm:pt>
+    <dgm:pt modelId="{7707F492-FD9D-4F48-A93A-13A8DDFCCEF5}" type="sibTrans" cxnId="{1D19C2BC-9531-4976-9675-514AA4A33E4D}">
+      <dgm:prSet/>
+      <dgm:spPr/>
+      <dgm:t>
+        <a:bodyPr/>
+        <a:lstStyle/>
+        <a:p>
+          <a:endParaRPr lang="fr-FR"/>
+        </a:p>
+      </dgm:t>
+    </dgm:pt>
+    <dgm:pt modelId="{B0ACD3DC-CE67-4276-8864-A3E2F2CB019F}" type="pres">
+      <dgm:prSet presAssocID="{0E9A5DBB-972D-4F90-B39F-6BF78DCC8176}" presName="linear" presStyleCnt="0">
+        <dgm:presLayoutVars>
+          <dgm:dir/>
+          <dgm:animLvl val="lvl"/>
+          <dgm:resizeHandles val="exact"/>
+        </dgm:presLayoutVars>
+      </dgm:prSet>
+      <dgm:spPr/>
+    </dgm:pt>
+    <dgm:pt modelId="{6DA28EA7-FD6B-4D1A-9D33-364716583730}" type="pres">
+      <dgm:prSet presAssocID="{0478A815-82CA-4D27-86A3-82214C8D998B}" presName="parentLin" presStyleCnt="0"/>
+      <dgm:spPr/>
+    </dgm:pt>
+    <dgm:pt modelId="{017897ED-1FAD-4876-9ECE-4CF949E9DD02}" type="pres">
+      <dgm:prSet presAssocID="{0478A815-82CA-4D27-86A3-82214C8D998B}" presName="parentLeftMargin" presStyleLbl="node1" presStyleIdx="0" presStyleCnt="2"/>
+      <dgm:spPr/>
+    </dgm:pt>
+    <dgm:pt modelId="{15711911-AE29-482D-90EF-0C12A04BC5B6}" type="pres">
+      <dgm:prSet presAssocID="{0478A815-82CA-4D27-86A3-82214C8D998B}" presName="parentText" presStyleLbl="node1" presStyleIdx="0" presStyleCnt="2">
+        <dgm:presLayoutVars>
+          <dgm:chMax val="0"/>
+          <dgm:bulletEnabled val="1"/>
+        </dgm:presLayoutVars>
+      </dgm:prSet>
+      <dgm:spPr/>
+      <dgm:t>
+        <a:bodyPr/>
+        <a:lstStyle/>
+        <a:p>
+          <a:endParaRPr lang="fr-FR"/>
+        </a:p>
+      </dgm:t>
+    </dgm:pt>
+    <dgm:pt modelId="{A7FCF578-3D37-4747-A6E5-05A549AE85FA}" type="pres">
+      <dgm:prSet presAssocID="{0478A815-82CA-4D27-86A3-82214C8D998B}" presName="negativeSpace" presStyleCnt="0"/>
+      <dgm:spPr/>
+    </dgm:pt>
+    <dgm:pt modelId="{24652B56-AA84-4F5B-879C-C32F0AD0B9D8}" type="pres">
+      <dgm:prSet presAssocID="{0478A815-82CA-4D27-86A3-82214C8D998B}" presName="childText" presStyleLbl="conFgAcc1" presStyleIdx="0" presStyleCnt="2">
+        <dgm:presLayoutVars>
+          <dgm:bulletEnabled val="1"/>
+        </dgm:presLayoutVars>
+      </dgm:prSet>
+      <dgm:spPr/>
+    </dgm:pt>
+    <dgm:pt modelId="{D29F2B5A-61FA-4840-9ABE-EF4A8C93C585}" type="pres">
+      <dgm:prSet presAssocID="{68492482-7340-40F1-9165-CCA530F71C63}" presName="spaceBetweenRectangles" presStyleCnt="0"/>
+      <dgm:spPr/>
+    </dgm:pt>
+    <dgm:pt modelId="{B476409B-8EFC-401F-AA74-006623A868D5}" type="pres">
+      <dgm:prSet presAssocID="{3D547A74-D832-4AA1-81ED-F5287BF43368}" presName="parentLin" presStyleCnt="0"/>
+      <dgm:spPr/>
+    </dgm:pt>
+    <dgm:pt modelId="{381E63D2-DF12-4625-B55D-ED6BF704836B}" type="pres">
+      <dgm:prSet presAssocID="{3D547A74-D832-4AA1-81ED-F5287BF43368}" presName="parentLeftMargin" presStyleLbl="node1" presStyleIdx="0" presStyleCnt="2"/>
+      <dgm:spPr/>
+    </dgm:pt>
+    <dgm:pt modelId="{BC056475-CE6A-4B91-9AEA-F8EA1BED8BE8}" type="pres">
+      <dgm:prSet presAssocID="{3D547A74-D832-4AA1-81ED-F5287BF43368}" presName="parentText" presStyleLbl="node1" presStyleIdx="1" presStyleCnt="2">
+        <dgm:presLayoutVars>
+          <dgm:chMax val="0"/>
+          <dgm:bulletEnabled val="1"/>
+        </dgm:presLayoutVars>
+      </dgm:prSet>
+      <dgm:spPr/>
+      <dgm:t>
+        <a:bodyPr/>
+        <a:lstStyle/>
+        <a:p>
+          <a:endParaRPr lang="fr-FR"/>
+        </a:p>
+      </dgm:t>
+    </dgm:pt>
+    <dgm:pt modelId="{AB8946D4-7694-4C43-99C4-F6609B157C17}" type="pres">
+      <dgm:prSet presAssocID="{3D547A74-D832-4AA1-81ED-F5287BF43368}" presName="negativeSpace" presStyleCnt="0"/>
+      <dgm:spPr/>
+    </dgm:pt>
+    <dgm:pt modelId="{212A24F6-0FA6-497B-A708-B76B2FBF28B6}" type="pres">
+      <dgm:prSet presAssocID="{3D547A74-D832-4AA1-81ED-F5287BF43368}" presName="childText" presStyleLbl="conFgAcc1" presStyleIdx="1" presStyleCnt="2">
+        <dgm:presLayoutVars>
+          <dgm:bulletEnabled val="1"/>
+        </dgm:presLayoutVars>
+      </dgm:prSet>
+      <dgm:spPr/>
+    </dgm:pt>
+  </dgm:ptLst>
+  <dgm:cxnLst>
+    <dgm:cxn modelId="{2922A254-F65C-4249-8A52-C106891C7E31}" type="presOf" srcId="{0478A815-82CA-4D27-86A3-82214C8D998B}" destId="{15711911-AE29-482D-90EF-0C12A04BC5B6}" srcOrd="1" destOrd="0" presId="urn:microsoft.com/office/officeart/2005/8/layout/list1"/>
+    <dgm:cxn modelId="{1D19C2BC-9531-4976-9675-514AA4A33E4D}" srcId="{0E9A5DBB-972D-4F90-B39F-6BF78DCC8176}" destId="{3D547A74-D832-4AA1-81ED-F5287BF43368}" srcOrd="1" destOrd="0" parTransId="{22EA6BC7-09D2-413D-9540-1EC8A98D98A7}" sibTransId="{7707F492-FD9D-4F48-A93A-13A8DDFCCEF5}"/>
+    <dgm:cxn modelId="{EBAC0E64-01F2-4EDD-BF1D-5A2ADD1B1605}" srcId="{0E9A5DBB-972D-4F90-B39F-6BF78DCC8176}" destId="{0478A815-82CA-4D27-86A3-82214C8D998B}" srcOrd="0" destOrd="0" parTransId="{CE9048C6-9242-4A26-BBF2-28E7001183D8}" sibTransId="{68492482-7340-40F1-9165-CCA530F71C63}"/>
+    <dgm:cxn modelId="{6BED8C74-53BD-4ED8-9911-51F232731373}" type="presOf" srcId="{0E9A5DBB-972D-4F90-B39F-6BF78DCC8176}" destId="{B0ACD3DC-CE67-4276-8864-A3E2F2CB019F}" srcOrd="0" destOrd="0" presId="urn:microsoft.com/office/officeart/2005/8/layout/list1"/>
+    <dgm:cxn modelId="{663EA20D-CF75-414B-8666-8B624F004913}" type="presOf" srcId="{3D547A74-D832-4AA1-81ED-F5287BF43368}" destId="{381E63D2-DF12-4625-B55D-ED6BF704836B}" srcOrd="0" destOrd="0" presId="urn:microsoft.com/office/officeart/2005/8/layout/list1"/>
+    <dgm:cxn modelId="{1583EABF-70CB-4270-8DD8-E28EBE573305}" type="presOf" srcId="{0478A815-82CA-4D27-86A3-82214C8D998B}" destId="{017897ED-1FAD-4876-9ECE-4CF949E9DD02}" srcOrd="0" destOrd="0" presId="urn:microsoft.com/office/officeart/2005/8/layout/list1"/>
+    <dgm:cxn modelId="{1CB44EED-6178-4DE4-922A-2E8D27E08B2B}" type="presOf" srcId="{3D547A74-D832-4AA1-81ED-F5287BF43368}" destId="{BC056475-CE6A-4B91-9AEA-F8EA1BED8BE8}" srcOrd="1" destOrd="0" presId="urn:microsoft.com/office/officeart/2005/8/layout/list1"/>
+    <dgm:cxn modelId="{3B855696-C389-4320-856E-8E4CAE63C300}" type="presParOf" srcId="{B0ACD3DC-CE67-4276-8864-A3E2F2CB019F}" destId="{6DA28EA7-FD6B-4D1A-9D33-364716583730}" srcOrd="0" destOrd="0" presId="urn:microsoft.com/office/officeart/2005/8/layout/list1"/>
+    <dgm:cxn modelId="{5B1980E2-E8E8-4CAA-BBCA-B87ED6436EE3}" type="presParOf" srcId="{6DA28EA7-FD6B-4D1A-9D33-364716583730}" destId="{017897ED-1FAD-4876-9ECE-4CF949E9DD02}" srcOrd="0" destOrd="0" presId="urn:microsoft.com/office/officeart/2005/8/layout/list1"/>
+    <dgm:cxn modelId="{90D4429E-6C43-4687-ABFE-05D4D29313C2}" type="presParOf" srcId="{6DA28EA7-FD6B-4D1A-9D33-364716583730}" destId="{15711911-AE29-482D-90EF-0C12A04BC5B6}" srcOrd="1" destOrd="0" presId="urn:microsoft.com/office/officeart/2005/8/layout/list1"/>
+    <dgm:cxn modelId="{AAE44E31-8091-4710-9ACA-2D54242D88BA}" type="presParOf" srcId="{B0ACD3DC-CE67-4276-8864-A3E2F2CB019F}" destId="{A7FCF578-3D37-4747-A6E5-05A549AE85FA}" srcOrd="1" destOrd="0" presId="urn:microsoft.com/office/officeart/2005/8/layout/list1"/>
+    <dgm:cxn modelId="{C4D29D37-90D8-4117-BDCD-71CD0206FDC4}" type="presParOf" srcId="{B0ACD3DC-CE67-4276-8864-A3E2F2CB019F}" destId="{24652B56-AA84-4F5B-879C-C32F0AD0B9D8}" srcOrd="2" destOrd="0" presId="urn:microsoft.com/office/officeart/2005/8/layout/list1"/>
+    <dgm:cxn modelId="{223707C2-83E0-4A3D-B6D6-5AE6DF1BC965}" type="presParOf" srcId="{B0ACD3DC-CE67-4276-8864-A3E2F2CB019F}" destId="{D29F2B5A-61FA-4840-9ABE-EF4A8C93C585}" srcOrd="3" destOrd="0" presId="urn:microsoft.com/office/officeart/2005/8/layout/list1"/>
+    <dgm:cxn modelId="{BBDE0422-A97A-494C-A562-D6003B99DC6D}" type="presParOf" srcId="{B0ACD3DC-CE67-4276-8864-A3E2F2CB019F}" destId="{B476409B-8EFC-401F-AA74-006623A868D5}" srcOrd="4" destOrd="0" presId="urn:microsoft.com/office/officeart/2005/8/layout/list1"/>
+    <dgm:cxn modelId="{B4E7F105-F67C-4593-9A1A-7C7849688673}" type="presParOf" srcId="{B476409B-8EFC-401F-AA74-006623A868D5}" destId="{381E63D2-DF12-4625-B55D-ED6BF704836B}" srcOrd="0" destOrd="0" presId="urn:microsoft.com/office/officeart/2005/8/layout/list1"/>
+    <dgm:cxn modelId="{0B23A394-E1D0-4AFC-9767-72625E109CFA}" type="presParOf" srcId="{B476409B-8EFC-401F-AA74-006623A868D5}" destId="{BC056475-CE6A-4B91-9AEA-F8EA1BED8BE8}" srcOrd="1" destOrd="0" presId="urn:microsoft.com/office/officeart/2005/8/layout/list1"/>
+    <dgm:cxn modelId="{0B0CAE96-B322-4F45-8C7D-F51ECD78F662}" type="presParOf" srcId="{B0ACD3DC-CE67-4276-8864-A3E2F2CB019F}" destId="{AB8946D4-7694-4C43-99C4-F6609B157C17}" srcOrd="5" destOrd="0" presId="urn:microsoft.com/office/officeart/2005/8/layout/list1"/>
+    <dgm:cxn modelId="{F179408D-5526-47E5-8D51-EDF44E0F3EBD}" type="presParOf" srcId="{B0ACD3DC-CE67-4276-8864-A3E2F2CB019F}" destId="{212A24F6-0FA6-497B-A708-B76B2FBF28B6}" srcOrd="6" destOrd="0" presId="urn:microsoft.com/office/officeart/2005/8/layout/list1"/>
+  </dgm:cxnLst>
+  <dgm:bg/>
+  <dgm:whole/>
+  <dgm:extLst>
+    <a:ext uri="http://schemas.microsoft.com/office/drawing/2008/diagram">
+      <dsp:dataModelExt xmlns:dsp="http://schemas.microsoft.com/office/drawing/2008/diagram" relId="rId6" minVer="http://schemas.openxmlformats.org/drawingml/2006/diagram"/>
+    </a:ext>
+  </dgm:extLst>
+</dgm:dataModel>
+</file>
+
+<file path=ppt/diagrams/data2.xml><?xml version="1.0" encoding="utf-8"?>
+<dgm:dataModel xmlns:dgm="http://schemas.openxmlformats.org/drawingml/2006/diagram" xmlns:a="http://schemas.openxmlformats.org/drawingml/2006/main">
+  <dgm:ptLst>
+    <dgm:pt modelId="{0E9A5DBB-972D-4F90-B39F-6BF78DCC8176}" type="doc">
+      <dgm:prSet loTypeId="urn:microsoft.com/office/officeart/2005/8/layout/list1" loCatId="list" qsTypeId="urn:microsoft.com/office/officeart/2005/8/quickstyle/simple1" qsCatId="simple" csTypeId="urn:microsoft.com/office/officeart/2005/8/colors/accent1_2" csCatId="accent1" phldr="1"/>
+      <dgm:spPr/>
+      <dgm:t>
+        <a:bodyPr/>
+        <a:lstStyle/>
+        <a:p>
+          <a:endParaRPr lang="fr-FR"/>
+        </a:p>
+      </dgm:t>
+    </dgm:pt>
+    <dgm:pt modelId="{0478A815-82CA-4D27-86A3-82214C8D998B}">
+      <dgm:prSet phldrT="[Texte]"/>
+      <dgm:spPr/>
+      <dgm:t>
+        <a:bodyPr/>
+        <a:lstStyle/>
+        <a:p>
+          <a:r>
+            <a:rPr lang="fr-FR" dirty="0" smtClean="0"/>
+            <a:t>Ajout du mode arcade + nouveaux modes de jeu</a:t>
+          </a:r>
+          <a:endParaRPr lang="fr-FR" dirty="0"/>
+        </a:p>
+      </dgm:t>
+    </dgm:pt>
+    <dgm:pt modelId="{CE9048C6-9242-4A26-BBF2-28E7001183D8}" type="parTrans" cxnId="{EBAC0E64-01F2-4EDD-BF1D-5A2ADD1B1605}">
+      <dgm:prSet/>
+      <dgm:spPr/>
+      <dgm:t>
+        <a:bodyPr/>
+        <a:lstStyle/>
+        <a:p>
+          <a:endParaRPr lang="fr-FR"/>
+        </a:p>
+      </dgm:t>
+    </dgm:pt>
+    <dgm:pt modelId="{68492482-7340-40F1-9165-CCA530F71C63}" type="sibTrans" cxnId="{EBAC0E64-01F2-4EDD-BF1D-5A2ADD1B1605}">
+      <dgm:prSet/>
+      <dgm:spPr/>
+      <dgm:t>
+        <a:bodyPr/>
+        <a:lstStyle/>
+        <a:p>
+          <a:endParaRPr lang="fr-FR"/>
+        </a:p>
+      </dgm:t>
+    </dgm:pt>
+    <dgm:pt modelId="{3D547A74-D832-4AA1-81ED-F5287BF43368}">
+      <dgm:prSet phldrT="[Texte]"/>
+      <dgm:spPr/>
+      <dgm:t>
+        <a:bodyPr/>
+        <a:lstStyle/>
+        <a:p>
+          <a:r>
+            <a:rPr lang="fr-FR" dirty="0" smtClean="0"/>
+            <a:t>Mise en place du paramétrage de la vitesse</a:t>
+          </a:r>
+          <a:endParaRPr lang="fr-FR" dirty="0"/>
+        </a:p>
+      </dgm:t>
+    </dgm:pt>
+    <dgm:pt modelId="{22EA6BC7-09D2-413D-9540-1EC8A98D98A7}" type="parTrans" cxnId="{1D19C2BC-9531-4976-9675-514AA4A33E4D}">
+      <dgm:prSet/>
+      <dgm:spPr/>
+      <dgm:t>
+        <a:bodyPr/>
+        <a:lstStyle/>
+        <a:p>
+          <a:endParaRPr lang="fr-FR"/>
+        </a:p>
+      </dgm:t>
+    </dgm:pt>
+    <dgm:pt modelId="{7707F492-FD9D-4F48-A93A-13A8DDFCCEF5}" type="sibTrans" cxnId="{1D19C2BC-9531-4976-9675-514AA4A33E4D}">
+      <dgm:prSet/>
+      <dgm:spPr/>
+      <dgm:t>
+        <a:bodyPr/>
+        <a:lstStyle/>
+        <a:p>
+          <a:endParaRPr lang="fr-FR"/>
+        </a:p>
+      </dgm:t>
+    </dgm:pt>
+    <dgm:pt modelId="{B731133A-72BD-4F6E-AFA6-DBAEA901C3C9}">
+      <dgm:prSet phldrT="[Texte]"/>
+      <dgm:spPr/>
+      <dgm:t>
+        <a:bodyPr/>
+        <a:lstStyle/>
+        <a:p>
+          <a:r>
+            <a:rPr lang="fr-FR" dirty="0" smtClean="0"/>
+            <a:t>Code </a:t>
+          </a:r>
+          <a:r>
+            <a:rPr lang="fr-FR" dirty="0" err="1" smtClean="0"/>
+            <a:t>Review</a:t>
+          </a:r>
+          <a:endParaRPr lang="fr-FR" dirty="0" smtClean="0"/>
+        </a:p>
+      </dgm:t>
+    </dgm:pt>
+    <dgm:pt modelId="{06ACF06E-8C1C-472E-9FF6-FA5BAFD858A7}" type="parTrans" cxnId="{10F64706-EC48-414D-85B4-8E8107B0199F}">
+      <dgm:prSet/>
+      <dgm:spPr/>
+      <dgm:t>
+        <a:bodyPr/>
+        <a:lstStyle/>
+        <a:p>
+          <a:endParaRPr lang="fr-FR"/>
+        </a:p>
+      </dgm:t>
+    </dgm:pt>
+    <dgm:pt modelId="{62E8B63B-C2FA-418E-BC86-613844A63F19}" type="sibTrans" cxnId="{10F64706-EC48-414D-85B4-8E8107B0199F}">
+      <dgm:prSet/>
+      <dgm:spPr/>
+      <dgm:t>
+        <a:bodyPr/>
+        <a:lstStyle/>
+        <a:p>
+          <a:endParaRPr lang="fr-FR"/>
+        </a:p>
+      </dgm:t>
+    </dgm:pt>
+    <dgm:pt modelId="{B0ACD3DC-CE67-4276-8864-A3E2F2CB019F}" type="pres">
+      <dgm:prSet presAssocID="{0E9A5DBB-972D-4F90-B39F-6BF78DCC8176}" presName="linear" presStyleCnt="0">
+        <dgm:presLayoutVars>
+          <dgm:dir/>
+          <dgm:animLvl val="lvl"/>
+          <dgm:resizeHandles val="exact"/>
+        </dgm:presLayoutVars>
+      </dgm:prSet>
+      <dgm:spPr/>
+    </dgm:pt>
+    <dgm:pt modelId="{6DA28EA7-FD6B-4D1A-9D33-364716583730}" type="pres">
+      <dgm:prSet presAssocID="{0478A815-82CA-4D27-86A3-82214C8D998B}" presName="parentLin" presStyleCnt="0"/>
+      <dgm:spPr/>
+    </dgm:pt>
+    <dgm:pt modelId="{017897ED-1FAD-4876-9ECE-4CF949E9DD02}" type="pres">
+      <dgm:prSet presAssocID="{0478A815-82CA-4D27-86A3-82214C8D998B}" presName="parentLeftMargin" presStyleLbl="node1" presStyleIdx="0" presStyleCnt="3"/>
+      <dgm:spPr/>
+    </dgm:pt>
+    <dgm:pt modelId="{15711911-AE29-482D-90EF-0C12A04BC5B6}" type="pres">
+      <dgm:prSet presAssocID="{0478A815-82CA-4D27-86A3-82214C8D998B}" presName="parentText" presStyleLbl="node1" presStyleIdx="0" presStyleCnt="3" custScaleX="105983">
+        <dgm:presLayoutVars>
+          <dgm:chMax val="0"/>
+          <dgm:bulletEnabled val="1"/>
+        </dgm:presLayoutVars>
+      </dgm:prSet>
+      <dgm:spPr/>
+      <dgm:t>
+        <a:bodyPr/>
+        <a:lstStyle/>
+        <a:p>
+          <a:endParaRPr lang="fr-FR"/>
+        </a:p>
+      </dgm:t>
+    </dgm:pt>
+    <dgm:pt modelId="{A7FCF578-3D37-4747-A6E5-05A549AE85FA}" type="pres">
+      <dgm:prSet presAssocID="{0478A815-82CA-4D27-86A3-82214C8D998B}" presName="negativeSpace" presStyleCnt="0"/>
+      <dgm:spPr/>
+    </dgm:pt>
+    <dgm:pt modelId="{24652B56-AA84-4F5B-879C-C32F0AD0B9D8}" type="pres">
+      <dgm:prSet presAssocID="{0478A815-82CA-4D27-86A3-82214C8D998B}" presName="childText" presStyleLbl="conFgAcc1" presStyleIdx="0" presStyleCnt="3">
+        <dgm:presLayoutVars>
+          <dgm:bulletEnabled val="1"/>
+        </dgm:presLayoutVars>
+      </dgm:prSet>
+      <dgm:spPr/>
+    </dgm:pt>
+    <dgm:pt modelId="{D29F2B5A-61FA-4840-9ABE-EF4A8C93C585}" type="pres">
+      <dgm:prSet presAssocID="{68492482-7340-40F1-9165-CCA530F71C63}" presName="spaceBetweenRectangles" presStyleCnt="0"/>
+      <dgm:spPr/>
+    </dgm:pt>
+    <dgm:pt modelId="{B476409B-8EFC-401F-AA74-006623A868D5}" type="pres">
+      <dgm:prSet presAssocID="{3D547A74-D832-4AA1-81ED-F5287BF43368}" presName="parentLin" presStyleCnt="0"/>
+      <dgm:spPr/>
+    </dgm:pt>
+    <dgm:pt modelId="{381E63D2-DF12-4625-B55D-ED6BF704836B}" type="pres">
+      <dgm:prSet presAssocID="{3D547A74-D832-4AA1-81ED-F5287BF43368}" presName="parentLeftMargin" presStyleLbl="node1" presStyleIdx="0" presStyleCnt="3"/>
+      <dgm:spPr/>
+    </dgm:pt>
+    <dgm:pt modelId="{BC056475-CE6A-4B91-9AEA-F8EA1BED8BE8}" type="pres">
+      <dgm:prSet presAssocID="{3D547A74-D832-4AA1-81ED-F5287BF43368}" presName="parentText" presStyleLbl="node1" presStyleIdx="1" presStyleCnt="3">
+        <dgm:presLayoutVars>
+          <dgm:chMax val="0"/>
+          <dgm:bulletEnabled val="1"/>
+        </dgm:presLayoutVars>
+      </dgm:prSet>
+      <dgm:spPr/>
+      <dgm:t>
+        <a:bodyPr/>
+        <a:lstStyle/>
+        <a:p>
+          <a:endParaRPr lang="fr-FR"/>
+        </a:p>
+      </dgm:t>
+    </dgm:pt>
+    <dgm:pt modelId="{AB8946D4-7694-4C43-99C4-F6609B157C17}" type="pres">
+      <dgm:prSet presAssocID="{3D547A74-D832-4AA1-81ED-F5287BF43368}" presName="negativeSpace" presStyleCnt="0"/>
+      <dgm:spPr/>
+    </dgm:pt>
+    <dgm:pt modelId="{212A24F6-0FA6-497B-A708-B76B2FBF28B6}" type="pres">
+      <dgm:prSet presAssocID="{3D547A74-D832-4AA1-81ED-F5287BF43368}" presName="childText" presStyleLbl="conFgAcc1" presStyleIdx="1" presStyleCnt="3">
+        <dgm:presLayoutVars>
+          <dgm:bulletEnabled val="1"/>
+        </dgm:presLayoutVars>
+      </dgm:prSet>
+      <dgm:spPr/>
+    </dgm:pt>
+    <dgm:pt modelId="{13A99D9D-4DAB-4C1C-9363-C59101352788}" type="pres">
+      <dgm:prSet presAssocID="{7707F492-FD9D-4F48-A93A-13A8DDFCCEF5}" presName="spaceBetweenRectangles" presStyleCnt="0"/>
+      <dgm:spPr/>
+    </dgm:pt>
+    <dgm:pt modelId="{1718442E-38BE-454A-BDAF-8BBA8F805EE9}" type="pres">
+      <dgm:prSet presAssocID="{B731133A-72BD-4F6E-AFA6-DBAEA901C3C9}" presName="parentLin" presStyleCnt="0"/>
+      <dgm:spPr/>
+    </dgm:pt>
+    <dgm:pt modelId="{BDEF2C6A-97B2-49FE-B216-F4D7F80DC984}" type="pres">
+      <dgm:prSet presAssocID="{B731133A-72BD-4F6E-AFA6-DBAEA901C3C9}" presName="parentLeftMargin" presStyleLbl="node1" presStyleIdx="1" presStyleCnt="3"/>
+      <dgm:spPr/>
+    </dgm:pt>
+    <dgm:pt modelId="{EB7A5CF3-C9E4-4CE8-B8E2-7B6D704AA299}" type="pres">
+      <dgm:prSet presAssocID="{B731133A-72BD-4F6E-AFA6-DBAEA901C3C9}" presName="parentText" presStyleLbl="node1" presStyleIdx="2" presStyleCnt="3">
+        <dgm:presLayoutVars>
+          <dgm:chMax val="0"/>
+          <dgm:bulletEnabled val="1"/>
+        </dgm:presLayoutVars>
+      </dgm:prSet>
+      <dgm:spPr/>
+      <dgm:t>
+        <a:bodyPr/>
+        <a:lstStyle/>
+        <a:p>
+          <a:endParaRPr lang="fr-FR"/>
+        </a:p>
+      </dgm:t>
+    </dgm:pt>
+    <dgm:pt modelId="{959A6E0D-120A-447C-BA62-0BA6CB209AD3}" type="pres">
+      <dgm:prSet presAssocID="{B731133A-72BD-4F6E-AFA6-DBAEA901C3C9}" presName="negativeSpace" presStyleCnt="0"/>
+      <dgm:spPr/>
+    </dgm:pt>
+    <dgm:pt modelId="{B26BC945-5AC9-4470-975D-458E85DD7FB5}" type="pres">
+      <dgm:prSet presAssocID="{B731133A-72BD-4F6E-AFA6-DBAEA901C3C9}" presName="childText" presStyleLbl="conFgAcc1" presStyleIdx="2" presStyleCnt="3">
+        <dgm:presLayoutVars>
+          <dgm:bulletEnabled val="1"/>
+        </dgm:presLayoutVars>
+      </dgm:prSet>
+      <dgm:spPr/>
+    </dgm:pt>
+  </dgm:ptLst>
+  <dgm:cxnLst>
+    <dgm:cxn modelId="{FF747DC0-129C-40C3-932B-B83EA7C8662C}" type="presOf" srcId="{3D547A74-D832-4AA1-81ED-F5287BF43368}" destId="{381E63D2-DF12-4625-B55D-ED6BF704836B}" srcOrd="0" destOrd="0" presId="urn:microsoft.com/office/officeart/2005/8/layout/list1"/>
+    <dgm:cxn modelId="{1CE34D25-4803-4C19-ACC0-F69D1C0F2812}" type="presOf" srcId="{0478A815-82CA-4D27-86A3-82214C8D998B}" destId="{017897ED-1FAD-4876-9ECE-4CF949E9DD02}" srcOrd="0" destOrd="0" presId="urn:microsoft.com/office/officeart/2005/8/layout/list1"/>
+    <dgm:cxn modelId="{1D19C2BC-9531-4976-9675-514AA4A33E4D}" srcId="{0E9A5DBB-972D-4F90-B39F-6BF78DCC8176}" destId="{3D547A74-D832-4AA1-81ED-F5287BF43368}" srcOrd="1" destOrd="0" parTransId="{22EA6BC7-09D2-413D-9540-1EC8A98D98A7}" sibTransId="{7707F492-FD9D-4F48-A93A-13A8DDFCCEF5}"/>
+    <dgm:cxn modelId="{F5160CBD-6937-4FD3-BA3D-335755DE1EF2}" type="presOf" srcId="{B731133A-72BD-4F6E-AFA6-DBAEA901C3C9}" destId="{BDEF2C6A-97B2-49FE-B216-F4D7F80DC984}" srcOrd="0" destOrd="0" presId="urn:microsoft.com/office/officeart/2005/8/layout/list1"/>
+    <dgm:cxn modelId="{D4BB7F93-7206-4CE4-8364-E4DDD8B3EBCC}" type="presOf" srcId="{0E9A5DBB-972D-4F90-B39F-6BF78DCC8176}" destId="{B0ACD3DC-CE67-4276-8864-A3E2F2CB019F}" srcOrd="0" destOrd="0" presId="urn:microsoft.com/office/officeart/2005/8/layout/list1"/>
+    <dgm:cxn modelId="{10F64706-EC48-414D-85B4-8E8107B0199F}" srcId="{0E9A5DBB-972D-4F90-B39F-6BF78DCC8176}" destId="{B731133A-72BD-4F6E-AFA6-DBAEA901C3C9}" srcOrd="2" destOrd="0" parTransId="{06ACF06E-8C1C-472E-9FF6-FA5BAFD858A7}" sibTransId="{62E8B63B-C2FA-418E-BC86-613844A63F19}"/>
+    <dgm:cxn modelId="{2CCCF9C6-8F85-49A0-992C-80BE1472C491}" type="presOf" srcId="{0478A815-82CA-4D27-86A3-82214C8D998B}" destId="{15711911-AE29-482D-90EF-0C12A04BC5B6}" srcOrd="1" destOrd="0" presId="urn:microsoft.com/office/officeart/2005/8/layout/list1"/>
+    <dgm:cxn modelId="{EBAC0E64-01F2-4EDD-BF1D-5A2ADD1B1605}" srcId="{0E9A5DBB-972D-4F90-B39F-6BF78DCC8176}" destId="{0478A815-82CA-4D27-86A3-82214C8D998B}" srcOrd="0" destOrd="0" parTransId="{CE9048C6-9242-4A26-BBF2-28E7001183D8}" sibTransId="{68492482-7340-40F1-9165-CCA530F71C63}"/>
+    <dgm:cxn modelId="{C350177B-445B-4689-8A8E-9751DC60BC9A}" type="presOf" srcId="{B731133A-72BD-4F6E-AFA6-DBAEA901C3C9}" destId="{EB7A5CF3-C9E4-4CE8-B8E2-7B6D704AA299}" srcOrd="1" destOrd="0" presId="urn:microsoft.com/office/officeart/2005/8/layout/list1"/>
+    <dgm:cxn modelId="{25465D9D-2641-44DA-9E29-D3944E0B6B02}" type="presOf" srcId="{3D547A74-D832-4AA1-81ED-F5287BF43368}" destId="{BC056475-CE6A-4B91-9AEA-F8EA1BED8BE8}" srcOrd="1" destOrd="0" presId="urn:microsoft.com/office/officeart/2005/8/layout/list1"/>
+    <dgm:cxn modelId="{A5060675-2E5F-4727-B840-4D9808BB6CB3}" type="presParOf" srcId="{B0ACD3DC-CE67-4276-8864-A3E2F2CB019F}" destId="{6DA28EA7-FD6B-4D1A-9D33-364716583730}" srcOrd="0" destOrd="0" presId="urn:microsoft.com/office/officeart/2005/8/layout/list1"/>
+    <dgm:cxn modelId="{16971984-F28C-47DD-9938-2F7448E10139}" type="presParOf" srcId="{6DA28EA7-FD6B-4D1A-9D33-364716583730}" destId="{017897ED-1FAD-4876-9ECE-4CF949E9DD02}" srcOrd="0" destOrd="0" presId="urn:microsoft.com/office/officeart/2005/8/layout/list1"/>
+    <dgm:cxn modelId="{BDAB952A-1B05-4CBF-BB6E-F1AE2B8FC1DE}" type="presParOf" srcId="{6DA28EA7-FD6B-4D1A-9D33-364716583730}" destId="{15711911-AE29-482D-90EF-0C12A04BC5B6}" srcOrd="1" destOrd="0" presId="urn:microsoft.com/office/officeart/2005/8/layout/list1"/>
+    <dgm:cxn modelId="{424DA183-A841-447E-935A-9FD5A6ED5E86}" type="presParOf" srcId="{B0ACD3DC-CE67-4276-8864-A3E2F2CB019F}" destId="{A7FCF578-3D37-4747-A6E5-05A549AE85FA}" srcOrd="1" destOrd="0" presId="urn:microsoft.com/office/officeart/2005/8/layout/list1"/>
+    <dgm:cxn modelId="{8650439C-8918-4459-B863-22E1CA72CF38}" type="presParOf" srcId="{B0ACD3DC-CE67-4276-8864-A3E2F2CB019F}" destId="{24652B56-AA84-4F5B-879C-C32F0AD0B9D8}" srcOrd="2" destOrd="0" presId="urn:microsoft.com/office/officeart/2005/8/layout/list1"/>
+    <dgm:cxn modelId="{ECF9AF1D-6C14-4265-BFED-957597898BB6}" type="presParOf" srcId="{B0ACD3DC-CE67-4276-8864-A3E2F2CB019F}" destId="{D29F2B5A-61FA-4840-9ABE-EF4A8C93C585}" srcOrd="3" destOrd="0" presId="urn:microsoft.com/office/officeart/2005/8/layout/list1"/>
+    <dgm:cxn modelId="{BA13C0E2-D594-4D2E-97F5-0630C9D3E1D9}" type="presParOf" srcId="{B0ACD3DC-CE67-4276-8864-A3E2F2CB019F}" destId="{B476409B-8EFC-401F-AA74-006623A868D5}" srcOrd="4" destOrd="0" presId="urn:microsoft.com/office/officeart/2005/8/layout/list1"/>
+    <dgm:cxn modelId="{F9D1A4D6-A065-46B1-BE5E-2C77844AD8CA}" type="presParOf" srcId="{B476409B-8EFC-401F-AA74-006623A868D5}" destId="{381E63D2-DF12-4625-B55D-ED6BF704836B}" srcOrd="0" destOrd="0" presId="urn:microsoft.com/office/officeart/2005/8/layout/list1"/>
+    <dgm:cxn modelId="{B4BC7FE6-22D4-405B-8C7B-B212B55BCDAC}" type="presParOf" srcId="{B476409B-8EFC-401F-AA74-006623A868D5}" destId="{BC056475-CE6A-4B91-9AEA-F8EA1BED8BE8}" srcOrd="1" destOrd="0" presId="urn:microsoft.com/office/officeart/2005/8/layout/list1"/>
+    <dgm:cxn modelId="{26E7842D-598C-4632-93C3-73D54B4BF8DD}" type="presParOf" srcId="{B0ACD3DC-CE67-4276-8864-A3E2F2CB019F}" destId="{AB8946D4-7694-4C43-99C4-F6609B157C17}" srcOrd="5" destOrd="0" presId="urn:microsoft.com/office/officeart/2005/8/layout/list1"/>
+    <dgm:cxn modelId="{BD6E3AC8-D61F-4290-A6BF-7C02F85A9FE5}" type="presParOf" srcId="{B0ACD3DC-CE67-4276-8864-A3E2F2CB019F}" destId="{212A24F6-0FA6-497B-A708-B76B2FBF28B6}" srcOrd="6" destOrd="0" presId="urn:microsoft.com/office/officeart/2005/8/layout/list1"/>
+    <dgm:cxn modelId="{3DCCE2EB-A98F-4F47-875A-FA45F5DE4779}" type="presParOf" srcId="{B0ACD3DC-CE67-4276-8864-A3E2F2CB019F}" destId="{13A99D9D-4DAB-4C1C-9363-C59101352788}" srcOrd="7" destOrd="0" presId="urn:microsoft.com/office/officeart/2005/8/layout/list1"/>
+    <dgm:cxn modelId="{75990BA7-320E-4445-9B9E-5C79D887F99B}" type="presParOf" srcId="{B0ACD3DC-CE67-4276-8864-A3E2F2CB019F}" destId="{1718442E-38BE-454A-BDAF-8BBA8F805EE9}" srcOrd="8" destOrd="0" presId="urn:microsoft.com/office/officeart/2005/8/layout/list1"/>
+    <dgm:cxn modelId="{0434DB98-A69A-4F8A-BF76-C69E6650566B}" type="presParOf" srcId="{1718442E-38BE-454A-BDAF-8BBA8F805EE9}" destId="{BDEF2C6A-97B2-49FE-B216-F4D7F80DC984}" srcOrd="0" destOrd="0" presId="urn:microsoft.com/office/officeart/2005/8/layout/list1"/>
+    <dgm:cxn modelId="{30D74FB5-350B-4944-AF7B-C45D39F6C2B7}" type="presParOf" srcId="{1718442E-38BE-454A-BDAF-8BBA8F805EE9}" destId="{EB7A5CF3-C9E4-4CE8-B8E2-7B6D704AA299}" srcOrd="1" destOrd="0" presId="urn:microsoft.com/office/officeart/2005/8/layout/list1"/>
+    <dgm:cxn modelId="{8C0C4EEF-67F4-483C-9E83-24A61A9BA9C2}" type="presParOf" srcId="{B0ACD3DC-CE67-4276-8864-A3E2F2CB019F}" destId="{959A6E0D-120A-447C-BA62-0BA6CB209AD3}" srcOrd="9" destOrd="0" presId="urn:microsoft.com/office/officeart/2005/8/layout/list1"/>
+    <dgm:cxn modelId="{62DBFA7F-30CE-4417-8B68-886C8D3D4B89}" type="presParOf" srcId="{B0ACD3DC-CE67-4276-8864-A3E2F2CB019F}" destId="{B26BC945-5AC9-4470-975D-458E85DD7FB5}" srcOrd="10" destOrd="0" presId="urn:microsoft.com/office/officeart/2005/8/layout/list1"/>
+  </dgm:cxnLst>
+  <dgm:bg/>
+  <dgm:whole/>
+  <dgm:extLst>
+    <a:ext uri="http://schemas.microsoft.com/office/drawing/2008/diagram">
+      <dsp:dataModelExt xmlns:dsp="http://schemas.microsoft.com/office/drawing/2008/diagram" relId="rId6" minVer="http://schemas.openxmlformats.org/drawingml/2006/diagram"/>
+    </a:ext>
+  </dgm:extLst>
+</dgm:dataModel>
+</file>
+
+<file path=ppt/diagrams/drawing1.xml><?xml version="1.0" encoding="utf-8"?>
+<dsp:drawing xmlns:dgm="http://schemas.openxmlformats.org/drawingml/2006/diagram" xmlns:dsp="http://schemas.microsoft.com/office/drawing/2008/diagram" xmlns:a="http://schemas.openxmlformats.org/drawingml/2006/main">
+  <dsp:spTree>
+    <dsp:nvGrpSpPr>
+      <dsp:cNvPr id="0" name=""/>
+      <dsp:cNvGrpSpPr/>
+    </dsp:nvGrpSpPr>
+    <dsp:grpSpPr/>
+    <dsp:sp modelId="{24652B56-AA84-4F5B-879C-C32F0AD0B9D8}">
+      <dsp:nvSpPr>
+        <dsp:cNvPr id="0" name=""/>
+        <dsp:cNvSpPr/>
+      </dsp:nvSpPr>
+      <dsp:spPr>
+        <a:xfrm>
+          <a:off x="0" y="493087"/>
+          <a:ext cx="5457824" cy="806400"/>
+        </a:xfrm>
+        <a:prstGeom prst="rect">
+          <a:avLst/>
+        </a:prstGeom>
+        <a:solidFill>
+          <a:schemeClr val="lt1">
+            <a:alpha val="90000"/>
+            <a:hueOff val="0"/>
+            <a:satOff val="0"/>
+            <a:lumOff val="0"/>
+            <a:alphaOff val="0"/>
+          </a:schemeClr>
+        </a:solidFill>
+        <a:ln w="19050" cap="rnd" cmpd="sng" algn="ctr">
+          <a:solidFill>
+            <a:schemeClr val="accent1">
+              <a:hueOff val="0"/>
+              <a:satOff val="0"/>
+              <a:lumOff val="0"/>
+              <a:alphaOff val="0"/>
+            </a:schemeClr>
+          </a:solidFill>
+          <a:prstDash val="solid"/>
+        </a:ln>
+        <a:effectLst/>
+      </dsp:spPr>
+      <dsp:style>
+        <a:lnRef idx="2">
+          <a:scrgbClr r="0" g="0" b="0"/>
+        </a:lnRef>
+        <a:fillRef idx="1">
+          <a:scrgbClr r="0" g="0" b="0"/>
+        </a:fillRef>
+        <a:effectRef idx="0">
+          <a:scrgbClr r="0" g="0" b="0"/>
+        </a:effectRef>
+        <a:fontRef idx="minor"/>
+      </dsp:style>
+    </dsp:sp>
+    <dsp:sp modelId="{15711911-AE29-482D-90EF-0C12A04BC5B6}">
+      <dsp:nvSpPr>
+        <dsp:cNvPr id="0" name=""/>
+        <dsp:cNvSpPr/>
+      </dsp:nvSpPr>
+      <dsp:spPr>
+        <a:xfrm>
+          <a:off x="272891" y="20767"/>
+          <a:ext cx="3820477" cy="944640"/>
+        </a:xfrm>
+        <a:prstGeom prst="roundRect">
+          <a:avLst/>
+        </a:prstGeom>
+        <a:solidFill>
+          <a:schemeClr val="accent1">
+            <a:hueOff val="0"/>
+            <a:satOff val="0"/>
+            <a:lumOff val="0"/>
+            <a:alphaOff val="0"/>
+          </a:schemeClr>
+        </a:solidFill>
+        <a:ln w="19050" cap="rnd" cmpd="sng" algn="ctr">
+          <a:solidFill>
+            <a:schemeClr val="lt1">
+              <a:hueOff val="0"/>
+              <a:satOff val="0"/>
+              <a:lumOff val="0"/>
+              <a:alphaOff val="0"/>
+            </a:schemeClr>
+          </a:solidFill>
+          <a:prstDash val="solid"/>
+        </a:ln>
+        <a:effectLst/>
+      </dsp:spPr>
+      <dsp:style>
+        <a:lnRef idx="2">
+          <a:scrgbClr r="0" g="0" b="0"/>
+        </a:lnRef>
+        <a:fillRef idx="1">
+          <a:scrgbClr r="0" g="0" b="0"/>
+        </a:fillRef>
+        <a:effectRef idx="0">
+          <a:scrgbClr r="0" g="0" b="0"/>
+        </a:effectRef>
+        <a:fontRef idx="minor">
+          <a:schemeClr val="lt1"/>
+        </a:fontRef>
+      </dsp:style>
+      <dsp:txBody>
+        <a:bodyPr spcFirstLastPara="0" vert="horz" wrap="square" lIns="144405" tIns="0" rIns="144405" bIns="0" numCol="1" spcCol="1270" anchor="ctr" anchorCtr="0">
+          <a:noAutofit/>
+        </a:bodyPr>
+        <a:lstStyle/>
+        <a:p>
+          <a:pPr lvl="0" algn="l" defTabSz="1422400">
+            <a:lnSpc>
+              <a:spcPct val="90000"/>
+            </a:lnSpc>
+            <a:spcBef>
+              <a:spcPct val="0"/>
+            </a:spcBef>
+            <a:spcAft>
+              <a:spcPct val="35000"/>
+            </a:spcAft>
+          </a:pPr>
+          <a:r>
+            <a:rPr lang="fr-FR" sz="3200" kern="1200" dirty="0" smtClean="0"/>
+            <a:t>Affichage du score</a:t>
+          </a:r>
+          <a:endParaRPr lang="fr-FR" sz="3200" kern="1200" dirty="0"/>
+        </a:p>
+      </dsp:txBody>
+      <dsp:txXfrm>
+        <a:off x="319005" y="66881"/>
+        <a:ext cx="3728249" cy="852412"/>
+      </dsp:txXfrm>
+    </dsp:sp>
+    <dsp:sp modelId="{212A24F6-0FA6-497B-A708-B76B2FBF28B6}">
+      <dsp:nvSpPr>
+        <dsp:cNvPr id="0" name=""/>
+        <dsp:cNvSpPr/>
+      </dsp:nvSpPr>
+      <dsp:spPr>
+        <a:xfrm>
+          <a:off x="0" y="1944607"/>
+          <a:ext cx="5457824" cy="806400"/>
+        </a:xfrm>
+        <a:prstGeom prst="rect">
+          <a:avLst/>
+        </a:prstGeom>
+        <a:solidFill>
+          <a:schemeClr val="lt1">
+            <a:alpha val="90000"/>
+            <a:hueOff val="0"/>
+            <a:satOff val="0"/>
+            <a:lumOff val="0"/>
+            <a:alphaOff val="0"/>
+          </a:schemeClr>
+        </a:solidFill>
+        <a:ln w="19050" cap="rnd" cmpd="sng" algn="ctr">
+          <a:solidFill>
+            <a:schemeClr val="accent1">
+              <a:hueOff val="0"/>
+              <a:satOff val="0"/>
+              <a:lumOff val="0"/>
+              <a:alphaOff val="0"/>
+            </a:schemeClr>
+          </a:solidFill>
+          <a:prstDash val="solid"/>
+        </a:ln>
+        <a:effectLst/>
+      </dsp:spPr>
+      <dsp:style>
+        <a:lnRef idx="2">
+          <a:scrgbClr r="0" g="0" b="0"/>
+        </a:lnRef>
+        <a:fillRef idx="1">
+          <a:scrgbClr r="0" g="0" b="0"/>
+        </a:fillRef>
+        <a:effectRef idx="0">
+          <a:scrgbClr r="0" g="0" b="0"/>
+        </a:effectRef>
+        <a:fontRef idx="minor"/>
+      </dsp:style>
+    </dsp:sp>
+    <dsp:sp modelId="{BC056475-CE6A-4B91-9AEA-F8EA1BED8BE8}">
+      <dsp:nvSpPr>
+        <dsp:cNvPr id="0" name=""/>
+        <dsp:cNvSpPr/>
+      </dsp:nvSpPr>
+      <dsp:spPr>
+        <a:xfrm>
+          <a:off x="272891" y="1472287"/>
+          <a:ext cx="3820477" cy="944640"/>
+        </a:xfrm>
+        <a:prstGeom prst="roundRect">
+          <a:avLst/>
+        </a:prstGeom>
+        <a:solidFill>
+          <a:schemeClr val="accent1">
+            <a:hueOff val="0"/>
+            <a:satOff val="0"/>
+            <a:lumOff val="0"/>
+            <a:alphaOff val="0"/>
+          </a:schemeClr>
+        </a:solidFill>
+        <a:ln w="19050" cap="rnd" cmpd="sng" algn="ctr">
+          <a:solidFill>
+            <a:schemeClr val="lt1">
+              <a:hueOff val="0"/>
+              <a:satOff val="0"/>
+              <a:lumOff val="0"/>
+              <a:alphaOff val="0"/>
+            </a:schemeClr>
+          </a:solidFill>
+          <a:prstDash val="solid"/>
+        </a:ln>
+        <a:effectLst/>
+      </dsp:spPr>
+      <dsp:style>
+        <a:lnRef idx="2">
+          <a:scrgbClr r="0" g="0" b="0"/>
+        </a:lnRef>
+        <a:fillRef idx="1">
+          <a:scrgbClr r="0" g="0" b="0"/>
+        </a:fillRef>
+        <a:effectRef idx="0">
+          <a:scrgbClr r="0" g="0" b="0"/>
+        </a:effectRef>
+        <a:fontRef idx="minor">
+          <a:schemeClr val="lt1"/>
+        </a:fontRef>
+      </dsp:style>
+      <dsp:txBody>
+        <a:bodyPr spcFirstLastPara="0" vert="horz" wrap="square" lIns="144405" tIns="0" rIns="144405" bIns="0" numCol="1" spcCol="1270" anchor="ctr" anchorCtr="0">
+          <a:noAutofit/>
+        </a:bodyPr>
+        <a:lstStyle/>
+        <a:p>
+          <a:pPr lvl="0" algn="l" defTabSz="1422400">
+            <a:lnSpc>
+              <a:spcPct val="90000"/>
+            </a:lnSpc>
+            <a:spcBef>
+              <a:spcPct val="0"/>
+            </a:spcBef>
+            <a:spcAft>
+              <a:spcPct val="35000"/>
+            </a:spcAft>
+          </a:pPr>
+          <a:r>
+            <a:rPr lang="fr-FR" sz="3200" kern="1200" dirty="0" smtClean="0"/>
+            <a:t>Rotation de l’écran</a:t>
+          </a:r>
+          <a:endParaRPr lang="fr-FR" sz="3200" kern="1200" dirty="0"/>
+        </a:p>
+      </dsp:txBody>
+      <dsp:txXfrm>
+        <a:off x="319005" y="1518401"/>
+        <a:ext cx="3728249" cy="852412"/>
+      </dsp:txXfrm>
+    </dsp:sp>
+  </dsp:spTree>
+</dsp:drawing>
+</file>
+
+<file path=ppt/diagrams/drawing2.xml><?xml version="1.0" encoding="utf-8"?>
+<dsp:drawing xmlns:dgm="http://schemas.openxmlformats.org/drawingml/2006/diagram" xmlns:dsp="http://schemas.microsoft.com/office/drawing/2008/diagram" xmlns:a="http://schemas.openxmlformats.org/drawingml/2006/main">
+  <dsp:spTree>
+    <dsp:nvGrpSpPr>
+      <dsp:cNvPr id="0" name=""/>
+      <dsp:cNvGrpSpPr/>
+    </dsp:nvGrpSpPr>
+    <dsp:grpSpPr/>
+    <dsp:sp modelId="{24652B56-AA84-4F5B-879C-C32F0AD0B9D8}">
+      <dsp:nvSpPr>
+        <dsp:cNvPr id="0" name=""/>
+        <dsp:cNvSpPr/>
+      </dsp:nvSpPr>
+      <dsp:spPr>
+        <a:xfrm>
+          <a:off x="0" y="650684"/>
+          <a:ext cx="6688384" cy="705600"/>
+        </a:xfrm>
+        <a:prstGeom prst="rect">
+          <a:avLst/>
+        </a:prstGeom>
+        <a:solidFill>
+          <a:schemeClr val="lt1">
+            <a:alpha val="90000"/>
+            <a:hueOff val="0"/>
+            <a:satOff val="0"/>
+            <a:lumOff val="0"/>
+            <a:alphaOff val="0"/>
+          </a:schemeClr>
+        </a:solidFill>
+        <a:ln w="19050" cap="rnd" cmpd="sng" algn="ctr">
+          <a:solidFill>
+            <a:schemeClr val="accent1">
+              <a:hueOff val="0"/>
+              <a:satOff val="0"/>
+              <a:lumOff val="0"/>
+              <a:alphaOff val="0"/>
+            </a:schemeClr>
+          </a:solidFill>
+          <a:prstDash val="solid"/>
+        </a:ln>
+        <a:effectLst/>
+      </dsp:spPr>
+      <dsp:style>
+        <a:lnRef idx="2">
+          <a:scrgbClr r="0" g="0" b="0"/>
+        </a:lnRef>
+        <a:fillRef idx="1">
+          <a:scrgbClr r="0" g="0" b="0"/>
+        </a:fillRef>
+        <a:effectRef idx="0">
+          <a:scrgbClr r="0" g="0" b="0"/>
+        </a:effectRef>
+        <a:fontRef idx="minor"/>
+      </dsp:style>
+    </dsp:sp>
+    <dsp:sp modelId="{15711911-AE29-482D-90EF-0C12A04BC5B6}">
+      <dsp:nvSpPr>
+        <dsp:cNvPr id="0" name=""/>
+        <dsp:cNvSpPr/>
+      </dsp:nvSpPr>
+      <dsp:spPr>
+        <a:xfrm>
+          <a:off x="334419" y="237404"/>
+          <a:ext cx="4961985" cy="826560"/>
+        </a:xfrm>
+        <a:prstGeom prst="roundRect">
+          <a:avLst/>
+        </a:prstGeom>
+        <a:solidFill>
+          <a:schemeClr val="accent1">
+            <a:hueOff val="0"/>
+            <a:satOff val="0"/>
+            <a:lumOff val="0"/>
+            <a:alphaOff val="0"/>
+          </a:schemeClr>
+        </a:solidFill>
+        <a:ln w="19050" cap="rnd" cmpd="sng" algn="ctr">
+          <a:solidFill>
+            <a:schemeClr val="lt1">
+              <a:hueOff val="0"/>
+              <a:satOff val="0"/>
+              <a:lumOff val="0"/>
+              <a:alphaOff val="0"/>
+            </a:schemeClr>
+          </a:solidFill>
+          <a:prstDash val="solid"/>
+        </a:ln>
+        <a:effectLst/>
+      </dsp:spPr>
+      <dsp:style>
+        <a:lnRef idx="2">
+          <a:scrgbClr r="0" g="0" b="0"/>
+        </a:lnRef>
+        <a:fillRef idx="1">
+          <a:scrgbClr r="0" g="0" b="0"/>
+        </a:fillRef>
+        <a:effectRef idx="0">
+          <a:scrgbClr r="0" g="0" b="0"/>
+        </a:effectRef>
+        <a:fontRef idx="minor">
+          <a:schemeClr val="lt1"/>
+        </a:fontRef>
+      </dsp:style>
+      <dsp:txBody>
+        <a:bodyPr spcFirstLastPara="0" vert="horz" wrap="square" lIns="176963" tIns="0" rIns="176963" bIns="0" numCol="1" spcCol="1270" anchor="ctr" anchorCtr="0">
+          <a:noAutofit/>
+        </a:bodyPr>
+        <a:lstStyle/>
+        <a:p>
+          <a:pPr lvl="0" algn="l" defTabSz="1244600">
+            <a:lnSpc>
+              <a:spcPct val="90000"/>
+            </a:lnSpc>
+            <a:spcBef>
+              <a:spcPct val="0"/>
+            </a:spcBef>
+            <a:spcAft>
+              <a:spcPct val="35000"/>
+            </a:spcAft>
+          </a:pPr>
+          <a:r>
+            <a:rPr lang="fr-FR" sz="2800" kern="1200" dirty="0" smtClean="0"/>
+            <a:t>Ajout du mode arcade + nouveaux modes de jeu</a:t>
+          </a:r>
+          <a:endParaRPr lang="fr-FR" sz="2800" kern="1200" dirty="0"/>
+        </a:p>
+      </dsp:txBody>
+      <dsp:txXfrm>
+        <a:off x="374768" y="277753"/>
+        <a:ext cx="4881287" cy="745862"/>
+      </dsp:txXfrm>
+    </dsp:sp>
+    <dsp:sp modelId="{212A24F6-0FA6-497B-A708-B76B2FBF28B6}">
+      <dsp:nvSpPr>
+        <dsp:cNvPr id="0" name=""/>
+        <dsp:cNvSpPr/>
+      </dsp:nvSpPr>
+      <dsp:spPr>
+        <a:xfrm>
+          <a:off x="0" y="1920765"/>
+          <a:ext cx="6688384" cy="705600"/>
+        </a:xfrm>
+        <a:prstGeom prst="rect">
+          <a:avLst/>
+        </a:prstGeom>
+        <a:solidFill>
+          <a:schemeClr val="lt1">
+            <a:alpha val="90000"/>
+            <a:hueOff val="0"/>
+            <a:satOff val="0"/>
+            <a:lumOff val="0"/>
+            <a:alphaOff val="0"/>
+          </a:schemeClr>
+        </a:solidFill>
+        <a:ln w="19050" cap="rnd" cmpd="sng" algn="ctr">
+          <a:solidFill>
+            <a:schemeClr val="accent1">
+              <a:hueOff val="0"/>
+              <a:satOff val="0"/>
+              <a:lumOff val="0"/>
+              <a:alphaOff val="0"/>
+            </a:schemeClr>
+          </a:solidFill>
+          <a:prstDash val="solid"/>
+        </a:ln>
+        <a:effectLst/>
+      </dsp:spPr>
+      <dsp:style>
+        <a:lnRef idx="2">
+          <a:scrgbClr r="0" g="0" b="0"/>
+        </a:lnRef>
+        <a:fillRef idx="1">
+          <a:scrgbClr r="0" g="0" b="0"/>
+        </a:fillRef>
+        <a:effectRef idx="0">
+          <a:scrgbClr r="0" g="0" b="0"/>
+        </a:effectRef>
+        <a:fontRef idx="minor"/>
+      </dsp:style>
+    </dsp:sp>
+    <dsp:sp modelId="{BC056475-CE6A-4B91-9AEA-F8EA1BED8BE8}">
+      <dsp:nvSpPr>
+        <dsp:cNvPr id="0" name=""/>
+        <dsp:cNvSpPr/>
+      </dsp:nvSpPr>
+      <dsp:spPr>
+        <a:xfrm>
+          <a:off x="334419" y="1507484"/>
+          <a:ext cx="4681868" cy="826560"/>
+        </a:xfrm>
+        <a:prstGeom prst="roundRect">
+          <a:avLst/>
+        </a:prstGeom>
+        <a:solidFill>
+          <a:schemeClr val="accent1">
+            <a:hueOff val="0"/>
+            <a:satOff val="0"/>
+            <a:lumOff val="0"/>
+            <a:alphaOff val="0"/>
+          </a:schemeClr>
+        </a:solidFill>
+        <a:ln w="19050" cap="rnd" cmpd="sng" algn="ctr">
+          <a:solidFill>
+            <a:schemeClr val="lt1">
+              <a:hueOff val="0"/>
+              <a:satOff val="0"/>
+              <a:lumOff val="0"/>
+              <a:alphaOff val="0"/>
+            </a:schemeClr>
+          </a:solidFill>
+          <a:prstDash val="solid"/>
+        </a:ln>
+        <a:effectLst/>
+      </dsp:spPr>
+      <dsp:style>
+        <a:lnRef idx="2">
+          <a:scrgbClr r="0" g="0" b="0"/>
+        </a:lnRef>
+        <a:fillRef idx="1">
+          <a:scrgbClr r="0" g="0" b="0"/>
+        </a:fillRef>
+        <a:effectRef idx="0">
+          <a:scrgbClr r="0" g="0" b="0"/>
+        </a:effectRef>
+        <a:fontRef idx="minor">
+          <a:schemeClr val="lt1"/>
+        </a:fontRef>
+      </dsp:style>
+      <dsp:txBody>
+        <a:bodyPr spcFirstLastPara="0" vert="horz" wrap="square" lIns="176963" tIns="0" rIns="176963" bIns="0" numCol="1" spcCol="1270" anchor="ctr" anchorCtr="0">
+          <a:noAutofit/>
+        </a:bodyPr>
+        <a:lstStyle/>
+        <a:p>
+          <a:pPr lvl="0" algn="l" defTabSz="1244600">
+            <a:lnSpc>
+              <a:spcPct val="90000"/>
+            </a:lnSpc>
+            <a:spcBef>
+              <a:spcPct val="0"/>
+            </a:spcBef>
+            <a:spcAft>
+              <a:spcPct val="35000"/>
+            </a:spcAft>
+          </a:pPr>
+          <a:r>
+            <a:rPr lang="fr-FR" sz="2800" kern="1200" dirty="0" smtClean="0"/>
+            <a:t>Mise en place du paramétrage de la vitesse</a:t>
+          </a:r>
+          <a:endParaRPr lang="fr-FR" sz="2800" kern="1200" dirty="0"/>
+        </a:p>
+      </dsp:txBody>
+      <dsp:txXfrm>
+        <a:off x="374768" y="1547833"/>
+        <a:ext cx="4601170" cy="745862"/>
+      </dsp:txXfrm>
+    </dsp:sp>
+    <dsp:sp modelId="{B26BC945-5AC9-4470-975D-458E85DD7FB5}">
+      <dsp:nvSpPr>
+        <dsp:cNvPr id="0" name=""/>
+        <dsp:cNvSpPr/>
+      </dsp:nvSpPr>
+      <dsp:spPr>
+        <a:xfrm>
+          <a:off x="0" y="3190844"/>
+          <a:ext cx="6688384" cy="705600"/>
+        </a:xfrm>
+        <a:prstGeom prst="rect">
+          <a:avLst/>
+        </a:prstGeom>
+        <a:solidFill>
+          <a:schemeClr val="lt1">
+            <a:alpha val="90000"/>
+            <a:hueOff val="0"/>
+            <a:satOff val="0"/>
+            <a:lumOff val="0"/>
+            <a:alphaOff val="0"/>
+          </a:schemeClr>
+        </a:solidFill>
+        <a:ln w="19050" cap="rnd" cmpd="sng" algn="ctr">
+          <a:solidFill>
+            <a:schemeClr val="accent1">
+              <a:hueOff val="0"/>
+              <a:satOff val="0"/>
+              <a:lumOff val="0"/>
+              <a:alphaOff val="0"/>
+            </a:schemeClr>
+          </a:solidFill>
+          <a:prstDash val="solid"/>
+        </a:ln>
+        <a:effectLst/>
+      </dsp:spPr>
+      <dsp:style>
+        <a:lnRef idx="2">
+          <a:scrgbClr r="0" g="0" b="0"/>
+        </a:lnRef>
+        <a:fillRef idx="1">
+          <a:scrgbClr r="0" g="0" b="0"/>
+        </a:fillRef>
+        <a:effectRef idx="0">
+          <a:scrgbClr r="0" g="0" b="0"/>
+        </a:effectRef>
+        <a:fontRef idx="minor"/>
+      </dsp:style>
+    </dsp:sp>
+    <dsp:sp modelId="{EB7A5CF3-C9E4-4CE8-B8E2-7B6D704AA299}">
+      <dsp:nvSpPr>
+        <dsp:cNvPr id="0" name=""/>
+        <dsp:cNvSpPr/>
+      </dsp:nvSpPr>
+      <dsp:spPr>
+        <a:xfrm>
+          <a:off x="334419" y="2777565"/>
+          <a:ext cx="4681868" cy="826560"/>
+        </a:xfrm>
+        <a:prstGeom prst="roundRect">
+          <a:avLst/>
+        </a:prstGeom>
+        <a:solidFill>
+          <a:schemeClr val="accent1">
+            <a:hueOff val="0"/>
+            <a:satOff val="0"/>
+            <a:lumOff val="0"/>
+            <a:alphaOff val="0"/>
+          </a:schemeClr>
+        </a:solidFill>
+        <a:ln w="19050" cap="rnd" cmpd="sng" algn="ctr">
+          <a:solidFill>
+            <a:schemeClr val="lt1">
+              <a:hueOff val="0"/>
+              <a:satOff val="0"/>
+              <a:lumOff val="0"/>
+              <a:alphaOff val="0"/>
+            </a:schemeClr>
+          </a:solidFill>
+          <a:prstDash val="solid"/>
+        </a:ln>
+        <a:effectLst/>
+      </dsp:spPr>
+      <dsp:style>
+        <a:lnRef idx="2">
+          <a:scrgbClr r="0" g="0" b="0"/>
+        </a:lnRef>
+        <a:fillRef idx="1">
+          <a:scrgbClr r="0" g="0" b="0"/>
+        </a:fillRef>
+        <a:effectRef idx="0">
+          <a:scrgbClr r="0" g="0" b="0"/>
+        </a:effectRef>
+        <a:fontRef idx="minor">
+          <a:schemeClr val="lt1"/>
+        </a:fontRef>
+      </dsp:style>
+      <dsp:txBody>
+        <a:bodyPr spcFirstLastPara="0" vert="horz" wrap="square" lIns="176963" tIns="0" rIns="176963" bIns="0" numCol="1" spcCol="1270" anchor="ctr" anchorCtr="0">
+          <a:noAutofit/>
+        </a:bodyPr>
+        <a:lstStyle/>
+        <a:p>
+          <a:pPr lvl="0" algn="l" defTabSz="1244600">
+            <a:lnSpc>
+              <a:spcPct val="90000"/>
+            </a:lnSpc>
+            <a:spcBef>
+              <a:spcPct val="0"/>
+            </a:spcBef>
+            <a:spcAft>
+              <a:spcPct val="35000"/>
+            </a:spcAft>
+          </a:pPr>
+          <a:r>
+            <a:rPr lang="fr-FR" sz="2800" kern="1200" dirty="0" smtClean="0"/>
+            <a:t>Code </a:t>
+          </a:r>
+          <a:r>
+            <a:rPr lang="fr-FR" sz="2800" kern="1200" dirty="0" err="1" smtClean="0"/>
+            <a:t>Review</a:t>
+          </a:r>
+          <a:endParaRPr lang="fr-FR" sz="2800" kern="1200" dirty="0" smtClean="0"/>
+        </a:p>
+      </dsp:txBody>
+      <dsp:txXfrm>
+        <a:off x="374768" y="2817914"/>
+        <a:ext cx="4601170" cy="745862"/>
+      </dsp:txXfrm>
+    </dsp:sp>
+  </dsp:spTree>
+</dsp:drawing>
+</file>
+
+<file path=ppt/diagrams/layout1.xml><?xml version="1.0" encoding="utf-8"?>
+<dgm:layoutDef xmlns:dgm="http://schemas.openxmlformats.org/drawingml/2006/diagram" xmlns:a="http://schemas.openxmlformats.org/drawingml/2006/main" uniqueId="urn:microsoft.com/office/officeart/2005/8/layout/list1">
+  <dgm:title val=""/>
+  <dgm:desc val=""/>
+  <dgm:catLst>
+    <dgm:cat type="list" pri="4000"/>
+  </dgm:catLst>
+  <dgm:sampData>
+    <dgm:dataModel>
+      <dgm:ptLst>
+        <dgm:pt modelId="0" type="doc"/>
+        <dgm:pt modelId="1">
+          <dgm:prSet phldr="1"/>
+        </dgm:pt>
+        <dgm:pt modelId="2">
+          <dgm:prSet phldr="1"/>
+        </dgm:pt>
+        <dgm:pt modelId="3">
+          <dgm:prSet phldr="1"/>
+        </dgm:pt>
+      </dgm:ptLst>
+      <dgm:cxnLst>
+        <dgm:cxn modelId="4" srcId="0" destId="1" srcOrd="0" destOrd="0"/>
+        <dgm:cxn modelId="5" srcId="0" destId="2" srcOrd="1" destOrd="0"/>
+        <dgm:cxn modelId="6" srcId="0" destId="3" srcOrd="2" destOrd="0"/>
+      </dgm:cxnLst>
+      <dgm:bg/>
+      <dgm:whole/>
+    </dgm:dataModel>
+  </dgm:sampData>
+  <dgm:styleData>
+    <dgm:dataModel>
+      <dgm:ptLst>
+        <dgm:pt modelId="0" type="doc"/>
+        <dgm:pt modelId="1"/>
+        <dgm:pt modelId="2"/>
+      </dgm:ptLst>
+      <dgm:cxnLst>
+        <dgm:cxn modelId="4" srcId="0" destId="1" srcOrd="0" destOrd="0"/>
+        <dgm:cxn modelId="5" srcId="0" destId="2" srcOrd="1" destOrd="0"/>
+      </dgm:cxnLst>
+      <dgm:bg/>
+      <dgm:whole/>
+    </dgm:dataModel>
+  </dgm:styleData>
+  <dgm:clrData>
+    <dgm:dataModel>
+      <dgm:ptLst>
+        <dgm:pt modelId="0" type="doc"/>
+        <dgm:pt modelId="1"/>
+        <dgm:pt modelId="2"/>
+        <dgm:pt modelId="3"/>
+        <dgm:pt modelId="4"/>
+      </dgm:ptLst>
+      <dgm:cxnLst>
+        <dgm:cxn modelId="5" srcId="0" destId="1" srcOrd="0" destOrd="0"/>
+        <dgm:cxn modelId="6" srcId="0" destId="2" srcOrd="1" destOrd="0"/>
+        <dgm:cxn modelId="7" srcId="0" destId="3" srcOrd="2" destOrd="0"/>
+        <dgm:cxn modelId="8" srcId="0" destId="4" srcOrd="3" destOrd="0"/>
+      </dgm:cxnLst>
+      <dgm:bg/>
+      <dgm:whole/>
+    </dgm:dataModel>
+  </dgm:clrData>
+  <dgm:layoutNode name="linear">
+    <dgm:varLst>
+      <dgm:dir/>
+      <dgm:animLvl val="lvl"/>
+      <dgm:resizeHandles val="exact"/>
+    </dgm:varLst>
+    <dgm:choose name="Name0">
+      <dgm:if name="Name1" func="var" arg="dir" op="equ" val="norm">
+        <dgm:alg type="lin">
+          <dgm:param type="linDir" val="fromT"/>
+          <dgm:param type="vertAlign" val="mid"/>
+          <dgm:param type="horzAlign" val="l"/>
+          <dgm:param type="nodeHorzAlign" val="l"/>
+        </dgm:alg>
+      </dgm:if>
+      <dgm:else name="Name2">
+        <dgm:alg type="lin">
+          <dgm:param type="linDir" val="fromT"/>
+          <dgm:param type="vertAlign" val="mid"/>
+          <dgm:param type="horzAlign" val="r"/>
+          <dgm:param type="nodeHorzAlign" val="r"/>
+        </dgm:alg>
+      </dgm:else>
+    </dgm:choose>
+    <dgm:shape xmlns:r="http://schemas.openxmlformats.org/officeDocument/2006/relationships" r:blip="">
+      <dgm:adjLst/>
+    </dgm:shape>
+    <dgm:presOf/>
+    <dgm:constrLst>
+      <dgm:constr type="w" for="ch" forName="parentLin" refType="w"/>
+      <dgm:constr type="h" for="ch" forName="parentLin" val="INF"/>
+      <dgm:constr type="w" for="des" forName="parentLeftMargin" refType="w" fact="0.05"/>
+      <dgm:constr type="w" for="des" forName="parentText" refType="w" fact="0.7"/>
+      <dgm:constr type="h" for="des" forName="parentText" refType="primFontSz" refFor="des" refForName="parentText" fact="0.82"/>
+      <dgm:constr type="h" for="ch" forName="negativeSpace" refType="primFontSz" refFor="des" refForName="parentText" fact="-0.41"/>
+      <dgm:constr type="h" for="ch" forName="negativeSpace" refType="h" refFor="des" refForName="parentText" op="lte" fact="-0.82"/>
+      <dgm:constr type="h" for="ch" forName="negativeSpace" refType="h" refFor="des" refForName="parentText" op="gte" fact="-0.82"/>
+      <dgm:constr type="w" for="ch" forName="childText" refType="w"/>
+      <dgm:constr type="h" for="ch" forName="childText" refType="primFontSz" refFor="des" refForName="parentText" fact="0.7"/>
+      <dgm:constr type="primFontSz" for="des" forName="parentText" val="65"/>
+      <dgm:constr type="primFontSz" for="ch" forName="childText" refType="primFontSz" refFor="des" refForName="parentText"/>
+      <dgm:constr type="tMarg" for="ch" forName="childText" refType="primFontSz" refFor="des" refForName="parentText" fact="1.64"/>
+      <dgm:constr type="tMarg" for="ch" forName="childText" refType="h" refFor="des" refForName="parentText" op="lte" fact="3.28"/>
+      <dgm:constr type="tMarg" for="ch" forName="childText" refType="h" refFor="des" refForName="parentText" op="gte" fact="3.28"/>
+      <dgm:constr type="lMarg" for="ch" forName="childText" refType="w" fact="0.22"/>
+      <dgm:constr type="rMarg" for="ch" forName="childText" refType="lMarg" refFor="ch" refForName="childText"/>
+      <dgm:constr type="lMarg" for="des" forName="parentText" refType="w" fact="0.075"/>
+      <dgm:constr type="rMarg" for="des" forName="parentText" refType="lMarg" refFor="des" refForName="parentText"/>
+      <dgm:constr type="h" for="ch" forName="spaceBetweenRectangles" refType="primFontSz" refFor="des" refForName="parentText" fact="0.15"/>
+    </dgm:constrLst>
+    <dgm:ruleLst>
+      <dgm:rule type="primFontSz" for="des" forName="parentText" val="5" fact="NaN" max="NaN"/>
+    </dgm:ruleLst>
+    <dgm:forEach name="Name3" axis="ch" ptType="node">
+      <dgm:layoutNode name="parentLin">
+        <dgm:choose name="Name4">
+          <dgm:if name="Name5" func="var" arg="dir" op="equ" val="norm">
+            <dgm:alg type="lin">
+              <dgm:param type="linDir" val="fromL"/>
+              <dgm:param type="horzAlign" val="l"/>
+              <dgm:param type="nodeHorzAlign" val="l"/>
+            </dgm:alg>
+          </dgm:if>
+          <dgm:else name="Name6">
+            <dgm:alg type="lin">
+              <dgm:param type="linDir" val="fromR"/>
+              <dgm:param type="horzAlign" val="r"/>
+              <dgm:param type="nodeHorzAlign" val="r"/>
+            </dgm:alg>
+          </dgm:else>
+        </dgm:choose>
+        <dgm:shape xmlns:r="http://schemas.openxmlformats.org/officeDocument/2006/relationships" r:blip="">
+          <dgm:adjLst/>
+        </dgm:shape>
+        <dgm:presOf/>
+        <dgm:constrLst/>
+        <dgm:ruleLst/>
+        <dgm:layoutNode name="parentLeftMargin">
+          <dgm:alg type="sp"/>
+          <dgm:shape xmlns:r="http://schemas.openxmlformats.org/officeDocument/2006/relationships" type="rect" r:blip="" hideGeom="1">
+            <dgm:adjLst/>
+          </dgm:shape>
+          <dgm:presOf axis="self"/>
+          <dgm:constrLst>
+            <dgm:constr type="h"/>
+          </dgm:constrLst>
+          <dgm:ruleLst/>
+        </dgm:layoutNode>
+        <dgm:layoutNode name="parentText" styleLbl="node1">
+          <dgm:varLst>
+            <dgm:chMax val="0"/>
+            <dgm:bulletEnabled val="1"/>
+          </dgm:varLst>
+          <dgm:choose name="Name7">
+            <dgm:if name="Name8" func="var" arg="dir" op="equ" val="norm">
+              <dgm:alg type="tx">
+                <dgm:param type="parTxLTRAlign" val="l"/>
+                <dgm:param type="parTxRTLAlign" val="l"/>
+              </dgm:alg>
+            </dgm:if>
+            <dgm:else name="Name9">
+              <dgm:alg type="tx">
+                <dgm:param type="parTxLTRAlign" val="r"/>
+                <dgm:param type="parTxRTLAlign" val="r"/>
+              </dgm:alg>
+            </dgm:else>
+          </dgm:choose>
+          <dgm:shape xmlns:r="http://schemas.openxmlformats.org/officeDocument/2006/relationships" type="roundRect" r:blip="">
+            <dgm:adjLst/>
+          </dgm:shape>
+          <dgm:presOf axis="self" ptType="node"/>
+          <dgm:constrLst>
+            <dgm:constr type="tMarg"/>
+            <dgm:constr type="bMarg"/>
+          </dgm:constrLst>
+          <dgm:ruleLst/>
+        </dgm:layoutNode>
+      </dgm:layoutNode>
+      <dgm:layoutNode name="negativeSpace">
+        <dgm:alg type="sp"/>
+        <dgm:shape xmlns:r="http://schemas.openxmlformats.org/officeDocument/2006/relationships" r:blip="">
+          <dgm:adjLst/>
+        </dgm:shape>
+        <dgm:presOf/>
+        <dgm:constrLst/>
+        <dgm:ruleLst/>
+      </dgm:layoutNode>
+      <dgm:layoutNode name="childText" styleLbl="conFgAcc1">
+        <dgm:varLst>
+          <dgm:bulletEnabled val="1"/>
+        </dgm:varLst>
+        <dgm:alg type="tx">
+          <dgm:param type="stBulletLvl" val="1"/>
+        </dgm:alg>
+        <dgm:shape xmlns:r="http://schemas.openxmlformats.org/officeDocument/2006/relationships" type="rect" r:blip="" zOrderOff="-2">
+          <dgm:adjLst/>
+        </dgm:shape>
+        <dgm:presOf axis="des" ptType="node"/>
+        <dgm:constrLst>
+          <dgm:constr type="secFontSz" refType="primFontSz"/>
+        </dgm:constrLst>
+        <dgm:ruleLst>
+          <dgm:rule type="h" val="INF" fact="NaN" max="NaN"/>
+        </dgm:ruleLst>
+      </dgm:layoutNode>
+      <dgm:forEach name="Name10" axis="followSib" ptType="sibTrans" cnt="1">
+        <dgm:layoutNode name="spaceBetweenRectangles">
+          <dgm:alg type="sp"/>
+          <dgm:shape xmlns:r="http://schemas.openxmlformats.org/officeDocument/2006/relationships" r:blip="">
+            <dgm:adjLst/>
+          </dgm:shape>
+          <dgm:presOf/>
+          <dgm:constrLst/>
+          <dgm:ruleLst/>
+        </dgm:layoutNode>
+      </dgm:forEach>
+    </dgm:forEach>
+  </dgm:layoutNode>
+</dgm:layoutDef>
+</file>
+
+<file path=ppt/diagrams/layout2.xml><?xml version="1.0" encoding="utf-8"?>
+<dgm:layoutDef xmlns:dgm="http://schemas.openxmlformats.org/drawingml/2006/diagram" xmlns:a="http://schemas.openxmlformats.org/drawingml/2006/main" uniqueId="urn:microsoft.com/office/officeart/2005/8/layout/list1">
+  <dgm:title val=""/>
+  <dgm:desc val=""/>
+  <dgm:catLst>
+    <dgm:cat type="list" pri="4000"/>
+  </dgm:catLst>
+  <dgm:sampData>
+    <dgm:dataModel>
+      <dgm:ptLst>
+        <dgm:pt modelId="0" type="doc"/>
+        <dgm:pt modelId="1">
+          <dgm:prSet phldr="1"/>
+        </dgm:pt>
+        <dgm:pt modelId="2">
+          <dgm:prSet phldr="1"/>
+        </dgm:pt>
+        <dgm:pt modelId="3">
+          <dgm:prSet phldr="1"/>
+        </dgm:pt>
+      </dgm:ptLst>
+      <dgm:cxnLst>
+        <dgm:cxn modelId="4" srcId="0" destId="1" srcOrd="0" destOrd="0"/>
+        <dgm:cxn modelId="5" srcId="0" destId="2" srcOrd="1" destOrd="0"/>
+        <dgm:cxn modelId="6" srcId="0" destId="3" srcOrd="2" destOrd="0"/>
+      </dgm:cxnLst>
+      <dgm:bg/>
+      <dgm:whole/>
+    </dgm:dataModel>
+  </dgm:sampData>
+  <dgm:styleData>
+    <dgm:dataModel>
+      <dgm:ptLst>
+        <dgm:pt modelId="0" type="doc"/>
+        <dgm:pt modelId="1"/>
+        <dgm:pt modelId="2"/>
+      </dgm:ptLst>
+      <dgm:cxnLst>
+        <dgm:cxn modelId="4" srcId="0" destId="1" srcOrd="0" destOrd="0"/>
+        <dgm:cxn modelId="5" srcId="0" destId="2" srcOrd="1" destOrd="0"/>
+      </dgm:cxnLst>
+      <dgm:bg/>
+      <dgm:whole/>
+    </dgm:dataModel>
+  </dgm:styleData>
+  <dgm:clrData>
+    <dgm:dataModel>
+      <dgm:ptLst>
+        <dgm:pt modelId="0" type="doc"/>
+        <dgm:pt modelId="1"/>
+        <dgm:pt modelId="2"/>
+        <dgm:pt modelId="3"/>
+        <dgm:pt modelId="4"/>
+      </dgm:ptLst>
+      <dgm:cxnLst>
+        <dgm:cxn modelId="5" srcId="0" destId="1" srcOrd="0" destOrd="0"/>
+        <dgm:cxn modelId="6" srcId="0" destId="2" srcOrd="1" destOrd="0"/>
+        <dgm:cxn modelId="7" srcId="0" destId="3" srcOrd="2" destOrd="0"/>
+        <dgm:cxn modelId="8" srcId="0" destId="4" srcOrd="3" destOrd="0"/>
+      </dgm:cxnLst>
+      <dgm:bg/>
+      <dgm:whole/>
+    </dgm:dataModel>
+  </dgm:clrData>
+  <dgm:layoutNode name="linear">
+    <dgm:varLst>
+      <dgm:dir/>
+      <dgm:animLvl val="lvl"/>
+      <dgm:resizeHandles val="exact"/>
+    </dgm:varLst>
+    <dgm:choose name="Name0">
+      <dgm:if name="Name1" func="var" arg="dir" op="equ" val="norm">
+        <dgm:alg type="lin">
+          <dgm:param type="linDir" val="fromT"/>
+          <dgm:param type="vertAlign" val="mid"/>
+          <dgm:param type="horzAlign" val="l"/>
+          <dgm:param type="nodeHorzAlign" val="l"/>
+        </dgm:alg>
+      </dgm:if>
+      <dgm:else name="Name2">
+        <dgm:alg type="lin">
+          <dgm:param type="linDir" val="fromT"/>
+          <dgm:param type="vertAlign" val="mid"/>
+          <dgm:param type="horzAlign" val="r"/>
+          <dgm:param type="nodeHorzAlign" val="r"/>
+        </dgm:alg>
+      </dgm:else>
+    </dgm:choose>
+    <dgm:shape xmlns:r="http://schemas.openxmlformats.org/officeDocument/2006/relationships" r:blip="">
+      <dgm:adjLst/>
+    </dgm:shape>
+    <dgm:presOf/>
+    <dgm:constrLst>
+      <dgm:constr type="w" for="ch" forName="parentLin" refType="w"/>
+      <dgm:constr type="h" for="ch" forName="parentLin" val="INF"/>
+      <dgm:constr type="w" for="des" forName="parentLeftMargin" refType="w" fact="0.05"/>
+      <dgm:constr type="w" for="des" forName="parentText" refType="w" fact="0.7"/>
+      <dgm:constr type="h" for="des" forName="parentText" refType="primFontSz" refFor="des" refForName="parentText" fact="0.82"/>
+      <dgm:constr type="h" for="ch" forName="negativeSpace" refType="primFontSz" refFor="des" refForName="parentText" fact="-0.41"/>
+      <dgm:constr type="h" for="ch" forName="negativeSpace" refType="h" refFor="des" refForName="parentText" op="lte" fact="-0.82"/>
+      <dgm:constr type="h" for="ch" forName="negativeSpace" refType="h" refFor="des" refForName="parentText" op="gte" fact="-0.82"/>
+      <dgm:constr type="w" for="ch" forName="childText" refType="w"/>
+      <dgm:constr type="h" for="ch" forName="childText" refType="primFontSz" refFor="des" refForName="parentText" fact="0.7"/>
+      <dgm:constr type="primFontSz" for="des" forName="parentText" val="65"/>
+      <dgm:constr type="primFontSz" for="ch" forName="childText" refType="primFontSz" refFor="des" refForName="parentText"/>
+      <dgm:constr type="tMarg" for="ch" forName="childText" refType="primFontSz" refFor="des" refForName="parentText" fact="1.64"/>
+      <dgm:constr type="tMarg" for="ch" forName="childText" refType="h" refFor="des" refForName="parentText" op="lte" fact="3.28"/>
+      <dgm:constr type="tMarg" for="ch" forName="childText" refType="h" refFor="des" refForName="parentText" op="gte" fact="3.28"/>
+      <dgm:constr type="lMarg" for="ch" forName="childText" refType="w" fact="0.22"/>
+      <dgm:constr type="rMarg" for="ch" forName="childText" refType="lMarg" refFor="ch" refForName="childText"/>
+      <dgm:constr type="lMarg" for="des" forName="parentText" refType="w" fact="0.075"/>
+      <dgm:constr type="rMarg" for="des" forName="parentText" refType="lMarg" refFor="des" refForName="parentText"/>
+      <dgm:constr type="h" for="ch" forName="spaceBetweenRectangles" refType="primFontSz" refFor="des" refForName="parentText" fact="0.15"/>
+    </dgm:constrLst>
+    <dgm:ruleLst>
+      <dgm:rule type="primFontSz" for="des" forName="parentText" val="5" fact="NaN" max="NaN"/>
+    </dgm:ruleLst>
+    <dgm:forEach name="Name3" axis="ch" ptType="node">
+      <dgm:layoutNode name="parentLin">
+        <dgm:choose name="Name4">
+          <dgm:if name="Name5" func="var" arg="dir" op="equ" val="norm">
+            <dgm:alg type="lin">
+              <dgm:param type="linDir" val="fromL"/>
+              <dgm:param type="horzAlign" val="l"/>
+              <dgm:param type="nodeHorzAlign" val="l"/>
+            </dgm:alg>
+          </dgm:if>
+          <dgm:else name="Name6">
+            <dgm:alg type="lin">
+              <dgm:param type="linDir" val="fromR"/>
+              <dgm:param type="horzAlign" val="r"/>
+              <dgm:param type="nodeHorzAlign" val="r"/>
+            </dgm:alg>
+          </dgm:else>
+        </dgm:choose>
+        <dgm:shape xmlns:r="http://schemas.openxmlformats.org/officeDocument/2006/relationships" r:blip="">
+          <dgm:adjLst/>
+        </dgm:shape>
+        <dgm:presOf/>
+        <dgm:constrLst/>
+        <dgm:ruleLst/>
+        <dgm:layoutNode name="parentLeftMargin">
+          <dgm:alg type="sp"/>
+          <dgm:shape xmlns:r="http://schemas.openxmlformats.org/officeDocument/2006/relationships" type="rect" r:blip="" hideGeom="1">
+            <dgm:adjLst/>
+          </dgm:shape>
+          <dgm:presOf axis="self"/>
+          <dgm:constrLst>
+            <dgm:constr type="h"/>
+          </dgm:constrLst>
+          <dgm:ruleLst/>
+        </dgm:layoutNode>
+        <dgm:layoutNode name="parentText" styleLbl="node1">
+          <dgm:varLst>
+            <dgm:chMax val="0"/>
+            <dgm:bulletEnabled val="1"/>
+          </dgm:varLst>
+          <dgm:choose name="Name7">
+            <dgm:if name="Name8" func="var" arg="dir" op="equ" val="norm">
+              <dgm:alg type="tx">
+                <dgm:param type="parTxLTRAlign" val="l"/>
+                <dgm:param type="parTxRTLAlign" val="l"/>
+              </dgm:alg>
+            </dgm:if>
+            <dgm:else name="Name9">
+              <dgm:alg type="tx">
+                <dgm:param type="parTxLTRAlign" val="r"/>
+                <dgm:param type="parTxRTLAlign" val="r"/>
+              </dgm:alg>
+            </dgm:else>
+          </dgm:choose>
+          <dgm:shape xmlns:r="http://schemas.openxmlformats.org/officeDocument/2006/relationships" type="roundRect" r:blip="">
+            <dgm:adjLst/>
+          </dgm:shape>
+          <dgm:presOf axis="self" ptType="node"/>
+          <dgm:constrLst>
+            <dgm:constr type="tMarg"/>
+            <dgm:constr type="bMarg"/>
+          </dgm:constrLst>
+          <dgm:ruleLst/>
+        </dgm:layoutNode>
+      </dgm:layoutNode>
+      <dgm:layoutNode name="negativeSpace">
+        <dgm:alg type="sp"/>
+        <dgm:shape xmlns:r="http://schemas.openxmlformats.org/officeDocument/2006/relationships" r:blip="">
+          <dgm:adjLst/>
+        </dgm:shape>
+        <dgm:presOf/>
+        <dgm:constrLst/>
+        <dgm:ruleLst/>
+      </dgm:layoutNode>
+      <dgm:layoutNode name="childText" styleLbl="conFgAcc1">
+        <dgm:varLst>
+          <dgm:bulletEnabled val="1"/>
+        </dgm:varLst>
+        <dgm:alg type="tx">
+          <dgm:param type="stBulletLvl" val="1"/>
+        </dgm:alg>
+        <dgm:shape xmlns:r="http://schemas.openxmlformats.org/officeDocument/2006/relationships" type="rect" r:blip="" zOrderOff="-2">
+          <dgm:adjLst/>
+        </dgm:shape>
+        <dgm:presOf axis="des" ptType="node"/>
+        <dgm:constrLst>
+          <dgm:constr type="secFontSz" refType="primFontSz"/>
+        </dgm:constrLst>
+        <dgm:ruleLst>
+          <dgm:rule type="h" val="INF" fact="NaN" max="NaN"/>
+        </dgm:ruleLst>
+      </dgm:layoutNode>
+      <dgm:forEach name="Name10" axis="followSib" ptType="sibTrans" cnt="1">
+        <dgm:layoutNode name="spaceBetweenRectangles">
+          <dgm:alg type="sp"/>
+          <dgm:shape xmlns:r="http://schemas.openxmlformats.org/officeDocument/2006/relationships" r:blip="">
+            <dgm:adjLst/>
+          </dgm:shape>
+          <dgm:presOf/>
+          <dgm:constrLst/>
+          <dgm:ruleLst/>
+        </dgm:layoutNode>
+      </dgm:forEach>
+    </dgm:forEach>
+  </dgm:layoutNode>
+</dgm:layoutDef>
+</file>
+
+<file path=ppt/diagrams/quickStyle1.xml><?xml version="1.0" encoding="utf-8"?>
+<dgm:styleDef xmlns:dgm="http://schemas.openxmlformats.org/drawingml/2006/diagram" xmlns:a="http://schemas.openxmlformats.org/drawingml/2006/main" uniqueId="urn:microsoft.com/office/officeart/2005/8/quickstyle/simple1">
+  <dgm:title val=""/>
+  <dgm:desc val=""/>
+  <dgm:catLst>
+    <dgm:cat type="simple" pri="10100"/>
+  </dgm:catLst>
+  <dgm:scene3d>
+    <a:camera prst="orthographicFront"/>
+    <a:lightRig rig="threePt" dir="t"/>
+  </dgm:scene3d>
+  <dgm:styleLbl name="node0">
+    <dgm:scene3d>
+      <a:camera prst="orthographicFront"/>
+      <a:lightRig rig="threePt" dir="t"/>
+    </dgm:scene3d>
+    <dgm:sp3d/>
+    <dgm:txPr/>
+    <dgm:style>
+      <a:lnRef idx="2">
+        <a:scrgbClr r="0" g="0" b="0"/>
+      </a:lnRef>
+      <a:fillRef idx="1">
+        <a:scrgbClr r="0" g="0" b="0"/>
+      </a:fillRef>
+      <a:effectRef idx="0">
+        <a:scrgbClr r="0" g="0" b="0"/>
+      </a:effectRef>
+      <a:fontRef idx="minor">
+        <a:schemeClr val="lt1"/>
+      </a:fontRef>
+    </dgm:style>
+  </dgm:styleLbl>
+  <dgm:styleLbl name="lnNode1">
+    <dgm:scene3d>
+      <a:camera prst="orthographicFront"/>
+      <a:lightRig rig="threePt" dir="t"/>
+    </dgm:scene3d>
+    <dgm:sp3d/>
+    <dgm:txPr/>
+    <dgm:style>
+      <a:lnRef idx="2">
+        <a:scrgbClr r="0" g="0" b="0"/>
+      </a:lnRef>
+      <a:fillRef idx="1">
+        <a:scrgbClr r="0" g="0" b="0"/>
+      </a:fillRef>
+      <a:effectRef idx="0">
+        <a:scrgbClr r="0" g="0" b="0"/>
+      </a:effectRef>
+      <a:fontRef idx="minor">
+        <a:schemeClr val="lt1"/>
+      </a:fontRef>
+    </dgm:style>
+  </dgm:styleLbl>
+  <dgm:styleLbl name="vennNode1">
+    <dgm:scene3d>
+      <a:camera prst="orthographicFront"/>
+      <a:lightRig rig="threePt" dir="t"/>
+    </dgm:scene3d>
+    <dgm:sp3d/>
+    <dgm:txPr/>
+    <dgm:style>
+      <a:lnRef idx="2">
+        <a:scrgbClr r="0" g="0" b="0"/>
+      </a:lnRef>
+      <a:fillRef idx="1">
+        <a:scrgbClr r="0" g="0" b="0"/>
+      </a:fillRef>
+      <a:effectRef idx="0">
+        <a:scrgbClr r="0" g="0" b="0"/>
+      </a:effectRef>
+      <a:fontRef idx="minor">
+        <a:schemeClr val="tx1"/>
+      </a:fontRef>
+    </dgm:style>
+  </dgm:styleLbl>
+  <dgm:styleLbl name="alignNode1">
+    <dgm:scene3d>
+      <a:camera prst="orthographicFront"/>
+      <a:lightRig rig="threePt" dir="t"/>
+    </dgm:scene3d>
+    <dgm:sp3d/>
+    <dgm:txPr/>
+    <dgm:style>
+      <a:lnRef idx="2">
+        <a:scrgbClr r="0" g="0" b="0"/>
+      </a:lnRef>
+      <a:fillRef idx="1">
+        <a:scrgbClr r="0" g="0" b="0"/>
+      </a:fillRef>
+      <a:effectRef idx="0">
+        <a:scrgbClr r="0" g="0" b="0"/>
+      </a:effectRef>
+      <a:fontRef idx="minor">
+        <a:schemeClr val="lt1"/>
+      </a:fontRef>
+    </dgm:style>
+  </dgm:styleLbl>
+  <dgm:styleLbl name="node1">
+    <dgm:scene3d>
+      <a:camera prst="orthographicFront"/>
+      <a:lightRig rig="threePt" dir="t"/>
+    </dgm:scene3d>
+    <dgm:sp3d/>
+    <dgm:txPr/>
+    <dgm:style>
+      <a:lnRef idx="2">
+        <a:scrgbClr r="0" g="0" b="0"/>
+      </a:lnRef>
+      <a:fillRef idx="1">
+        <a:scrgbClr r="0" g="0" b="0"/>
+      </a:fillRef>
+      <a:effectRef idx="0">
+        <a:scrgbClr r="0" g="0" b="0"/>
+      </a:effectRef>
+      <a:fontRef idx="minor">
+        <a:schemeClr val="lt1"/>
+      </a:fontRef>
+    </dgm:style>
+  </dgm:styleLbl>
+  <dgm:styleLbl name="node2">
+    <dgm:scene3d>
+      <a:camera prst="orthographicFront"/>
+      <a:lightRig rig="threePt" dir="t"/>
+    </dgm:scene3d>
+    <dgm:sp3d/>
+    <dgm:txPr/>
+    <dgm:style>
+      <a:lnRef idx="2">
+        <a:scrgbClr r="0" g="0" b="0"/>
+      </a:lnRef>
+      <a:fillRef idx="1">
+        <a:scrgbClr r="0" g="0" b="0"/>
+      </a:fillRef>
+      <a:effectRef idx="0">
+        <a:scrgbClr r="0" g="0" b="0"/>
+      </a:effectRef>
+      <a:fontRef idx="minor">
+        <a:schemeClr val="lt1"/>
+      </a:fontRef>
+    </dgm:style>
+  </dgm:styleLbl>
+  <dgm:styleLbl name="node3">
+    <dgm:scene3d>
+      <a:camera prst="orthographicFront"/>
+      <a:lightRig rig="threePt" dir="t"/>
+    </dgm:scene3d>
+    <dgm:sp3d/>
+    <dgm:txPr/>
+    <dgm:style>
+      <a:lnRef idx="2">
+        <a:scrgbClr r="0" g="0" b="0"/>
+      </a:lnRef>
+      <a:fillRef idx="1">
+        <a:scrgbClr r="0" g="0" b="0"/>
+      </a:fillRef>
+      <a:effectRef idx="0">
+        <a:scrgbClr r="0" g="0" b="0"/>
+      </a:effectRef>
+      <a:fontRef idx="minor">
+        <a:schemeClr val="lt1"/>
+      </a:fontRef>
+    </dgm:style>
+  </dgm:styleLbl>
+  <dgm:styleLbl name="node4">
+    <dgm:scene3d>
+      <a:camera prst="orthographicFront"/>
+      <a:lightRig rig="threePt" dir="t"/>
+    </dgm:scene3d>
+    <dgm:sp3d/>
+    <dgm:txPr/>
+    <dgm:style>
+      <a:lnRef idx="2">
+        <a:scrgbClr r="0" g="0" b="0"/>
+      </a:lnRef>
+      <a:fillRef idx="1">
+        <a:scrgbClr r="0" g="0" b="0"/>
+      </a:fillRef>
+      <a:effectRef idx="0">
+        <a:scrgbClr r="0" g="0" b="0"/>
+      </a:effectRef>
+      <a:fontRef idx="minor">
+        <a:schemeClr val="lt1"/>
+      </a:fontRef>
+    </dgm:style>
+  </dgm:styleLbl>
+  <dgm:styleLbl name="fgImgPlace1">
+    <dgm:scene3d>
+      <a:camera prst="orthographicFront"/>
+      <a:lightRig rig="threePt" dir="t"/>
+    </dgm:scene3d>
+    <dgm:sp3d/>
+    <dgm:txPr/>
+    <dgm:style>
+      <a:lnRef idx="2">
+        <a:scrgbClr r="0" g="0" b="0"/>
+      </a:lnRef>
+      <a:fillRef idx="1">
+        <a:scrgbClr r="0" g="0" b="0"/>
+      </a:fillRef>
+      <a:effectRef idx="0">
+        <a:scrgbClr r="0" g="0" b="0"/>
+      </a:effectRef>
+      <a:fontRef idx="minor"/>
+    </dgm:style>
+  </dgm:styleLbl>
+  <dgm:styleLbl name="alignImgPlace1">
+    <dgm:scene3d>
+      <a:camera prst="orthographicFront"/>
+      <a:lightRig rig="threePt" dir="t"/>
+    </dgm:scene3d>
+    <dgm:sp3d/>
+    <dgm:txPr/>
+    <dgm:style>
+      <a:lnRef idx="2">
+        <a:scrgbClr r="0" g="0" b="0"/>
+      </a:lnRef>
+      <a:fillRef idx="1">
+        <a:scrgbClr r="0" g="0" b="0"/>
+      </a:fillRef>
+      <a:effectRef idx="0">
+        <a:scrgbClr r="0" g="0" b="0"/>
+      </a:effectRef>
+      <a:fontRef idx="minor"/>
+    </dgm:style>
+  </dgm:styleLbl>
+  <dgm:styleLbl name="bgImgPlace1">
+    <dgm:scene3d>
+      <a:camera prst="orthographicFront"/>
+      <a:lightRig rig="threePt" dir="t"/>
+    </dgm:scene3d>
+    <dgm:sp3d/>
+    <dgm:txPr/>
+    <dgm:style>
+      <a:lnRef idx="2">
+        <a:scrgbClr r="0" g="0" b="0"/>
+      </a:lnRef>
+      <a:fillRef idx="1">
+        <a:scrgbClr r="0" g="0" b="0"/>
+      </a:fillRef>
+      <a:effectRef idx="0">
+        <a:scrgbClr r="0" g="0" b="0"/>
+      </a:effectRef>
+      <a:fontRef idx="minor"/>
+    </dgm:style>
+  </dgm:styleLbl>
+  <dgm:styleLbl name="sibTrans2D1">
+    <dgm:scene3d>
+      <a:camera prst="orthographicFront"/>
+      <a:lightRig rig="threePt" dir="t"/>
+    </dgm:scene3d>
+    <dgm:sp3d/>
+    <dgm:txPr/>
+    <dgm:style>
+      <a:lnRef idx="0">
+        <a:scrgbClr r="0" g="0" b="0"/>
+      </a:lnRef>
+      <a:fillRef idx="1">
+        <a:scrgbClr r="0" g="0" b="0"/>
+      </a:fillRef>
+      <a:effectRef idx="0">
+        <a:scrgbClr r="0" g="0" b="0"/>
+      </a:effectRef>
+      <a:fontRef idx="minor">
+        <a:schemeClr val="lt1"/>
+      </a:fontRef>
+    </dgm:style>
+  </dgm:styleLbl>
+  <dgm:styleLbl name="fgSibTrans2D1">
+    <dgm:scene3d>
+      <a:camera prst="orthographicFront"/>
+      <a:lightRig rig="threePt" dir="t"/>
+    </dgm:scene3d>
+    <dgm:sp3d/>
+    <dgm:txPr/>
+    <dgm:style>
+      <a:lnRef idx="0">
+        <a:scrgbClr r="0" g="0" b="0"/>
+      </a:lnRef>
+      <a:fillRef idx="1">
+        <a:scrgbClr r="0" g="0" b="0"/>
+      </a:fillRef>
+      <a:effectRef idx="0">
+        <a:scrgbClr r="0" g="0" b="0"/>
+      </a:effectRef>
+      <a:fontRef idx="minor">
+        <a:schemeClr val="lt1"/>
+      </a:fontRef>
+    </dgm:style>
+  </dgm:styleLbl>
+  <dgm:styleLbl name="bgSibTrans2D1">
+    <dgm:scene3d>
+      <a:camera prst="orthographicFront"/>
+      <a:lightRig rig="threePt" dir="t"/>
+    </dgm:scene3d>
+    <dgm:sp3d/>
+    <dgm:txPr/>
+    <dgm:style>
+      <a:lnRef idx="0">
+        <a:scrgbClr r="0" g="0" b="0"/>
+      </a:lnRef>
+      <a:fillRef idx="1">
+        <a:scrgbClr r="0" g="0" b="0"/>
+      </a:fillRef>
+      <a:effectRef idx="0">
+        <a:scrgbClr r="0" g="0" b="0"/>
+      </a:effectRef>
+      <a:fontRef idx="minor">
+        <a:schemeClr val="lt1"/>
+      </a:fontRef>
+    </dgm:style>
+  </dgm:styleLbl>
+  <dgm:styleLbl name="sibTrans1D1">
+    <dgm:scene3d>
+      <a:camera prst="orthographicFront"/>
+      <a:lightRig rig="threePt" dir="t"/>
+    </dgm:scene3d>
+    <dgm:sp3d/>
+    <dgm:txPr/>
+    <dgm:style>
+      <a:lnRef idx="1">
+        <a:scrgbClr r="0" g="0" b="0"/>
+      </a:lnRef>
+      <a:fillRef idx="0">
+        <a:scrgbClr r="0" g="0" b="0"/>
+      </a:fillRef>
+      <a:effectRef idx="0">
+        <a:scrgbClr r="0" g="0" b="0"/>
+      </a:effectRef>
+      <a:fontRef idx="minor"/>
+    </dgm:style>
+  </dgm:styleLbl>
+  <dgm:styleLbl name="callout">
+    <dgm:scene3d>
+      <a:camera prst="orthographicFront"/>
+      <a:lightRig rig="threePt" dir="t"/>
+    </dgm:scene3d>
+    <dgm:sp3d/>
+    <dgm:txPr/>
+    <dgm:style>
+      <a:lnRef idx="2">
+        <a:scrgbClr r="0" g="0" b="0"/>
+      </a:lnRef>
+      <a:fillRef idx="1">
+        <a:scrgbClr r="0" g="0" b="0"/>
+      </a:fillRef>
+      <a:effectRef idx="0">
+        <a:scrgbClr r="0" g="0" b="0"/>
+      </a:effectRef>
+      <a:fontRef idx="minor"/>
+    </dgm:style>
+  </dgm:styleLbl>
+  <dgm:styleLbl name="asst0">
+    <dgm:scene3d>
+      <a:camera prst="orthographicFront"/>
+      <a:lightRig rig="threePt" dir="t"/>
+    </dgm:scene3d>
+    <dgm:sp3d/>
+    <dgm:txPr/>
+    <dgm:style>
+      <a:lnRef idx="2">
+        <a:scrgbClr r="0" g="0" b="0"/>
+      </a:lnRef>
+      <a:fillRef idx="1">
+        <a:scrgbClr r="0" g="0" b="0"/>
+      </a:fillRef>
+      <a:effectRef idx="0">
+        <a:scrgbClr r="0" g="0" b="0"/>
+      </a:effectRef>
+      <a:fontRef idx="minor">
+        <a:schemeClr val="lt1"/>
+      </a:fontRef>
+    </dgm:style>
+  </dgm:styleLbl>
+  <dgm:styleLbl name="asst1">
+    <dgm:scene3d>
+      <a:camera prst="orthographicFront"/>
+      <a:lightRig rig="threePt" dir="t"/>
+    </dgm:scene3d>
+    <dgm:sp3d/>
+    <dgm:txPr/>
+    <dgm:style>
+      <a:lnRef idx="2">
+        <a:scrgbClr r="0" g="0" b="0"/>
+      </a:lnRef>
+      <a:fillRef idx="1">
+        <a:scrgbClr r="0" g="0" b="0"/>
+      </a:fillRef>
+      <a:effectRef idx="0">
+        <a:scrgbClr r="0" g="0" b="0"/>
+      </a:effectRef>
+      <a:fontRef idx="minor">
+        <a:schemeClr val="lt1"/>
+      </a:fontRef>
+    </dgm:style>
+  </dgm:styleLbl>
+  <dgm:styleLbl name="asst2">
+    <dgm:scene3d>
+      <a:camera prst="orthographicFront"/>
+      <a:lightRig rig="threePt" dir="t"/>
+    </dgm:scene3d>
+    <dgm:sp3d/>
+    <dgm:txPr/>
+    <dgm:style>
+      <a:lnRef idx="2">
+        <a:scrgbClr r="0" g="0" b="0"/>
+      </a:lnRef>
+      <a:fillRef idx="1">
+        <a:scrgbClr r="0" g="0" b="0"/>
+      </a:fillRef>
+      <a:effectRef idx="0">
+        <a:scrgbClr r="0" g="0" b="0"/>
+      </a:effectRef>
+      <a:fontRef idx="minor">
+        <a:schemeClr val="lt1"/>
+      </a:fontRef>
+    </dgm:style>
+  </dgm:styleLbl>
+  <dgm:styleLbl name="asst3">
+    <dgm:scene3d>
+      <a:camera prst="orthographicFront"/>
+      <a:lightRig rig="threePt" dir="t"/>
+    </dgm:scene3d>
+    <dgm:sp3d/>
+    <dgm:txPr/>
+    <dgm:style>
+      <a:lnRef idx="2">
+        <a:scrgbClr r="0" g="0" b="0"/>
+      </a:lnRef>
+      <a:fillRef idx="1">
+        <a:scrgbClr r="0" g="0" b="0"/>
+      </a:fillRef>
+      <a:effectRef idx="0">
+        <a:scrgbClr r="0" g="0" b="0"/>
+      </a:effectRef>
+      <a:fontRef idx="minor">
+        <a:schemeClr val="lt1"/>
+      </a:fontRef>
+    </dgm:style>
+  </dgm:styleLbl>
+  <dgm:styleLbl name="asst4">
+    <dgm:scene3d>
+      <a:camera prst="orthographicFront"/>
+      <a:lightRig rig="threePt" dir="t"/>
+    </dgm:scene3d>
+    <dgm:sp3d/>
+    <dgm:txPr/>
+    <dgm:style>
+      <a:lnRef idx="2">
+        <a:scrgbClr r="0" g="0" b="0"/>
+      </a:lnRef>
+      <a:fillRef idx="1">
+        <a:scrgbClr r="0" g="0" b="0"/>
+      </a:fillRef>
+      <a:effectRef idx="0">
+        <a:scrgbClr r="0" g="0" b="0"/>
+      </a:effectRef>
+      <a:fontRef idx="minor">
+        <a:schemeClr val="lt1"/>
+      </a:fontRef>
+    </dgm:style>
+  </dgm:styleLbl>
+  <dgm:styleLbl name="parChTrans2D1">
+    <dgm:scene3d>
+      <a:camera prst="orthographicFront"/>
+      <a:lightRig rig="threePt" dir="t"/>
+    </dgm:scene3d>
+    <dgm:sp3d/>
+    <dgm:txPr/>
+    <dgm:style>
+      <a:lnRef idx="2">
+        <a:scrgbClr r="0" g="0" b="0"/>
+      </a:lnRef>
+      <a:fillRef idx="1">
+        <a:scrgbClr r="0" g="0" b="0"/>
+      </a:fillRef>
+      <a:effectRef idx="0">
+        <a:scrgbClr r="0" g="0" b="0"/>
+      </a:effectRef>
+      <a:fontRef idx="minor">
+        <a:schemeClr val="lt1"/>
+      </a:fontRef>
+    </dgm:style>
+  </dgm:styleLbl>
+  <dgm:styleLbl name="parChTrans2D2">
+    <dgm:scene3d>
+      <a:camera prst="orthographicFront"/>
+      <a:lightRig rig="threePt" dir="t"/>
+    </dgm:scene3d>
+    <dgm:sp3d/>
+    <dgm:txPr/>
+    <dgm:style>
+      <a:lnRef idx="2">
+        <a:scrgbClr r="0" g="0" b="0"/>
+      </a:lnRef>
+      <a:fillRef idx="1">
+        <a:scrgbClr r="0" g="0" b="0"/>
+      </a:fillRef>
+      <a:effectRef idx="0">
+        <a:scrgbClr r="0" g="0" b="0"/>
+      </a:effectRef>
+      <a:fontRef idx="minor">
+        <a:schemeClr val="lt1"/>
+      </a:fontRef>
+    </dgm:style>
+  </dgm:styleLbl>
+  <dgm:styleLbl name="parChTrans2D3">
+    <dgm:scene3d>
+      <a:camera prst="orthographicFront"/>
+      <a:lightRig rig="threePt" dir="t"/>
+    </dgm:scene3d>
+    <dgm:sp3d/>
+    <dgm:txPr/>
+    <dgm:style>
+      <a:lnRef idx="2">
+        <a:scrgbClr r="0" g="0" b="0"/>
+      </a:lnRef>
+      <a:fillRef idx="1">
+        <a:scrgbClr r="0" g="0" b="0"/>
+      </a:fillRef>
+      <a:effectRef idx="0">
+        <a:scrgbClr r="0" g="0" b="0"/>
+      </a:effectRef>
+      <a:fontRef idx="minor">
+        <a:schemeClr val="lt1"/>
+      </a:fontRef>
+    </dgm:style>
+  </dgm:styleLbl>
+  <dgm:styleLbl name="parChTrans2D4">
+    <dgm:scene3d>
+      <a:camera prst="orthographicFront"/>
+      <a:lightRig rig="threePt" dir="t"/>
+    </dgm:scene3d>
+    <dgm:sp3d/>
+    <dgm:txPr/>
+    <dgm:style>
+      <a:lnRef idx="2">
+        <a:scrgbClr r="0" g="0" b="0"/>
+      </a:lnRef>
+      <a:fillRef idx="1">
+        <a:scrgbClr r="0" g="0" b="0"/>
+      </a:fillRef>
+      <a:effectRef idx="0">
+        <a:scrgbClr r="0" g="0" b="0"/>
+      </a:effectRef>
+      <a:fontRef idx="minor">
+        <a:schemeClr val="lt1"/>
+      </a:fontRef>
+    </dgm:style>
+  </dgm:styleLbl>
+  <dgm:styleLbl name="parChTrans1D1">
+    <dgm:scene3d>
+      <a:camera prst="orthographicFront"/>
+      <a:lightRig rig="threePt" dir="t"/>
+    </dgm:scene3d>
+    <dgm:sp3d/>
+    <dgm:txPr/>
+    <dgm:style>
+      <a:lnRef idx="2">
+        <a:scrgbClr r="0" g="0" b="0"/>
+      </a:lnRef>
+      <a:fillRef idx="0">
+        <a:scrgbClr r="0" g="0" b="0"/>
+      </a:fillRef>
+      <a:effectRef idx="0">
+        <a:scrgbClr r="0" g="0" b="0"/>
+      </a:effectRef>
+      <a:fontRef idx="minor"/>
+    </dgm:style>
+  </dgm:styleLbl>
+  <dgm:styleLbl name="parChTrans1D2">
+    <dgm:scene3d>
+      <a:camera prst="orthographicFront"/>
+      <a:lightRig rig="threePt" dir="t"/>
+    </dgm:scene3d>
+    <dgm:sp3d/>
+    <dgm:txPr/>
+    <dgm:style>
+      <a:lnRef idx="2">
+        <a:scrgbClr r="0" g="0" b="0"/>
+      </a:lnRef>
+      <a:fillRef idx="0">
+        <a:scrgbClr r="0" g="0" b="0"/>
+      </a:fillRef>
+      <a:effectRef idx="0">
+        <a:scrgbClr r="0" g="0" b="0"/>
+      </a:effectRef>
+      <a:fontRef idx="minor"/>
+    </dgm:style>
+  </dgm:styleLbl>
+  <dgm:styleLbl name="parChTrans1D3">
+    <dgm:scene3d>
+      <a:camera prst="orthographicFront"/>
+      <a:lightRig rig="threePt" dir="t"/>
+    </dgm:scene3d>
+    <dgm:sp3d/>
+    <dgm:txPr/>
+    <dgm:style>
+      <a:lnRef idx="2">
+        <a:scrgbClr r="0" g="0" b="0"/>
+      </a:lnRef>
+      <a:fillRef idx="0">
+        <a:scrgbClr r="0" g="0" b="0"/>
+      </a:fillRef>
+      <a:effectRef idx="0">
+        <a:scrgbClr r="0" g="0" b="0"/>
+      </a:effectRef>
+      <a:fontRef idx="minor"/>
+    </dgm:style>
+  </dgm:styleLbl>
+  <dgm:styleLbl name="parChTrans1D4">
+    <dgm:scene3d>
+      <a:camera prst="orthographicFront"/>
+      <a:lightRig rig="threePt" dir="t"/>
+    </dgm:scene3d>
+    <dgm:sp3d/>
+    <dgm:txPr/>
+    <dgm:style>
+      <a:lnRef idx="2">
+        <a:scrgbClr r="0" g="0" b="0"/>
+      </a:lnRef>
+      <a:fillRef idx="0">
+        <a:scrgbClr r="0" g="0" b="0"/>
+      </a:fillRef>
+      <a:effectRef idx="0">
+        <a:scrgbClr r="0" g="0" b="0"/>
+      </a:effectRef>
+      <a:fontRef idx="minor"/>
+    </dgm:style>
+  </dgm:styleLbl>
+  <dgm:styleLbl name="fgAcc1">
+    <dgm:scene3d>
+      <a:camera prst="orthographicFront"/>
+      <a:lightRig rig="threePt" dir="t"/>
+    </dgm:scene3d>
+    <dgm:sp3d/>
+    <dgm:txPr/>
+    <dgm:style>
+      <a:lnRef idx="2">
+        <a:scrgbClr r="0" g="0" b="0"/>
+      </a:lnRef>
+      <a:fillRef idx="1">
+        <a:scrgbClr r="0" g="0" b="0"/>
+      </a:fillRef>
+      <a:effectRef idx="0">
+        <a:scrgbClr r="0" g="0" b="0"/>
+      </a:effectRef>
+      <a:fontRef idx="minor"/>
+    </dgm:style>
+  </dgm:styleLbl>
+  <dgm:styleLbl name="conFgAcc1">
+    <dgm:scene3d>
+      <a:camera prst="orthographicFront"/>
+      <a:lightRig rig="threePt" dir="t"/>
+    </dgm:scene3d>
+    <dgm:sp3d/>
+    <dgm:txPr/>
+    <dgm:style>
+      <a:lnRef idx="2">
+        <a:scrgbClr r="0" g="0" b="0"/>
+      </a:lnRef>
+      <a:fillRef idx="1">
+        <a:scrgbClr r="0" g="0" b="0"/>
+      </a:fillRef>
+      <a:effectRef idx="0">
+        <a:scrgbClr r="0" g="0" b="0"/>
+      </a:effectRef>
+      <a:fontRef idx="minor"/>
+    </dgm:style>
+  </dgm:styleLbl>
+  <dgm:styleLbl name="alignAcc1">
+    <dgm:scene3d>
+      <a:camera prst="orthographicFront"/>
+      <a:lightRig rig="threePt" dir="t"/>
+    </dgm:scene3d>
+    <dgm:sp3d/>
+    <dgm:txPr/>
+    <dgm:style>
+      <a:lnRef idx="2">
+        <a:scrgbClr r="0" g="0" b="0"/>
+      </a:lnRef>
+      <a:fillRef idx="1">
+        <a:scrgbClr r="0" g="0" b="0"/>
+      </a:fillRef>
+      <a:effectRef idx="0">
+        <a:scrgbClr r="0" g="0" b="0"/>
+      </a:effectRef>
+      <a:fontRef idx="minor"/>
+    </dgm:style>
+  </dgm:styleLbl>
+  <dgm:styleLbl name="trAlignAcc1">
+    <dgm:scene3d>
+      <a:camera prst="orthographicFront"/>
+      <a:lightRig rig="threePt" dir="t"/>
+    </dgm:scene3d>
+    <dgm:sp3d/>
+    <dgm:txPr/>
+    <dgm:style>
+      <a:lnRef idx="1">
+        <a:scrgbClr r="0" g="0" b="0"/>
+      </a:lnRef>
+      <a:fillRef idx="1">
+        <a:scrgbClr r="0" g="0" b="0"/>
+      </a:fillRef>
+      <a:effectRef idx="0">
+        <a:scrgbClr r="0" g="0" b="0"/>
+      </a:effectRef>
+      <a:fontRef idx="minor"/>
+    </dgm:style>
+  </dgm:styleLbl>
+  <dgm:styleLbl name="bgAcc1">
+    <dgm:scene3d>
+      <a:camera prst="orthographicFront"/>
+      <a:lightRig rig="threePt" dir="t"/>
+    </dgm:scene3d>
+    <dgm:sp3d/>
+    <dgm:txPr/>
+    <dgm:style>
+      <a:lnRef idx="2">
+        <a:scrgbClr r="0" g="0" b="0"/>
+      </a:lnRef>
+      <a:fillRef idx="1">
+        <a:scrgbClr r="0" g="0" b="0"/>
+      </a:fillRef>
+      <a:effectRef idx="0">
+        <a:scrgbClr r="0" g="0" b="0"/>
+      </a:effectRef>
+      <a:fontRef idx="minor"/>
+    </dgm:style>
+  </dgm:styleLbl>
+  <dgm:styleLbl name="solidFgAcc1">
+    <dgm:scene3d>
+      <a:camera prst="orthographicFront"/>
+      <a:lightRig rig="threePt" dir="t"/>
+    </dgm:scene3d>
+    <dgm:sp3d/>
+    <dgm:txPr/>
+    <dgm:style>
+      <a:lnRef idx="2">
+        <a:scrgbClr r="0" g="0" b="0"/>
+      </a:lnRef>
+      <a:fillRef idx="1">
+        <a:scrgbClr r="0" g="0" b="0"/>
+      </a:fillRef>
+      <a:effectRef idx="0">
+        <a:scrgbClr r="0" g="0" b="0"/>
+      </a:effectRef>
+      <a:fontRef idx="minor"/>
+    </dgm:style>
+  </dgm:styleLbl>
+  <dgm:styleLbl name="solidAlignAcc1">
+    <dgm:scene3d>
+      <a:camera prst="orthographicFront"/>
+      <a:lightRig rig="threePt" dir="t"/>
+    </dgm:scene3d>
+    <dgm:sp3d/>
+    <dgm:txPr/>
+    <dgm:style>
+      <a:lnRef idx="2">
+        <a:scrgbClr r="0" g="0" b="0"/>
+      </a:lnRef>
+      <a:fillRef idx="1">
+        <a:scrgbClr r="0" g="0" b="0"/>
+      </a:fillRef>
+      <a:effectRef idx="0">
+        <a:scrgbClr r="0" g="0" b="0"/>
+      </a:effectRef>
+      <a:fontRef idx="minor"/>
+    </dgm:style>
+  </dgm:styleLbl>
+  <dgm:styleLbl name="solidBgAcc1">
+    <dgm:scene3d>
+      <a:camera prst="orthographicFront"/>
+      <a:lightRig rig="threePt" dir="t"/>
+    </dgm:scene3d>
+    <dgm:sp3d/>
+    <dgm:txPr/>
+    <dgm:style>
+      <a:lnRef idx="2">
+        <a:scrgbClr r="0" g="0" b="0"/>
+      </a:lnRef>
+      <a:fillRef idx="1">
+        <a:scrgbClr r="0" g="0" b="0"/>
+      </a:fillRef>
+      <a:effectRef idx="0">
+        <a:scrgbClr r="0" g="0" b="0"/>
+      </a:effectRef>
+      <a:fontRef idx="minor"/>
+    </dgm:style>
+  </dgm:styleLbl>
+  <dgm:styleLbl name="fgAccFollowNode1">
+    <dgm:scene3d>
+      <a:camera prst="orthographicFront"/>
+      <a:lightRig rig="threePt" dir="t"/>
+    </dgm:scene3d>
+    <dgm:sp3d/>
+    <dgm:txPr/>
+    <dgm:style>
+      <a:lnRef idx="2">
+        <a:scrgbClr r="0" g="0" b="0"/>
+      </a:lnRef>
+      <a:fillRef idx="1">
+        <a:scrgbClr r="0" g="0" b="0"/>
+      </a:fillRef>
+      <a:effectRef idx="0">
+        <a:scrgbClr r="0" g="0" b="0"/>
+      </a:effectRef>
+      <a:fontRef idx="minor"/>
+    </dgm:style>
+  </dgm:styleLbl>
+  <dgm:styleLbl name="alignAccFollowNode1">
+    <dgm:scene3d>
+      <a:camera prst="orthographicFront"/>
+      <a:lightRig rig="threePt" dir="t"/>
+    </dgm:scene3d>
+    <dgm:sp3d/>
+    <dgm:txPr/>
+    <dgm:style>
+      <a:lnRef idx="2">
+        <a:scrgbClr r="0" g="0" b="0"/>
+      </a:lnRef>
+      <a:fillRef idx="1">
+        <a:scrgbClr r="0" g="0" b="0"/>
+      </a:fillRef>
+      <a:effectRef idx="0">
+        <a:scrgbClr r="0" g="0" b="0"/>
+      </a:effectRef>
+      <a:fontRef idx="minor"/>
+    </dgm:style>
+  </dgm:styleLbl>
+  <dgm:styleLbl name="bgAccFollowNode1">
+    <dgm:scene3d>
+      <a:camera prst="orthographicFront"/>
+      <a:lightRig rig="threePt" dir="t"/>
+    </dgm:scene3d>
+    <dgm:sp3d/>
+    <dgm:txPr/>
+    <dgm:style>
+      <a:lnRef idx="2">
+        <a:scrgbClr r="0" g="0" b="0"/>
+      </a:lnRef>
+      <a:fillRef idx="1">
+        <a:scrgbClr r="0" g="0" b="0"/>
+      </a:fillRef>
+      <a:effectRef idx="0">
+        <a:scrgbClr r="0" g="0" b="0"/>
+      </a:effectRef>
+      <a:fontRef idx="minor"/>
+    </dgm:style>
+  </dgm:styleLbl>
+  <dgm:styleLbl name="fgAcc0">
+    <dgm:scene3d>
+      <a:camera prst="orthographicFront"/>
+      <a:lightRig rig="threePt" dir="t"/>
+    </dgm:scene3d>
+    <dgm:sp3d/>
+    <dgm:txPr/>
+    <dgm:style>
+      <a:lnRef idx="2">
+        <a:scrgbClr r="0" g="0" b="0"/>
+      </a:lnRef>
+      <a:fillRef idx="1">
+        <a:scrgbClr r="0" g="0" b="0"/>
+      </a:fillRef>
+      <a:effectRef idx="0">
+        <a:scrgbClr r="0" g="0" b="0"/>
+      </a:effectRef>
+      <a:fontRef idx="minor"/>
+    </dgm:style>
+  </dgm:styleLbl>
+  <dgm:styleLbl name="fgAcc2">
+    <dgm:scene3d>
+      <a:camera prst="orthographicFront"/>
+      <a:lightRig rig="threePt" dir="t"/>
+    </dgm:scene3d>
+    <dgm:sp3d/>
+    <dgm:txPr/>
+    <dgm:style>
+      <a:lnRef idx="2">
+        <a:scrgbClr r="0" g="0" b="0"/>
+      </a:lnRef>
+      <a:fillRef idx="1">
+        <a:scrgbClr r="0" g="0" b="0"/>
+      </a:fillRef>
+      <a:effectRef idx="0">
+        <a:scrgbClr r="0" g="0" b="0"/>
+      </a:effectRef>
+      <a:fontRef idx="minor"/>
+    </dgm:style>
+  </dgm:styleLbl>
+  <dgm:styleLbl name="fgAcc3">
+    <dgm:scene3d>
+      <a:camera prst="orthographicFront"/>
+      <a:lightRig rig="threePt" dir="t"/>
+    </dgm:scene3d>
+    <dgm:sp3d/>
+    <dgm:txPr/>
+    <dgm:style>
+      <a:lnRef idx="2">
+        <a:scrgbClr r="0" g="0" b="0"/>
+      </a:lnRef>
+      <a:fillRef idx="1">
+        <a:scrgbClr r="0" g="0" b="0"/>
+      </a:fillRef>
+      <a:effectRef idx="0">
+        <a:scrgbClr r="0" g="0" b="0"/>
+      </a:effectRef>
+      <a:fontRef idx="minor"/>
+    </dgm:style>
+  </dgm:styleLbl>
+  <dgm:styleLbl name="fgAcc4">
+    <dgm:scene3d>
+      <a:camera prst="orthographicFront"/>
+      <a:lightRig rig="threePt" dir="t"/>
+    </dgm:scene3d>
+    <dgm:sp3d/>
+    <dgm:txPr/>
+    <dgm:style>
+      <a:lnRef idx="2">
+        <a:scrgbClr r="0" g="0" b="0"/>
+      </a:lnRef>
+      <a:fillRef idx="1">
+        <a:scrgbClr r="0" g="0" b="0"/>
+      </a:fillRef>
+      <a:effectRef idx="0">
+        <a:scrgbClr r="0" g="0" b="0"/>
+      </a:effectRef>
+      <a:fontRef idx="minor"/>
+    </dgm:style>
+  </dgm:styleLbl>
+  <dgm:styleLbl name="bgShp">
+    <dgm:scene3d>
+      <a:camera prst="orthographicFront"/>
+      <a:lightRig rig="threePt" dir="t"/>
+    </dgm:scene3d>
+    <dgm:sp3d/>
+    <dgm:txPr/>
+    <dgm:style>
+      <a:lnRef idx="0">
+        <a:scrgbClr r="0" g="0" b="0"/>
+      </a:lnRef>
+      <a:fillRef idx="1">
+        <a:scrgbClr r="0" g="0" b="0"/>
+      </a:fillRef>
+      <a:effectRef idx="0">
+        <a:scrgbClr r="0" g="0" b="0"/>
+      </a:effectRef>
+      <a:fontRef idx="minor"/>
+    </dgm:style>
+  </dgm:styleLbl>
+  <dgm:styleLbl name="dkBgShp">
+    <dgm:scene3d>
+      <a:camera prst="orthographicFront"/>
+      <a:lightRig rig="threePt" dir="t"/>
+    </dgm:scene3d>
+    <dgm:sp3d/>
+    <dgm:txPr/>
+    <dgm:style>
+      <a:lnRef idx="0">
+        <a:scrgbClr r="0" g="0" b="0"/>
+      </a:lnRef>
+      <a:fillRef idx="1">
+        <a:scrgbClr r="0" g="0" b="0"/>
+      </a:fillRef>
+      <a:effectRef idx="0">
+        <a:scrgbClr r="0" g="0" b="0"/>
+      </a:effectRef>
+      <a:fontRef idx="minor"/>
+    </dgm:style>
+  </dgm:styleLbl>
+  <dgm:styleLbl name="trBgShp">
+    <dgm:scene3d>
+      <a:camera prst="orthographicFront"/>
+      <a:lightRig rig="threePt" dir="t"/>
+    </dgm:scene3d>
+    <dgm:sp3d/>
+    <dgm:txPr/>
+    <dgm:style>
+      <a:lnRef idx="0">
+        <a:scrgbClr r="0" g="0" b="0"/>
+      </a:lnRef>
+      <a:fillRef idx="1">
+        <a:scrgbClr r="0" g="0" b="0"/>
+      </a:fillRef>
+      <a:effectRef idx="0">
+        <a:scrgbClr r="0" g="0" b="0"/>
+      </a:effectRef>
+      <a:fontRef idx="minor"/>
+    </dgm:style>
+  </dgm:styleLbl>
+  <dgm:styleLbl name="fgShp">
+    <dgm:scene3d>
+      <a:camera prst="orthographicFront"/>
+      <a:lightRig rig="threePt" dir="t"/>
+    </dgm:scene3d>
+    <dgm:sp3d/>
+    <dgm:txPr/>
+    <dgm:style>
+      <a:lnRef idx="2">
+        <a:scrgbClr r="0" g="0" b="0"/>
+      </a:lnRef>
+      <a:fillRef idx="1">
+        <a:scrgbClr r="0" g="0" b="0"/>
+      </a:fillRef>
+      <a:effectRef idx="0">
+        <a:scrgbClr r="0" g="0" b="0"/>
+      </a:effectRef>
+      <a:fontRef idx="minor"/>
+    </dgm:style>
+  </dgm:styleLbl>
+  <dgm:styleLbl name="revTx">
+    <dgm:scene3d>
+      <a:camera prst="orthographicFront"/>
+      <a:lightRig rig="threePt" dir="t"/>
+    </dgm:scene3d>
+    <dgm:sp3d/>
+    <dgm:txPr/>
+    <dgm:style>
+      <a:lnRef idx="0">
+        <a:scrgbClr r="0" g="0" b="0"/>
+      </a:lnRef>
+      <a:fillRef idx="0">
+        <a:scrgbClr r="0" g="0" b="0"/>
+      </a:fillRef>
+      <a:effectRef idx="0">
+        <a:scrgbClr r="0" g="0" b="0"/>
+      </a:effectRef>
+      <a:fontRef idx="minor"/>
+    </dgm:style>
+  </dgm:styleLbl>
+</dgm:styleDef>
+</file>
+
+<file path=ppt/diagrams/quickStyle2.xml><?xml version="1.0" encoding="utf-8"?>
+<dgm:styleDef xmlns:dgm="http://schemas.openxmlformats.org/drawingml/2006/diagram" xmlns:a="http://schemas.openxmlformats.org/drawingml/2006/main" uniqueId="urn:microsoft.com/office/officeart/2005/8/quickstyle/simple1">
+  <dgm:title val=""/>
+  <dgm:desc val=""/>
+  <dgm:catLst>
+    <dgm:cat type="simple" pri="10100"/>
+  </dgm:catLst>
+  <dgm:scene3d>
+    <a:camera prst="orthographicFront"/>
+    <a:lightRig rig="threePt" dir="t"/>
+  </dgm:scene3d>
+  <dgm:styleLbl name="node0">
+    <dgm:scene3d>
+      <a:camera prst="orthographicFront"/>
+      <a:lightRig rig="threePt" dir="t"/>
+    </dgm:scene3d>
+    <dgm:sp3d/>
+    <dgm:txPr/>
+    <dgm:style>
+      <a:lnRef idx="2">
+        <a:scrgbClr r="0" g="0" b="0"/>
+      </a:lnRef>
+      <a:fillRef idx="1">
+        <a:scrgbClr r="0" g="0" b="0"/>
+      </a:fillRef>
+      <a:effectRef idx="0">
+        <a:scrgbClr r="0" g="0" b="0"/>
+      </a:effectRef>
+      <a:fontRef idx="minor">
+        <a:schemeClr val="lt1"/>
+      </a:fontRef>
+    </dgm:style>
+  </dgm:styleLbl>
+  <dgm:styleLbl name="lnNode1">
+    <dgm:scene3d>
+      <a:camera prst="orthographicFront"/>
+      <a:lightRig rig="threePt" dir="t"/>
+    </dgm:scene3d>
+    <dgm:sp3d/>
+    <dgm:txPr/>
+    <dgm:style>
+      <a:lnRef idx="2">
+        <a:scrgbClr r="0" g="0" b="0"/>
+      </a:lnRef>
+      <a:fillRef idx="1">
+        <a:scrgbClr r="0" g="0" b="0"/>
+      </a:fillRef>
+      <a:effectRef idx="0">
+        <a:scrgbClr r="0" g="0" b="0"/>
+      </a:effectRef>
+      <a:fontRef idx="minor">
+        <a:schemeClr val="lt1"/>
+      </a:fontRef>
+    </dgm:style>
+  </dgm:styleLbl>
+  <dgm:styleLbl name="vennNode1">
+    <dgm:scene3d>
+      <a:camera prst="orthographicFront"/>
+      <a:lightRig rig="threePt" dir="t"/>
+    </dgm:scene3d>
+    <dgm:sp3d/>
+    <dgm:txPr/>
+    <dgm:style>
+      <a:lnRef idx="2">
+        <a:scrgbClr r="0" g="0" b="0"/>
+      </a:lnRef>
+      <a:fillRef idx="1">
+        <a:scrgbClr r="0" g="0" b="0"/>
+      </a:fillRef>
+      <a:effectRef idx="0">
+        <a:scrgbClr r="0" g="0" b="0"/>
+      </a:effectRef>
+      <a:fontRef idx="minor">
+        <a:schemeClr val="tx1"/>
+      </a:fontRef>
+    </dgm:style>
+  </dgm:styleLbl>
+  <dgm:styleLbl name="alignNode1">
+    <dgm:scene3d>
+      <a:camera prst="orthographicFront"/>
+      <a:lightRig rig="threePt" dir="t"/>
+    </dgm:scene3d>
+    <dgm:sp3d/>
+    <dgm:txPr/>
+    <dgm:style>
+      <a:lnRef idx="2">
+        <a:scrgbClr r="0" g="0" b="0"/>
+      </a:lnRef>
+      <a:fillRef idx="1">
+        <a:scrgbClr r="0" g="0" b="0"/>
+      </a:fillRef>
+      <a:effectRef idx="0">
+        <a:scrgbClr r="0" g="0" b="0"/>
+      </a:effectRef>
+      <a:fontRef idx="minor">
+        <a:schemeClr val="lt1"/>
+      </a:fontRef>
+    </dgm:style>
+  </dgm:styleLbl>
+  <dgm:styleLbl name="node1">
+    <dgm:scene3d>
+      <a:camera prst="orthographicFront"/>
+      <a:lightRig rig="threePt" dir="t"/>
+    </dgm:scene3d>
+    <dgm:sp3d/>
+    <dgm:txPr/>
+    <dgm:style>
+      <a:lnRef idx="2">
+        <a:scrgbClr r="0" g="0" b="0"/>
+      </a:lnRef>
+      <a:fillRef idx="1">
+        <a:scrgbClr r="0" g="0" b="0"/>
+      </a:fillRef>
+      <a:effectRef idx="0">
+        <a:scrgbClr r="0" g="0" b="0"/>
+      </a:effectRef>
+      <a:fontRef idx="minor">
+        <a:schemeClr val="lt1"/>
+      </a:fontRef>
+    </dgm:style>
+  </dgm:styleLbl>
+  <dgm:styleLbl name="node2">
+    <dgm:scene3d>
+      <a:camera prst="orthographicFront"/>
+      <a:lightRig rig="threePt" dir="t"/>
+    </dgm:scene3d>
+    <dgm:sp3d/>
+    <dgm:txPr/>
+    <dgm:style>
+      <a:lnRef idx="2">
+        <a:scrgbClr r="0" g="0" b="0"/>
+      </a:lnRef>
+      <a:fillRef idx="1">
+        <a:scrgbClr r="0" g="0" b="0"/>
+      </a:fillRef>
+      <a:effectRef idx="0">
+        <a:scrgbClr r="0" g="0" b="0"/>
+      </a:effectRef>
+      <a:fontRef idx="minor">
+        <a:schemeClr val="lt1"/>
+      </a:fontRef>
+    </dgm:style>
+  </dgm:styleLbl>
+  <dgm:styleLbl name="node3">
+    <dgm:scene3d>
+      <a:camera prst="orthographicFront"/>
+      <a:lightRig rig="threePt" dir="t"/>
+    </dgm:scene3d>
+    <dgm:sp3d/>
+    <dgm:txPr/>
+    <dgm:style>
+      <a:lnRef idx="2">
+        <a:scrgbClr r="0" g="0" b="0"/>
+      </a:lnRef>
+      <a:fillRef idx="1">
+        <a:scrgbClr r="0" g="0" b="0"/>
+      </a:fillRef>
+      <a:effectRef idx="0">
+        <a:scrgbClr r="0" g="0" b="0"/>
+      </a:effectRef>
+      <a:fontRef idx="minor">
+        <a:schemeClr val="lt1"/>
+      </a:fontRef>
+    </dgm:style>
+  </dgm:styleLbl>
+  <dgm:styleLbl name="node4">
+    <dgm:scene3d>
+      <a:camera prst="orthographicFront"/>
+      <a:lightRig rig="threePt" dir="t"/>
+    </dgm:scene3d>
+    <dgm:sp3d/>
+    <dgm:txPr/>
+    <dgm:style>
+      <a:lnRef idx="2">
+        <a:scrgbClr r="0" g="0" b="0"/>
+      </a:lnRef>
+      <a:fillRef idx="1">
+        <a:scrgbClr r="0" g="0" b="0"/>
+      </a:fillRef>
+      <a:effectRef idx="0">
+        <a:scrgbClr r="0" g="0" b="0"/>
+      </a:effectRef>
+      <a:fontRef idx="minor">
+        <a:schemeClr val="lt1"/>
+      </a:fontRef>
+    </dgm:style>
+  </dgm:styleLbl>
+  <dgm:styleLbl name="fgImgPlace1">
+    <dgm:scene3d>
+      <a:camera prst="orthographicFront"/>
+      <a:lightRig rig="threePt" dir="t"/>
+    </dgm:scene3d>
+    <dgm:sp3d/>
+    <dgm:txPr/>
+    <dgm:style>
+      <a:lnRef idx="2">
+        <a:scrgbClr r="0" g="0" b="0"/>
+      </a:lnRef>
+      <a:fillRef idx="1">
+        <a:scrgbClr r="0" g="0" b="0"/>
+      </a:fillRef>
+      <a:effectRef idx="0">
+        <a:scrgbClr r="0" g="0" b="0"/>
+      </a:effectRef>
+      <a:fontRef idx="minor"/>
+    </dgm:style>
+  </dgm:styleLbl>
+  <dgm:styleLbl name="alignImgPlace1">
+    <dgm:scene3d>
+      <a:camera prst="orthographicFront"/>
+      <a:lightRig rig="threePt" dir="t"/>
+    </dgm:scene3d>
+    <dgm:sp3d/>
+    <dgm:txPr/>
+    <dgm:style>
+      <a:lnRef idx="2">
+        <a:scrgbClr r="0" g="0" b="0"/>
+      </a:lnRef>
+      <a:fillRef idx="1">
+        <a:scrgbClr r="0" g="0" b="0"/>
+      </a:fillRef>
+      <a:effectRef idx="0">
+        <a:scrgbClr r="0" g="0" b="0"/>
+      </a:effectRef>
+      <a:fontRef idx="minor"/>
+    </dgm:style>
+  </dgm:styleLbl>
+  <dgm:styleLbl name="bgImgPlace1">
+    <dgm:scene3d>
+      <a:camera prst="orthographicFront"/>
+      <a:lightRig rig="threePt" dir="t"/>
+    </dgm:scene3d>
+    <dgm:sp3d/>
+    <dgm:txPr/>
+    <dgm:style>
+      <a:lnRef idx="2">
+        <a:scrgbClr r="0" g="0" b="0"/>
+      </a:lnRef>
+      <a:fillRef idx="1">
+        <a:scrgbClr r="0" g="0" b="0"/>
+      </a:fillRef>
+      <a:effectRef idx="0">
+        <a:scrgbClr r="0" g="0" b="0"/>
+      </a:effectRef>
+      <a:fontRef idx="minor"/>
+    </dgm:style>
+  </dgm:styleLbl>
+  <dgm:styleLbl name="sibTrans2D1">
+    <dgm:scene3d>
+      <a:camera prst="orthographicFront"/>
+      <a:lightRig rig="threePt" dir="t"/>
+    </dgm:scene3d>
+    <dgm:sp3d/>
+    <dgm:txPr/>
+    <dgm:style>
+      <a:lnRef idx="0">
+        <a:scrgbClr r="0" g="0" b="0"/>
+      </a:lnRef>
+      <a:fillRef idx="1">
+        <a:scrgbClr r="0" g="0" b="0"/>
+      </a:fillRef>
+      <a:effectRef idx="0">
+        <a:scrgbClr r="0" g="0" b="0"/>
+      </a:effectRef>
+      <a:fontRef idx="minor">
+        <a:schemeClr val="lt1"/>
+      </a:fontRef>
+    </dgm:style>
+  </dgm:styleLbl>
+  <dgm:styleLbl name="fgSibTrans2D1">
+    <dgm:scene3d>
+      <a:camera prst="orthographicFront"/>
+      <a:lightRig rig="threePt" dir="t"/>
+    </dgm:scene3d>
+    <dgm:sp3d/>
+    <dgm:txPr/>
+    <dgm:style>
+      <a:lnRef idx="0">
+        <a:scrgbClr r="0" g="0" b="0"/>
+      </a:lnRef>
+      <a:fillRef idx="1">
+        <a:scrgbClr r="0" g="0" b="0"/>
+      </a:fillRef>
+      <a:effectRef idx="0">
+        <a:scrgbClr r="0" g="0" b="0"/>
+      </a:effectRef>
+      <a:fontRef idx="minor">
+        <a:schemeClr val="lt1"/>
+      </a:fontRef>
+    </dgm:style>
+  </dgm:styleLbl>
+  <dgm:styleLbl name="bgSibTrans2D1">
+    <dgm:scene3d>
+      <a:camera prst="orthographicFront"/>
+      <a:lightRig rig="threePt" dir="t"/>
+    </dgm:scene3d>
+    <dgm:sp3d/>
+    <dgm:txPr/>
+    <dgm:style>
+      <a:lnRef idx="0">
+        <a:scrgbClr r="0" g="0" b="0"/>
+      </a:lnRef>
+      <a:fillRef idx="1">
+        <a:scrgbClr r="0" g="0" b="0"/>
+      </a:fillRef>
+      <a:effectRef idx="0">
+        <a:scrgbClr r="0" g="0" b="0"/>
+      </a:effectRef>
+      <a:fontRef idx="minor">
+        <a:schemeClr val="lt1"/>
+      </a:fontRef>
+    </dgm:style>
+  </dgm:styleLbl>
+  <dgm:styleLbl name="sibTrans1D1">
+    <dgm:scene3d>
+      <a:camera prst="orthographicFront"/>
+      <a:lightRig rig="threePt" dir="t"/>
+    </dgm:scene3d>
+    <dgm:sp3d/>
+    <dgm:txPr/>
+    <dgm:style>
+      <a:lnRef idx="1">
+        <a:scrgbClr r="0" g="0" b="0"/>
+      </a:lnRef>
+      <a:fillRef idx="0">
+        <a:scrgbClr r="0" g="0" b="0"/>
+      </a:fillRef>
+      <a:effectRef idx="0">
+        <a:scrgbClr r="0" g="0" b="0"/>
+      </a:effectRef>
+      <a:fontRef idx="minor"/>
+    </dgm:style>
+  </dgm:styleLbl>
+  <dgm:styleLbl name="callout">
+    <dgm:scene3d>
+      <a:camera prst="orthographicFront"/>
+      <a:lightRig rig="threePt" dir="t"/>
+    </dgm:scene3d>
+    <dgm:sp3d/>
+    <dgm:txPr/>
+    <dgm:style>
+      <a:lnRef idx="2">
+        <a:scrgbClr r="0" g="0" b="0"/>
+      </a:lnRef>
+      <a:fillRef idx="1">
+        <a:scrgbClr r="0" g="0" b="0"/>
+      </a:fillRef>
+      <a:effectRef idx="0">
+        <a:scrgbClr r="0" g="0" b="0"/>
+      </a:effectRef>
+      <a:fontRef idx="minor"/>
+    </dgm:style>
+  </dgm:styleLbl>
+  <dgm:styleLbl name="asst0">
+    <dgm:scene3d>
+      <a:camera prst="orthographicFront"/>
+      <a:lightRig rig="threePt" dir="t"/>
+    </dgm:scene3d>
+    <dgm:sp3d/>
+    <dgm:txPr/>
+    <dgm:style>
+      <a:lnRef idx="2">
+        <a:scrgbClr r="0" g="0" b="0"/>
+      </a:lnRef>
+      <a:fillRef idx="1">
+        <a:scrgbClr r="0" g="0" b="0"/>
+      </a:fillRef>
+      <a:effectRef idx="0">
+        <a:scrgbClr r="0" g="0" b="0"/>
+      </a:effectRef>
+      <a:fontRef idx="minor">
+        <a:schemeClr val="lt1"/>
+      </a:fontRef>
+    </dgm:style>
+  </dgm:styleLbl>
+  <dgm:styleLbl name="asst1">
+    <dgm:scene3d>
+      <a:camera prst="orthographicFront"/>
+      <a:lightRig rig="threePt" dir="t"/>
+    </dgm:scene3d>
+    <dgm:sp3d/>
+    <dgm:txPr/>
+    <dgm:style>
+      <a:lnRef idx="2">
+        <a:scrgbClr r="0" g="0" b="0"/>
+      </a:lnRef>
+      <a:fillRef idx="1">
+        <a:scrgbClr r="0" g="0" b="0"/>
+      </a:fillRef>
+      <a:effectRef idx="0">
+        <a:scrgbClr r="0" g="0" b="0"/>
+      </a:effectRef>
+      <a:fontRef idx="minor">
+        <a:schemeClr val="lt1"/>
+      </a:fontRef>
+    </dgm:style>
+  </dgm:styleLbl>
+  <dgm:styleLbl name="asst2">
+    <dgm:scene3d>
+      <a:camera prst="orthographicFront"/>
+      <a:lightRig rig="threePt" dir="t"/>
+    </dgm:scene3d>
+    <dgm:sp3d/>
+    <dgm:txPr/>
+    <dgm:style>
+      <a:lnRef idx="2">
+        <a:scrgbClr r="0" g="0" b="0"/>
+      </a:lnRef>
+      <a:fillRef idx="1">
+        <a:scrgbClr r="0" g="0" b="0"/>
+      </a:fillRef>
+      <a:effectRef idx="0">
+        <a:scrgbClr r="0" g="0" b="0"/>
+      </a:effectRef>
+      <a:fontRef idx="minor">
+        <a:schemeClr val="lt1"/>
+      </a:fontRef>
+    </dgm:style>
+  </dgm:styleLbl>
+  <dgm:styleLbl name="asst3">
+    <dgm:scene3d>
+      <a:camera prst="orthographicFront"/>
+      <a:lightRig rig="threePt" dir="t"/>
+    </dgm:scene3d>
+    <dgm:sp3d/>
+    <dgm:txPr/>
+    <dgm:style>
+      <a:lnRef idx="2">
+        <a:scrgbClr r="0" g="0" b="0"/>
+      </a:lnRef>
+      <a:fillRef idx="1">
+        <a:scrgbClr r="0" g="0" b="0"/>
+      </a:fillRef>
+      <a:effectRef idx="0">
+        <a:scrgbClr r="0" g="0" b="0"/>
+      </a:effectRef>
+      <a:fontRef idx="minor">
+        <a:schemeClr val="lt1"/>
+      </a:fontRef>
+    </dgm:style>
+  </dgm:styleLbl>
+  <dgm:styleLbl name="asst4">
+    <dgm:scene3d>
+      <a:camera prst="orthographicFront"/>
+      <a:lightRig rig="threePt" dir="t"/>
+    </dgm:scene3d>
+    <dgm:sp3d/>
+    <dgm:txPr/>
+    <dgm:style>
+      <a:lnRef idx="2">
+        <a:scrgbClr r="0" g="0" b="0"/>
+      </a:lnRef>
+      <a:fillRef idx="1">
+        <a:scrgbClr r="0" g="0" b="0"/>
+      </a:fillRef>
+      <a:effectRef idx="0">
+        <a:scrgbClr r="0" g="0" b="0"/>
+      </a:effectRef>
+      <a:fontRef idx="minor">
+        <a:schemeClr val="lt1"/>
+      </a:fontRef>
+    </dgm:style>
+  </dgm:styleLbl>
+  <dgm:styleLbl name="parChTrans2D1">
+    <dgm:scene3d>
+      <a:camera prst="orthographicFront"/>
+      <a:lightRig rig="threePt" dir="t"/>
+    </dgm:scene3d>
+    <dgm:sp3d/>
+    <dgm:txPr/>
+    <dgm:style>
+      <a:lnRef idx="2">
+        <a:scrgbClr r="0" g="0" b="0"/>
+      </a:lnRef>
+      <a:fillRef idx="1">
+        <a:scrgbClr r="0" g="0" b="0"/>
+      </a:fillRef>
+      <a:effectRef idx="0">
+        <a:scrgbClr r="0" g="0" b="0"/>
+      </a:effectRef>
+      <a:fontRef idx="minor">
+        <a:schemeClr val="lt1"/>
+      </a:fontRef>
+    </dgm:style>
+  </dgm:styleLbl>
+  <dgm:styleLbl name="parChTrans2D2">
+    <dgm:scene3d>
+      <a:camera prst="orthographicFront"/>
+      <a:lightRig rig="threePt" dir="t"/>
+    </dgm:scene3d>
+    <dgm:sp3d/>
+    <dgm:txPr/>
+    <dgm:style>
+      <a:lnRef idx="2">
+        <a:scrgbClr r="0" g="0" b="0"/>
+      </a:lnRef>
+      <a:fillRef idx="1">
+        <a:scrgbClr r="0" g="0" b="0"/>
+      </a:fillRef>
+      <a:effectRef idx="0">
+        <a:scrgbClr r="0" g="0" b="0"/>
+      </a:effectRef>
+      <a:fontRef idx="minor">
+        <a:schemeClr val="lt1"/>
+      </a:fontRef>
+    </dgm:style>
+  </dgm:styleLbl>
+  <dgm:styleLbl name="parChTrans2D3">
+    <dgm:scene3d>
+      <a:camera prst="orthographicFront"/>
+      <a:lightRig rig="threePt" dir="t"/>
+    </dgm:scene3d>
+    <dgm:sp3d/>
+    <dgm:txPr/>
+    <dgm:style>
+      <a:lnRef idx="2">
+        <a:scrgbClr r="0" g="0" b="0"/>
+      </a:lnRef>
+      <a:fillRef idx="1">
+        <a:scrgbClr r="0" g="0" b="0"/>
+      </a:fillRef>
+      <a:effectRef idx="0">
+        <a:scrgbClr r="0" g="0" b="0"/>
+      </a:effectRef>
+      <a:fontRef idx="minor">
+        <a:schemeClr val="lt1"/>
+      </a:fontRef>
+    </dgm:style>
+  </dgm:styleLbl>
+  <dgm:styleLbl name="parChTrans2D4">
+    <dgm:scene3d>
+      <a:camera prst="orthographicFront"/>
+      <a:lightRig rig="threePt" dir="t"/>
+    </dgm:scene3d>
+    <dgm:sp3d/>
+    <dgm:txPr/>
+    <dgm:style>
+      <a:lnRef idx="2">
+        <a:scrgbClr r="0" g="0" b="0"/>
+      </a:lnRef>
+      <a:fillRef idx="1">
+        <a:scrgbClr r="0" g="0" b="0"/>
+      </a:fillRef>
+      <a:effectRef idx="0">
+        <a:scrgbClr r="0" g="0" b="0"/>
+      </a:effectRef>
+      <a:fontRef idx="minor">
+        <a:schemeClr val="lt1"/>
+      </a:fontRef>
+    </dgm:style>
+  </dgm:styleLbl>
+  <dgm:styleLbl name="parChTrans1D1">
+    <dgm:scene3d>
+      <a:camera prst="orthographicFront"/>
+      <a:lightRig rig="threePt" dir="t"/>
+    </dgm:scene3d>
+    <dgm:sp3d/>
+    <dgm:txPr/>
+    <dgm:style>
+      <a:lnRef idx="2">
+        <a:scrgbClr r="0" g="0" b="0"/>
+      </a:lnRef>
+      <a:fillRef idx="0">
+        <a:scrgbClr r="0" g="0" b="0"/>
+      </a:fillRef>
+      <a:effectRef idx="0">
+        <a:scrgbClr r="0" g="0" b="0"/>
+      </a:effectRef>
+      <a:fontRef idx="minor"/>
+    </dgm:style>
+  </dgm:styleLbl>
+  <dgm:styleLbl name="parChTrans1D2">
+    <dgm:scene3d>
+      <a:camera prst="orthographicFront"/>
+      <a:lightRig rig="threePt" dir="t"/>
+    </dgm:scene3d>
+    <dgm:sp3d/>
+    <dgm:txPr/>
+    <dgm:style>
+      <a:lnRef idx="2">
+        <a:scrgbClr r="0" g="0" b="0"/>
+      </a:lnRef>
+      <a:fillRef idx="0">
+        <a:scrgbClr r="0" g="0" b="0"/>
+      </a:fillRef>
+      <a:effectRef idx="0">
+        <a:scrgbClr r="0" g="0" b="0"/>
+      </a:effectRef>
+      <a:fontRef idx="minor"/>
+    </dgm:style>
+  </dgm:styleLbl>
+  <dgm:styleLbl name="parChTrans1D3">
+    <dgm:scene3d>
+      <a:camera prst="orthographicFront"/>
+      <a:lightRig rig="threePt" dir="t"/>
+    </dgm:scene3d>
+    <dgm:sp3d/>
+    <dgm:txPr/>
+    <dgm:style>
+      <a:lnRef idx="2">
+        <a:scrgbClr r="0" g="0" b="0"/>
+      </a:lnRef>
+      <a:fillRef idx="0">
+        <a:scrgbClr r="0" g="0" b="0"/>
+      </a:fillRef>
+      <a:effectRef idx="0">
+        <a:scrgbClr r="0" g="0" b="0"/>
+      </a:effectRef>
+      <a:fontRef idx="minor"/>
+    </dgm:style>
+  </dgm:styleLbl>
+  <dgm:styleLbl name="parChTrans1D4">
+    <dgm:scene3d>
+      <a:camera prst="orthographicFront"/>
+      <a:lightRig rig="threePt" dir="t"/>
+    </dgm:scene3d>
+    <dgm:sp3d/>
+    <dgm:txPr/>
+    <dgm:style>
+      <a:lnRef idx="2">
+        <a:scrgbClr r="0" g="0" b="0"/>
+      </a:lnRef>
+      <a:fillRef idx="0">
+        <a:scrgbClr r="0" g="0" b="0"/>
+      </a:fillRef>
+      <a:effectRef idx="0">
+        <a:scrgbClr r="0" g="0" b="0"/>
+      </a:effectRef>
+      <a:fontRef idx="minor"/>
+    </dgm:style>
+  </dgm:styleLbl>
+  <dgm:styleLbl name="fgAcc1">
+    <dgm:scene3d>
+      <a:camera prst="orthographicFront"/>
+      <a:lightRig rig="threePt" dir="t"/>
+    </dgm:scene3d>
+    <dgm:sp3d/>
+    <dgm:txPr/>
+    <dgm:style>
+      <a:lnRef idx="2">
+        <a:scrgbClr r="0" g="0" b="0"/>
+      </a:lnRef>
+      <a:fillRef idx="1">
+        <a:scrgbClr r="0" g="0" b="0"/>
+      </a:fillRef>
+      <a:effectRef idx="0">
+        <a:scrgbClr r="0" g="0" b="0"/>
+      </a:effectRef>
+      <a:fontRef idx="minor"/>
+    </dgm:style>
+  </dgm:styleLbl>
+  <dgm:styleLbl name="conFgAcc1">
+    <dgm:scene3d>
+      <a:camera prst="orthographicFront"/>
+      <a:lightRig rig="threePt" dir="t"/>
+    </dgm:scene3d>
+    <dgm:sp3d/>
+    <dgm:txPr/>
+    <dgm:style>
+      <a:lnRef idx="2">
+        <a:scrgbClr r="0" g="0" b="0"/>
+      </a:lnRef>
+      <a:fillRef idx="1">
+        <a:scrgbClr r="0" g="0" b="0"/>
+      </a:fillRef>
+      <a:effectRef idx="0">
+        <a:scrgbClr r="0" g="0" b="0"/>
+      </a:effectRef>
+      <a:fontRef idx="minor"/>
+    </dgm:style>
+  </dgm:styleLbl>
+  <dgm:styleLbl name="alignAcc1">
+    <dgm:scene3d>
+      <a:camera prst="orthographicFront"/>
+      <a:lightRig rig="threePt" dir="t"/>
+    </dgm:scene3d>
+    <dgm:sp3d/>
+    <dgm:txPr/>
+    <dgm:style>
+      <a:lnRef idx="2">
+        <a:scrgbClr r="0" g="0" b="0"/>
+      </a:lnRef>
+      <a:fillRef idx="1">
+        <a:scrgbClr r="0" g="0" b="0"/>
+      </a:fillRef>
+      <a:effectRef idx="0">
+        <a:scrgbClr r="0" g="0" b="0"/>
+      </a:effectRef>
+      <a:fontRef idx="minor"/>
+    </dgm:style>
+  </dgm:styleLbl>
+  <dgm:styleLbl name="trAlignAcc1">
+    <dgm:scene3d>
+      <a:camera prst="orthographicFront"/>
+      <a:lightRig rig="threePt" dir="t"/>
+    </dgm:scene3d>
+    <dgm:sp3d/>
+    <dgm:txPr/>
+    <dgm:style>
+      <a:lnRef idx="1">
+        <a:scrgbClr r="0" g="0" b="0"/>
+      </a:lnRef>
+      <a:fillRef idx="1">
+        <a:scrgbClr r="0" g="0" b="0"/>
+      </a:fillRef>
+      <a:effectRef idx="0">
+        <a:scrgbClr r="0" g="0" b="0"/>
+      </a:effectRef>
+      <a:fontRef idx="minor"/>
+    </dgm:style>
+  </dgm:styleLbl>
+  <dgm:styleLbl name="bgAcc1">
+    <dgm:scene3d>
+      <a:camera prst="orthographicFront"/>
+      <a:lightRig rig="threePt" dir="t"/>
+    </dgm:scene3d>
+    <dgm:sp3d/>
+    <dgm:txPr/>
+    <dgm:style>
+      <a:lnRef idx="2">
+        <a:scrgbClr r="0" g="0" b="0"/>
+      </a:lnRef>
+      <a:fillRef idx="1">
+        <a:scrgbClr r="0" g="0" b="0"/>
+      </a:fillRef>
+      <a:effectRef idx="0">
+        <a:scrgbClr r="0" g="0" b="0"/>
+      </a:effectRef>
+      <a:fontRef idx="minor"/>
+    </dgm:style>
+  </dgm:styleLbl>
+  <dgm:styleLbl name="solidFgAcc1">
+    <dgm:scene3d>
+      <a:camera prst="orthographicFront"/>
+      <a:lightRig rig="threePt" dir="t"/>
+    </dgm:scene3d>
+    <dgm:sp3d/>
+    <dgm:txPr/>
+    <dgm:style>
+      <a:lnRef idx="2">
+        <a:scrgbClr r="0" g="0" b="0"/>
+      </a:lnRef>
+      <a:fillRef idx="1">
+        <a:scrgbClr r="0" g="0" b="0"/>
+      </a:fillRef>
+      <a:effectRef idx="0">
+        <a:scrgbClr r="0" g="0" b="0"/>
+      </a:effectRef>
+      <a:fontRef idx="minor"/>
+    </dgm:style>
+  </dgm:styleLbl>
+  <dgm:styleLbl name="solidAlignAcc1">
+    <dgm:scene3d>
+      <a:camera prst="orthographicFront"/>
+      <a:lightRig rig="threePt" dir="t"/>
+    </dgm:scene3d>
+    <dgm:sp3d/>
+    <dgm:txPr/>
+    <dgm:style>
+      <a:lnRef idx="2">
+        <a:scrgbClr r="0" g="0" b="0"/>
+      </a:lnRef>
+      <a:fillRef idx="1">
+        <a:scrgbClr r="0" g="0" b="0"/>
+      </a:fillRef>
+      <a:effectRef idx="0">
+        <a:scrgbClr r="0" g="0" b="0"/>
+      </a:effectRef>
+      <a:fontRef idx="minor"/>
+    </dgm:style>
+  </dgm:styleLbl>
+  <dgm:styleLbl name="solidBgAcc1">
+    <dgm:scene3d>
+      <a:camera prst="orthographicFront"/>
+      <a:lightRig rig="threePt" dir="t"/>
+    </dgm:scene3d>
+    <dgm:sp3d/>
+    <dgm:txPr/>
+    <dgm:style>
+      <a:lnRef idx="2">
+        <a:scrgbClr r="0" g="0" b="0"/>
+      </a:lnRef>
+      <a:fillRef idx="1">
+        <a:scrgbClr r="0" g="0" b="0"/>
+      </a:fillRef>
+      <a:effectRef idx="0">
+        <a:scrgbClr r="0" g="0" b="0"/>
+      </a:effectRef>
+      <a:fontRef idx="minor"/>
+    </dgm:style>
+  </dgm:styleLbl>
+  <dgm:styleLbl name="fgAccFollowNode1">
+    <dgm:scene3d>
+      <a:camera prst="orthographicFront"/>
+      <a:lightRig rig="threePt" dir="t"/>
+    </dgm:scene3d>
+    <dgm:sp3d/>
+    <dgm:txPr/>
+    <dgm:style>
+      <a:lnRef idx="2">
+        <a:scrgbClr r="0" g="0" b="0"/>
+      </a:lnRef>
+      <a:fillRef idx="1">
+        <a:scrgbClr r="0" g="0" b="0"/>
+      </a:fillRef>
+      <a:effectRef idx="0">
+        <a:scrgbClr r="0" g="0" b="0"/>
+      </a:effectRef>
+      <a:fontRef idx="minor"/>
+    </dgm:style>
+  </dgm:styleLbl>
+  <dgm:styleLbl name="alignAccFollowNode1">
+    <dgm:scene3d>
+      <a:camera prst="orthographicFront"/>
+      <a:lightRig rig="threePt" dir="t"/>
+    </dgm:scene3d>
+    <dgm:sp3d/>
+    <dgm:txPr/>
+    <dgm:style>
+      <a:lnRef idx="2">
+        <a:scrgbClr r="0" g="0" b="0"/>
+      </a:lnRef>
+      <a:fillRef idx="1">
+        <a:scrgbClr r="0" g="0" b="0"/>
+      </a:fillRef>
+      <a:effectRef idx="0">
+        <a:scrgbClr r="0" g="0" b="0"/>
+      </a:effectRef>
+      <a:fontRef idx="minor"/>
+    </dgm:style>
+  </dgm:styleLbl>
+  <dgm:styleLbl name="bgAccFollowNode1">
+    <dgm:scene3d>
+      <a:camera prst="orthographicFront"/>
+      <a:lightRig rig="threePt" dir="t"/>
+    </dgm:scene3d>
+    <dgm:sp3d/>
+    <dgm:txPr/>
+    <dgm:style>
+      <a:lnRef idx="2">
+        <a:scrgbClr r="0" g="0" b="0"/>
+      </a:lnRef>
+      <a:fillRef idx="1">
+        <a:scrgbClr r="0" g="0" b="0"/>
+      </a:fillRef>
+      <a:effectRef idx="0">
+        <a:scrgbClr r="0" g="0" b="0"/>
+      </a:effectRef>
+      <a:fontRef idx="minor"/>
+    </dgm:style>
+  </dgm:styleLbl>
+  <dgm:styleLbl name="fgAcc0">
+    <dgm:scene3d>
+      <a:camera prst="orthographicFront"/>
+      <a:lightRig rig="threePt" dir="t"/>
+    </dgm:scene3d>
+    <dgm:sp3d/>
+    <dgm:txPr/>
+    <dgm:style>
+      <a:lnRef idx="2">
+        <a:scrgbClr r="0" g="0" b="0"/>
+      </a:lnRef>
+      <a:fillRef idx="1">
+        <a:scrgbClr r="0" g="0" b="0"/>
+      </a:fillRef>
+      <a:effectRef idx="0">
+        <a:scrgbClr r="0" g="0" b="0"/>
+      </a:effectRef>
+      <a:fontRef idx="minor"/>
+    </dgm:style>
+  </dgm:styleLbl>
+  <dgm:styleLbl name="fgAcc2">
+    <dgm:scene3d>
+      <a:camera prst="orthographicFront"/>
+      <a:lightRig rig="threePt" dir="t"/>
+    </dgm:scene3d>
+    <dgm:sp3d/>
+    <dgm:txPr/>
+    <dgm:style>
+      <a:lnRef idx="2">
+        <a:scrgbClr r="0" g="0" b="0"/>
+      </a:lnRef>
+      <a:fillRef idx="1">
+        <a:scrgbClr r="0" g="0" b="0"/>
+      </a:fillRef>
+      <a:effectRef idx="0">
+        <a:scrgbClr r="0" g="0" b="0"/>
+      </a:effectRef>
+      <a:fontRef idx="minor"/>
+    </dgm:style>
+  </dgm:styleLbl>
+  <dgm:styleLbl name="fgAcc3">
+    <dgm:scene3d>
+      <a:camera prst="orthographicFront"/>
+      <a:lightRig rig="threePt" dir="t"/>
+    </dgm:scene3d>
+    <dgm:sp3d/>
+    <dgm:txPr/>
+    <dgm:style>
+      <a:lnRef idx="2">
+        <a:scrgbClr r="0" g="0" b="0"/>
+      </a:lnRef>
+      <a:fillRef idx="1">
+        <a:scrgbClr r="0" g="0" b="0"/>
+      </a:fillRef>
+      <a:effectRef idx="0">
+        <a:scrgbClr r="0" g="0" b="0"/>
+      </a:effectRef>
+      <a:fontRef idx="minor"/>
+    </dgm:style>
+  </dgm:styleLbl>
+  <dgm:styleLbl name="fgAcc4">
+    <dgm:scene3d>
+      <a:camera prst="orthographicFront"/>
+      <a:lightRig rig="threePt" dir="t"/>
+    </dgm:scene3d>
+    <dgm:sp3d/>
+    <dgm:txPr/>
+    <dgm:style>
+      <a:lnRef idx="2">
+        <a:scrgbClr r="0" g="0" b="0"/>
+      </a:lnRef>
+      <a:fillRef idx="1">
+        <a:scrgbClr r="0" g="0" b="0"/>
+      </a:fillRef>
+      <a:effectRef idx="0">
+        <a:scrgbClr r="0" g="0" b="0"/>
+      </a:effectRef>
+      <a:fontRef idx="minor"/>
+    </dgm:style>
+  </dgm:styleLbl>
+  <dgm:styleLbl name="bgShp">
+    <dgm:scene3d>
+      <a:camera prst="orthographicFront"/>
+      <a:lightRig rig="threePt" dir="t"/>
+    </dgm:scene3d>
+    <dgm:sp3d/>
+    <dgm:txPr/>
+    <dgm:style>
+      <a:lnRef idx="0">
+        <a:scrgbClr r="0" g="0" b="0"/>
+      </a:lnRef>
+      <a:fillRef idx="1">
+        <a:scrgbClr r="0" g="0" b="0"/>
+      </a:fillRef>
+      <a:effectRef idx="0">
+        <a:scrgbClr r="0" g="0" b="0"/>
+      </a:effectRef>
+      <a:fontRef idx="minor"/>
+    </dgm:style>
+  </dgm:styleLbl>
+  <dgm:styleLbl name="dkBgShp">
+    <dgm:scene3d>
+      <a:camera prst="orthographicFront"/>
+      <a:lightRig rig="threePt" dir="t"/>
+    </dgm:scene3d>
+    <dgm:sp3d/>
+    <dgm:txPr/>
+    <dgm:style>
+      <a:lnRef idx="0">
+        <a:scrgbClr r="0" g="0" b="0"/>
+      </a:lnRef>
+      <a:fillRef idx="1">
+        <a:scrgbClr r="0" g="0" b="0"/>
+      </a:fillRef>
+      <a:effectRef idx="0">
+        <a:scrgbClr r="0" g="0" b="0"/>
+      </a:effectRef>
+      <a:fontRef idx="minor"/>
+    </dgm:style>
+  </dgm:styleLbl>
+  <dgm:styleLbl name="trBgShp">
+    <dgm:scene3d>
+      <a:camera prst="orthographicFront"/>
+      <a:lightRig rig="threePt" dir="t"/>
+    </dgm:scene3d>
+    <dgm:sp3d/>
+    <dgm:txPr/>
+    <dgm:style>
+      <a:lnRef idx="0">
+        <a:scrgbClr r="0" g="0" b="0"/>
+      </a:lnRef>
+      <a:fillRef idx="1">
+        <a:scrgbClr r="0" g="0" b="0"/>
+      </a:fillRef>
+      <a:effectRef idx="0">
+        <a:scrgbClr r="0" g="0" b="0"/>
+      </a:effectRef>
+      <a:fontRef idx="minor"/>
+    </dgm:style>
+  </dgm:styleLbl>
+  <dgm:styleLbl name="fgShp">
+    <dgm:scene3d>
+      <a:camera prst="orthographicFront"/>
+      <a:lightRig rig="threePt" dir="t"/>
+    </dgm:scene3d>
+    <dgm:sp3d/>
+    <dgm:txPr/>
+    <dgm:style>
+      <a:lnRef idx="2">
+        <a:scrgbClr r="0" g="0" b="0"/>
+      </a:lnRef>
+      <a:fillRef idx="1">
+        <a:scrgbClr r="0" g="0" b="0"/>
+      </a:fillRef>
+      <a:effectRef idx="0">
+        <a:scrgbClr r="0" g="0" b="0"/>
+      </a:effectRef>
+      <a:fontRef idx="minor"/>
+    </dgm:style>
+  </dgm:styleLbl>
+  <dgm:styleLbl name="revTx">
+    <dgm:scene3d>
+      <a:camera prst="orthographicFront"/>
+      <a:lightRig rig="threePt" dir="t"/>
+    </dgm:scene3d>
+    <dgm:sp3d/>
+    <dgm:txPr/>
+    <dgm:style>
+      <a:lnRef idx="0">
+        <a:scrgbClr r="0" g="0" b="0"/>
+      </a:lnRef>
+      <a:fillRef idx="0">
+        <a:scrgbClr r="0" g="0" b="0"/>
+      </a:fillRef>
+      <a:effectRef idx="0">
+        <a:scrgbClr r="0" g="0" b="0"/>
+      </a:effectRef>
+      <a:fontRef idx="minor"/>
+    </dgm:style>
+  </dgm:styleLbl>
+</dgm:styleDef>
 </file>
 
 <file path=ppt/slideLayouts/slideLayout1.xml><?xml version="1.0" encoding="utf-8"?>
@@ -6101,6 +12077,279 @@
 </p:sld>
 </file>
 
+<file path=ppt/slides/slide10.xml><?xml version="1.0" encoding="utf-8"?>
+<p:sld xmlns:a="http://schemas.openxmlformats.org/drawingml/2006/main" xmlns:r="http://schemas.openxmlformats.org/officeDocument/2006/relationships" xmlns:p="http://schemas.openxmlformats.org/presentationml/2006/main">
+  <p:cSld>
+    <p:spTree>
+      <p:nvGrpSpPr>
+        <p:cNvPr id="1" name=""/>
+        <p:cNvGrpSpPr/>
+        <p:nvPr/>
+      </p:nvGrpSpPr>
+      <p:grpSpPr>
+        <a:xfrm>
+          <a:off x="0" y="0"/>
+          <a:ext cx="0" cy="0"/>
+          <a:chOff x="0" y="0"/>
+          <a:chExt cx="0" cy="0"/>
+        </a:xfrm>
+      </p:grpSpPr>
+      <p:sp>
+        <p:nvSpPr>
+          <p:cNvPr id="2" name="Titre 1"/>
+          <p:cNvSpPr>
+            <a:spLocks noGrp="1"/>
+          </p:cNvSpPr>
+          <p:nvPr>
+            <p:ph type="ctrTitle"/>
+          </p:nvPr>
+        </p:nvSpPr>
+        <p:spPr>
+          <a:xfrm>
+            <a:off x="1389155" y="120768"/>
+            <a:ext cx="7470476" cy="859063"/>
+          </a:xfrm>
+        </p:spPr>
+        <p:txBody>
+          <a:bodyPr/>
+          <a:lstStyle/>
+          <a:p>
+            <a:r>
+              <a:rPr lang="fr-FR" dirty="0" smtClean="0"/>
+              <a:t>Problèmes rencontrés</a:t>
+            </a:r>
+            <a:endParaRPr lang="fr-FR" dirty="0"/>
+          </a:p>
+        </p:txBody>
+      </p:sp>
+      <p:sp>
+        <p:nvSpPr>
+          <p:cNvPr id="8" name="ZoneTexte 7"/>
+          <p:cNvSpPr txBox="1"/>
+          <p:nvPr/>
+        </p:nvSpPr>
+        <p:spPr>
+          <a:xfrm>
+            <a:off x="7882807" y="6519446"/>
+            <a:ext cx="4309193" cy="338554"/>
+          </a:xfrm>
+          <a:prstGeom prst="rect">
+            <a:avLst/>
+          </a:prstGeom>
+          <a:noFill/>
+        </p:spPr>
+        <p:txBody>
+          <a:bodyPr wrap="none" rtlCol="0">
+            <a:spAutoFit/>
+          </a:bodyPr>
+          <a:lstStyle/>
+          <a:p>
+            <a:r>
+              <a:rPr lang="fr-FR" sz="1600" dirty="0" smtClean="0">
+                <a:solidFill>
+                  <a:schemeClr val="bg2">
+                    <a:lumMod val="50000"/>
+                  </a:schemeClr>
+                </a:solidFill>
+              </a:rPr>
+              <a:t>Source: https</a:t>
+            </a:r>
+            <a:r>
+              <a:rPr lang="fr-FR" sz="1600" dirty="0">
+                <a:solidFill>
+                  <a:schemeClr val="bg2">
+                    <a:lumMod val="50000"/>
+                  </a:schemeClr>
+                </a:solidFill>
+              </a:rPr>
+              <a:t>://github.com/rbaumier/snake</a:t>
+            </a:r>
+          </a:p>
+        </p:txBody>
+      </p:sp>
+      <p:pic>
+        <p:nvPicPr>
+          <p:cNvPr id="3" name="Image 2"/>
+          <p:cNvPicPr>
+            <a:picLocks noChangeAspect="1"/>
+          </p:cNvPicPr>
+          <p:nvPr/>
+        </p:nvPicPr>
+        <p:blipFill>
+          <a:blip r:embed="rId2">
+            <a:extLst>
+              <a:ext uri="{28A0092B-C50C-407E-A947-70E740481C1C}">
+                <a14:useLocalDpi xmlns:a14="http://schemas.microsoft.com/office/drawing/2010/main" val="0"/>
+              </a:ext>
+            </a:extLst>
+          </a:blip>
+          <a:stretch>
+            <a:fillRect/>
+          </a:stretch>
+        </p:blipFill>
+        <p:spPr>
+          <a:xfrm>
+            <a:off x="209191" y="4571671"/>
+            <a:ext cx="2646315" cy="2117052"/>
+          </a:xfrm>
+          <a:prstGeom prst="rect">
+            <a:avLst/>
+          </a:prstGeom>
+        </p:spPr>
+      </p:pic>
+      <p:graphicFrame>
+        <p:nvGraphicFramePr>
+          <p:cNvPr id="23" name="Graphique 22"/>
+          <p:cNvGraphicFramePr/>
+          <p:nvPr>
+            <p:extLst>
+              <p:ext uri="{D42A27DB-BD31-4B8C-83A1-F6EECF244321}">
+                <p14:modId xmlns:p14="http://schemas.microsoft.com/office/powerpoint/2010/main" val="1950265080"/>
+              </p:ext>
+            </p:extLst>
+          </p:nvPr>
+        </p:nvGraphicFramePr>
+        <p:xfrm>
+          <a:off x="2214356" y="1362075"/>
+          <a:ext cx="6997700" cy="4338108"/>
+        </p:xfrm>
+        <a:graphic>
+          <a:graphicData uri="http://schemas.openxmlformats.org/drawingml/2006/chart">
+            <c:chart xmlns:c="http://schemas.openxmlformats.org/drawingml/2006/chart" xmlns:r="http://schemas.openxmlformats.org/officeDocument/2006/relationships" r:id="rId3"/>
+          </a:graphicData>
+        </a:graphic>
+      </p:graphicFrame>
+    </p:spTree>
+    <p:extLst>
+      <p:ext uri="{BB962C8B-B14F-4D97-AF65-F5344CB8AC3E}">
+        <p14:creationId xmlns:p14="http://schemas.microsoft.com/office/powerpoint/2010/main" val="1699413981"/>
+      </p:ext>
+    </p:extLst>
+  </p:cSld>
+  <p:clrMapOvr>
+    <a:masterClrMapping/>
+  </p:clrMapOvr>
+  <p:timing>
+    <p:tnLst>
+      <p:par>
+        <p:cTn id="1" dur="indefinite" restart="never" nodeType="tmRoot"/>
+      </p:par>
+    </p:tnLst>
+  </p:timing>
+</p:sld>
+</file>
+
+<file path=ppt/slides/slide11.xml><?xml version="1.0" encoding="utf-8"?>
+<p:sld xmlns:a="http://schemas.openxmlformats.org/drawingml/2006/main" xmlns:r="http://schemas.openxmlformats.org/officeDocument/2006/relationships" xmlns:p="http://schemas.openxmlformats.org/presentationml/2006/main">
+  <p:cSld>
+    <p:spTree>
+      <p:nvGrpSpPr>
+        <p:cNvPr id="1" name=""/>
+        <p:cNvGrpSpPr/>
+        <p:nvPr/>
+      </p:nvGrpSpPr>
+      <p:grpSpPr>
+        <a:xfrm>
+          <a:off x="0" y="0"/>
+          <a:ext cx="0" cy="0"/>
+          <a:chOff x="0" y="0"/>
+          <a:chExt cx="0" cy="0"/>
+        </a:xfrm>
+      </p:grpSpPr>
+      <p:pic>
+        <p:nvPicPr>
+          <p:cNvPr id="4" name="Espace réservé du contenu 3"/>
+          <p:cNvPicPr>
+            <a:picLocks noGrp="1" noChangeAspect="1"/>
+          </p:cNvPicPr>
+          <p:nvPr>
+            <p:ph idx="1"/>
+          </p:nvPr>
+        </p:nvPicPr>
+        <p:blipFill>
+          <a:blip r:embed="rId2">
+            <a:extLst>
+              <a:ext uri="{28A0092B-C50C-407E-A947-70E740481C1C}">
+                <a14:useLocalDpi xmlns:a14="http://schemas.microsoft.com/office/drawing/2010/main" val="0"/>
+              </a:ext>
+            </a:extLst>
+          </a:blip>
+          <a:stretch>
+            <a:fillRect/>
+          </a:stretch>
+        </p:blipFill>
+        <p:spPr>
+          <a:xfrm>
+            <a:off x="2022481" y="1268084"/>
+            <a:ext cx="6231936" cy="3901192"/>
+          </a:xfrm>
+        </p:spPr>
+      </p:pic>
+      <p:sp>
+        <p:nvSpPr>
+          <p:cNvPr id="5" name="ZoneTexte 4"/>
+          <p:cNvSpPr txBox="1"/>
+          <p:nvPr/>
+        </p:nvSpPr>
+        <p:spPr>
+          <a:xfrm>
+            <a:off x="7882807" y="6519446"/>
+            <a:ext cx="4309193" cy="338554"/>
+          </a:xfrm>
+          <a:prstGeom prst="rect">
+            <a:avLst/>
+          </a:prstGeom>
+          <a:noFill/>
+        </p:spPr>
+        <p:txBody>
+          <a:bodyPr wrap="none" rtlCol="0">
+            <a:spAutoFit/>
+          </a:bodyPr>
+          <a:lstStyle/>
+          <a:p>
+            <a:r>
+              <a:rPr lang="fr-FR" sz="1600" dirty="0" smtClean="0">
+                <a:solidFill>
+                  <a:schemeClr val="bg2">
+                    <a:lumMod val="50000"/>
+                  </a:schemeClr>
+                </a:solidFill>
+              </a:rPr>
+              <a:t>Source: https</a:t>
+            </a:r>
+            <a:r>
+              <a:rPr lang="fr-FR" sz="1600" dirty="0">
+                <a:solidFill>
+                  <a:schemeClr val="bg2">
+                    <a:lumMod val="50000"/>
+                  </a:schemeClr>
+                </a:solidFill>
+              </a:rPr>
+              <a:t>://github.com/rbaumier/snake</a:t>
+            </a:r>
+          </a:p>
+        </p:txBody>
+      </p:sp>
+    </p:spTree>
+    <p:extLst>
+      <p:ext uri="{BB962C8B-B14F-4D97-AF65-F5344CB8AC3E}">
+        <p14:creationId xmlns:p14="http://schemas.microsoft.com/office/powerpoint/2010/main" val="2457564865"/>
+      </p:ext>
+    </p:extLst>
+  </p:cSld>
+  <p:clrMapOvr>
+    <a:masterClrMapping/>
+  </p:clrMapOvr>
+  <p:timing>
+    <p:tnLst>
+      <p:par>
+        <p:cTn id="1" dur="indefinite" restart="never" nodeType="tmRoot"/>
+      </p:par>
+    </p:tnLst>
+  </p:timing>
+</p:sld>
+</file>
+
 <file path=ppt/slides/slide2.xml><?xml version="1.0" encoding="utf-8"?>
 <p:sld xmlns:a="http://schemas.openxmlformats.org/drawingml/2006/main" xmlns:r="http://schemas.openxmlformats.org/officeDocument/2006/relationships" xmlns:p="http://schemas.openxmlformats.org/presentationml/2006/main">
   <p:cSld>
@@ -6385,7 +12634,7 @@
             <a:pPr algn="ctr"/>
             <a:r>
               <a:rPr lang="fr-FR" dirty="0" smtClean="0"/>
-              <a:t>Modèles</a:t>
+              <a:t>Modèles(1/2):</a:t>
             </a:r>
             <a:endParaRPr lang="fr-FR" dirty="0"/>
           </a:p>
@@ -6393,18 +12642,329 @@
       </p:sp>
       <p:sp>
         <p:nvSpPr>
-          <p:cNvPr id="3" name="Espace réservé du contenu 2"/>
-          <p:cNvSpPr>
-            <a:spLocks noGrp="1"/>
-          </p:cNvSpPr>
-          <p:nvPr>
-            <p:ph idx="1"/>
-          </p:nvPr>
+          <p:cNvPr id="5" name="ZoneTexte 4"/>
+          <p:cNvSpPr txBox="1"/>
+          <p:nvPr/>
         </p:nvSpPr>
-        <p:spPr/>
+        <p:spPr>
+          <a:xfrm>
+            <a:off x="7882807" y="6519446"/>
+            <a:ext cx="4309193" cy="338554"/>
+          </a:xfrm>
+          <a:prstGeom prst="rect">
+            <a:avLst/>
+          </a:prstGeom>
+          <a:noFill/>
+        </p:spPr>
         <p:txBody>
-          <a:bodyPr/>
+          <a:bodyPr wrap="none" rtlCol="0">
+            <a:spAutoFit/>
+          </a:bodyPr>
           <a:lstStyle/>
+          <a:p>
+            <a:r>
+              <a:rPr lang="fr-FR" sz="1600" dirty="0" smtClean="0">
+                <a:solidFill>
+                  <a:schemeClr val="bg2">
+                    <a:lumMod val="50000"/>
+                  </a:schemeClr>
+                </a:solidFill>
+              </a:rPr>
+              <a:t>Source: https</a:t>
+            </a:r>
+            <a:r>
+              <a:rPr lang="fr-FR" sz="1600" dirty="0">
+                <a:solidFill>
+                  <a:schemeClr val="bg2">
+                    <a:lumMod val="50000"/>
+                  </a:schemeClr>
+                </a:solidFill>
+              </a:rPr>
+              <a:t>://github.com/rbaumier/snake</a:t>
+            </a:r>
+          </a:p>
+        </p:txBody>
+      </p:sp>
+      <p:pic>
+        <p:nvPicPr>
+          <p:cNvPr id="6" name="Image 5"/>
+          <p:cNvPicPr>
+            <a:picLocks noChangeAspect="1"/>
+          </p:cNvPicPr>
+          <p:nvPr/>
+        </p:nvPicPr>
+        <p:blipFill>
+          <a:blip r:embed="rId2">
+            <a:extLst>
+              <a:ext uri="{28A0092B-C50C-407E-A947-70E740481C1C}">
+                <a14:useLocalDpi xmlns:a14="http://schemas.microsoft.com/office/drawing/2010/main" val="0"/>
+              </a:ext>
+            </a:extLst>
+          </a:blip>
+          <a:stretch>
+            <a:fillRect/>
+          </a:stretch>
+        </p:blipFill>
+        <p:spPr>
+          <a:xfrm>
+            <a:off x="565191" y="3025171"/>
+            <a:ext cx="1328047" cy="1328047"/>
+          </a:xfrm>
+          <a:prstGeom prst="rect">
+            <a:avLst/>
+          </a:prstGeom>
+        </p:spPr>
+      </p:pic>
+      <p:sp>
+        <p:nvSpPr>
+          <p:cNvPr id="7" name="ZoneTexte 6"/>
+          <p:cNvSpPr txBox="1"/>
+          <p:nvPr/>
+        </p:nvSpPr>
+        <p:spPr>
+          <a:xfrm>
+            <a:off x="2171700" y="3202319"/>
+            <a:ext cx="8153400" cy="1477328"/>
+          </a:xfrm>
+          <a:prstGeom prst="rect">
+            <a:avLst/>
+          </a:prstGeom>
+          <a:noFill/>
+        </p:spPr>
+        <p:txBody>
+          <a:bodyPr wrap="square" rtlCol="0">
+            <a:spAutoFit/>
+          </a:bodyPr>
+          <a:lstStyle/>
+          <a:p>
+            <a:r>
+              <a:rPr lang="fr-FR" b="1" dirty="0" smtClean="0"/>
+              <a:t>Fruit:</a:t>
+            </a:r>
+          </a:p>
+          <a:p>
+            <a:pPr lvl="0"/>
+            <a:r>
+              <a:rPr lang="fr-FR" altLang="fr-FR" dirty="0">
+                <a:latin typeface="Arial Unicode MS" panose="020B0604020202020204" pitchFamily="34" charset="-128"/>
+              </a:rPr>
+              <a:t>Le fruit doit être mangé par le </a:t>
+            </a:r>
+            <a:r>
+              <a:rPr lang="fr-FR" altLang="fr-FR" dirty="0" err="1">
+                <a:latin typeface="Arial Unicode MS" panose="020B0604020202020204" pitchFamily="34" charset="-128"/>
+              </a:rPr>
+              <a:t>snake</a:t>
+            </a:r>
+            <a:r>
+              <a:rPr lang="fr-FR" altLang="fr-FR" dirty="0">
+                <a:latin typeface="Arial Unicode MS" panose="020B0604020202020204" pitchFamily="34" charset="-128"/>
+              </a:rPr>
+              <a:t>. Il n’y en aura qu’un seul sur le monde à chaque fois. Le fait de le manger va augmenter le score du joueur, la taille du </a:t>
+            </a:r>
+            <a:r>
+              <a:rPr lang="fr-FR" altLang="fr-FR" dirty="0" err="1">
+                <a:latin typeface="Arial Unicode MS" panose="020B0604020202020204" pitchFamily="34" charset="-128"/>
+              </a:rPr>
+              <a:t>snake</a:t>
+            </a:r>
+            <a:r>
+              <a:rPr lang="fr-FR" altLang="fr-FR" dirty="0">
+                <a:latin typeface="Arial Unicode MS" panose="020B0604020202020204" pitchFamily="34" charset="-128"/>
+              </a:rPr>
+              <a:t> de 1 et va replacer un nouveau fruit à un endroit aléatoire sur le monde.</a:t>
+            </a:r>
+            <a:r>
+              <a:rPr lang="fr-FR" altLang="fr-FR" sz="1400" dirty="0"/>
+              <a:t> </a:t>
+            </a:r>
+            <a:endParaRPr lang="fr-FR" altLang="fr-FR" sz="4000" dirty="0">
+              <a:latin typeface="Arial" panose="020B0604020202020204" pitchFamily="34" charset="0"/>
+            </a:endParaRPr>
+          </a:p>
+          <a:p>
+            <a:endParaRPr lang="fr-FR" dirty="0"/>
+          </a:p>
+        </p:txBody>
+      </p:sp>
+      <p:pic>
+        <p:nvPicPr>
+          <p:cNvPr id="10" name="Image 9"/>
+          <p:cNvPicPr>
+            <a:picLocks noChangeAspect="1"/>
+          </p:cNvPicPr>
+          <p:nvPr/>
+        </p:nvPicPr>
+        <p:blipFill>
+          <a:blip r:embed="rId3">
+            <a:extLst>
+              <a:ext uri="{28A0092B-C50C-407E-A947-70E740481C1C}">
+                <a14:useLocalDpi xmlns:a14="http://schemas.microsoft.com/office/drawing/2010/main" val="0"/>
+              </a:ext>
+            </a:extLst>
+          </a:blip>
+          <a:stretch>
+            <a:fillRect/>
+          </a:stretch>
+        </p:blipFill>
+        <p:spPr>
+          <a:xfrm>
+            <a:off x="565190" y="1302182"/>
+            <a:ext cx="1328047" cy="1328047"/>
+          </a:xfrm>
+          <a:prstGeom prst="rect">
+            <a:avLst/>
+          </a:prstGeom>
+        </p:spPr>
+      </p:pic>
+      <p:sp>
+        <p:nvSpPr>
+          <p:cNvPr id="11" name="ZoneTexte 10"/>
+          <p:cNvSpPr txBox="1"/>
+          <p:nvPr/>
+        </p:nvSpPr>
+        <p:spPr>
+          <a:xfrm>
+            <a:off x="2171700" y="1397466"/>
+            <a:ext cx="8153400" cy="2092881"/>
+          </a:xfrm>
+          <a:prstGeom prst="rect">
+            <a:avLst/>
+          </a:prstGeom>
+          <a:noFill/>
+        </p:spPr>
+        <p:txBody>
+          <a:bodyPr wrap="square" rtlCol="0">
+            <a:spAutoFit/>
+          </a:bodyPr>
+          <a:lstStyle/>
+          <a:p>
+            <a:r>
+              <a:rPr lang="fr-FR" b="1" dirty="0" smtClean="0"/>
+              <a:t>Snake:</a:t>
+            </a:r>
+          </a:p>
+          <a:p>
+            <a:pPr lvl="0"/>
+            <a:r>
+              <a:rPr lang="fr-FR" altLang="fr-FR" dirty="0" smtClean="0"/>
+              <a:t>Le </a:t>
+            </a:r>
+            <a:r>
+              <a:rPr lang="fr-FR" altLang="fr-FR" dirty="0" err="1"/>
+              <a:t>snake</a:t>
+            </a:r>
+            <a:r>
+              <a:rPr lang="fr-FR" altLang="fr-FR" dirty="0"/>
+              <a:t> est l’élément principal du jeu, il y en un seul sur le monde et il est de taille variable, il grandit pour chaque fruit mangé. Le </a:t>
+            </a:r>
+            <a:r>
+              <a:rPr lang="fr-FR" altLang="fr-FR" dirty="0" err="1"/>
+              <a:t>snake</a:t>
+            </a:r>
+            <a:r>
+              <a:rPr lang="fr-FR" altLang="fr-FR" dirty="0"/>
+              <a:t> est contrôlé directement par le joueur. </a:t>
+            </a:r>
+          </a:p>
+          <a:p>
+            <a:pPr lvl="0"/>
+            <a:endParaRPr lang="fr-FR" altLang="fr-FR" sz="4000" dirty="0">
+              <a:latin typeface="Arial" panose="020B0604020202020204" pitchFamily="34" charset="0"/>
+            </a:endParaRPr>
+          </a:p>
+          <a:p>
+            <a:endParaRPr lang="fr-FR" dirty="0"/>
+          </a:p>
+        </p:txBody>
+      </p:sp>
+      <p:pic>
+        <p:nvPicPr>
+          <p:cNvPr id="12" name="Image 11"/>
+          <p:cNvPicPr>
+            <a:picLocks noChangeAspect="1"/>
+          </p:cNvPicPr>
+          <p:nvPr/>
+        </p:nvPicPr>
+        <p:blipFill>
+          <a:blip r:embed="rId4">
+            <a:extLst>
+              <a:ext uri="{28A0092B-C50C-407E-A947-70E740481C1C}">
+                <a14:useLocalDpi xmlns:a14="http://schemas.microsoft.com/office/drawing/2010/main" val="0"/>
+              </a:ext>
+            </a:extLst>
+          </a:blip>
+          <a:stretch>
+            <a:fillRect/>
+          </a:stretch>
+        </p:blipFill>
+        <p:spPr>
+          <a:xfrm>
+            <a:off x="565190" y="5007172"/>
+            <a:ext cx="1377392" cy="1033044"/>
+          </a:xfrm>
+          <a:prstGeom prst="rect">
+            <a:avLst/>
+          </a:prstGeom>
+        </p:spPr>
+      </p:pic>
+      <p:sp>
+        <p:nvSpPr>
+          <p:cNvPr id="13" name="ZoneTexte 12"/>
+          <p:cNvSpPr txBox="1"/>
+          <p:nvPr/>
+        </p:nvSpPr>
+        <p:spPr>
+          <a:xfrm>
+            <a:off x="2171700" y="5007172"/>
+            <a:ext cx="8153400" cy="1477328"/>
+          </a:xfrm>
+          <a:prstGeom prst="rect">
+            <a:avLst/>
+          </a:prstGeom>
+          <a:noFill/>
+        </p:spPr>
+        <p:txBody>
+          <a:bodyPr wrap="square" rtlCol="0">
+            <a:spAutoFit/>
+          </a:bodyPr>
+          <a:lstStyle/>
+          <a:p>
+            <a:r>
+              <a:rPr lang="fr-FR" b="1" dirty="0" smtClean="0"/>
+              <a:t>World:</a:t>
+            </a:r>
+          </a:p>
+          <a:p>
+            <a:pPr lvl="0"/>
+            <a:r>
+              <a:rPr lang="fr-FR" altLang="fr-FR" dirty="0" smtClean="0"/>
+              <a:t>Le </a:t>
+            </a:r>
+            <a:r>
+              <a:rPr lang="fr-FR" altLang="fr-FR" dirty="0"/>
+              <a:t>monde où </a:t>
+            </a:r>
+            <a:r>
+              <a:rPr lang="fr-FR" altLang="fr-FR" dirty="0" err="1"/>
+              <a:t>evolue</a:t>
+            </a:r>
+            <a:r>
+              <a:rPr lang="fr-FR" altLang="fr-FR" dirty="0"/>
+              <a:t> le </a:t>
+            </a:r>
+            <a:r>
+              <a:rPr lang="fr-FR" altLang="fr-FR" dirty="0" err="1"/>
+              <a:t>snake</a:t>
+            </a:r>
+            <a:r>
+              <a:rPr lang="fr-FR" altLang="fr-FR" dirty="0"/>
+              <a:t>. Il est composé de cellules. L’ensemble de ses déplacements se fait à l’intérieur de ce monde. En cas de sortie de celui-ci, la partie est terminée.</a:t>
+            </a:r>
+            <a:endParaRPr lang="fr-FR" altLang="fr-FR" dirty="0">
+              <a:latin typeface="Arial" panose="020B0604020202020204" pitchFamily="34" charset="0"/>
+            </a:endParaRPr>
+          </a:p>
           <a:p>
             <a:endParaRPr lang="fr-FR" dirty="0"/>
           </a:p>
@@ -6431,6 +12991,523 @@
 </file>
 
 <file path=ppt/slides/slide4.xml><?xml version="1.0" encoding="utf-8"?>
+<p:sld xmlns:a="http://schemas.openxmlformats.org/drawingml/2006/main" xmlns:r="http://schemas.openxmlformats.org/officeDocument/2006/relationships" xmlns:p="http://schemas.openxmlformats.org/presentationml/2006/main">
+  <p:cSld>
+    <p:spTree>
+      <p:nvGrpSpPr>
+        <p:cNvPr id="1" name=""/>
+        <p:cNvGrpSpPr/>
+        <p:nvPr/>
+      </p:nvGrpSpPr>
+      <p:grpSpPr>
+        <a:xfrm>
+          <a:off x="0" y="0"/>
+          <a:ext cx="0" cy="0"/>
+          <a:chOff x="0" y="0"/>
+          <a:chExt cx="0" cy="0"/>
+        </a:xfrm>
+      </p:grpSpPr>
+      <p:sp>
+        <p:nvSpPr>
+          <p:cNvPr id="2" name="Titre 1"/>
+          <p:cNvSpPr>
+            <a:spLocks noGrp="1"/>
+          </p:cNvSpPr>
+          <p:nvPr>
+            <p:ph type="title"/>
+          </p:nvPr>
+        </p:nvSpPr>
+        <p:spPr>
+          <a:xfrm>
+            <a:off x="565191" y="161027"/>
+            <a:ext cx="8596668" cy="1320800"/>
+          </a:xfrm>
+        </p:spPr>
+        <p:txBody>
+          <a:bodyPr/>
+          <a:lstStyle/>
+          <a:p>
+            <a:pPr algn="ctr"/>
+            <a:r>
+              <a:rPr lang="fr-FR" dirty="0" smtClean="0"/>
+              <a:t>Modèles(2/2):</a:t>
+            </a:r>
+            <a:endParaRPr lang="fr-FR" dirty="0"/>
+          </a:p>
+        </p:txBody>
+      </p:sp>
+      <p:sp>
+        <p:nvSpPr>
+          <p:cNvPr id="5" name="ZoneTexte 4"/>
+          <p:cNvSpPr txBox="1"/>
+          <p:nvPr/>
+        </p:nvSpPr>
+        <p:spPr>
+          <a:xfrm>
+            <a:off x="7882807" y="6519446"/>
+            <a:ext cx="4309193" cy="338554"/>
+          </a:xfrm>
+          <a:prstGeom prst="rect">
+            <a:avLst/>
+          </a:prstGeom>
+          <a:noFill/>
+        </p:spPr>
+        <p:txBody>
+          <a:bodyPr wrap="none" rtlCol="0">
+            <a:spAutoFit/>
+          </a:bodyPr>
+          <a:lstStyle/>
+          <a:p>
+            <a:r>
+              <a:rPr lang="fr-FR" sz="1600" dirty="0" smtClean="0">
+                <a:solidFill>
+                  <a:schemeClr val="bg2">
+                    <a:lumMod val="50000"/>
+                  </a:schemeClr>
+                </a:solidFill>
+              </a:rPr>
+              <a:t>Source: https</a:t>
+            </a:r>
+            <a:r>
+              <a:rPr lang="fr-FR" sz="1600" dirty="0">
+                <a:solidFill>
+                  <a:schemeClr val="bg2">
+                    <a:lumMod val="50000"/>
+                  </a:schemeClr>
+                </a:solidFill>
+              </a:rPr>
+              <a:t>://github.com/rbaumier/snake</a:t>
+            </a:r>
+          </a:p>
+        </p:txBody>
+      </p:sp>
+      <p:sp>
+        <p:nvSpPr>
+          <p:cNvPr id="7" name="ZoneTexte 6"/>
+          <p:cNvSpPr txBox="1"/>
+          <p:nvPr/>
+        </p:nvSpPr>
+        <p:spPr>
+          <a:xfrm>
+            <a:off x="2313845" y="1436332"/>
+            <a:ext cx="8153400" cy="923330"/>
+          </a:xfrm>
+          <a:prstGeom prst="rect">
+            <a:avLst/>
+          </a:prstGeom>
+          <a:noFill/>
+        </p:spPr>
+        <p:txBody>
+          <a:bodyPr wrap="square" rtlCol="0">
+            <a:spAutoFit/>
+          </a:bodyPr>
+          <a:lstStyle/>
+          <a:p>
+            <a:r>
+              <a:rPr lang="fr-FR" b="1" dirty="0" smtClean="0"/>
+              <a:t>Player:</a:t>
+            </a:r>
+          </a:p>
+          <a:p>
+            <a:pPr lvl="0"/>
+            <a:r>
+              <a:rPr lang="fr-FR" altLang="fr-FR" dirty="0" smtClean="0">
+                <a:latin typeface="Arial Unicode MS" panose="020B0604020202020204" pitchFamily="34" charset="-128"/>
+              </a:rPr>
+              <a:t>Le joueur de la partie.</a:t>
+            </a:r>
+            <a:endParaRPr lang="fr-FR" altLang="fr-FR" sz="4000" dirty="0">
+              <a:latin typeface="Arial" panose="020B0604020202020204" pitchFamily="34" charset="0"/>
+            </a:endParaRPr>
+          </a:p>
+          <a:p>
+            <a:endParaRPr lang="fr-FR" dirty="0"/>
+          </a:p>
+        </p:txBody>
+      </p:sp>
+      <p:sp>
+        <p:nvSpPr>
+          <p:cNvPr id="11" name="ZoneTexte 10"/>
+          <p:cNvSpPr txBox="1"/>
+          <p:nvPr/>
+        </p:nvSpPr>
+        <p:spPr>
+          <a:xfrm>
+            <a:off x="2313845" y="4486777"/>
+            <a:ext cx="8153400" cy="1200329"/>
+          </a:xfrm>
+          <a:prstGeom prst="rect">
+            <a:avLst/>
+          </a:prstGeom>
+          <a:noFill/>
+        </p:spPr>
+        <p:txBody>
+          <a:bodyPr wrap="square" rtlCol="0">
+            <a:spAutoFit/>
+          </a:bodyPr>
+          <a:lstStyle/>
+          <a:p>
+            <a:r>
+              <a:rPr lang="fr-FR" b="1" dirty="0" err="1" smtClean="0"/>
+              <a:t>Timer</a:t>
+            </a:r>
+            <a:r>
+              <a:rPr lang="fr-FR" b="1" dirty="0" smtClean="0"/>
+              <a:t> (Thread):</a:t>
+            </a:r>
+          </a:p>
+          <a:p>
+            <a:pPr lvl="0"/>
+            <a:r>
+              <a:rPr lang="fr-FR" altLang="fr-FR" dirty="0">
+                <a:latin typeface="Arial" panose="020B0604020202020204" pitchFamily="34" charset="0"/>
+              </a:rPr>
+              <a:t>Ce thread aura une fonction de décompte du temps. Il sera exécuté en parallèle du thread principal.</a:t>
+            </a:r>
+          </a:p>
+          <a:p>
+            <a:endParaRPr lang="fr-FR" dirty="0"/>
+          </a:p>
+        </p:txBody>
+      </p:sp>
+      <p:pic>
+        <p:nvPicPr>
+          <p:cNvPr id="3" name="Image 2"/>
+          <p:cNvPicPr>
+            <a:picLocks noChangeAspect="1"/>
+          </p:cNvPicPr>
+          <p:nvPr/>
+        </p:nvPicPr>
+        <p:blipFill>
+          <a:blip r:embed="rId2">
+            <a:extLst>
+              <a:ext uri="{28A0092B-C50C-407E-A947-70E740481C1C}">
+                <a14:useLocalDpi xmlns:a14="http://schemas.microsoft.com/office/drawing/2010/main" val="0"/>
+              </a:ext>
+            </a:extLst>
+          </a:blip>
+          <a:stretch>
+            <a:fillRect/>
+          </a:stretch>
+        </p:blipFill>
+        <p:spPr>
+          <a:xfrm>
+            <a:off x="887327" y="1246240"/>
+            <a:ext cx="1104382" cy="1655764"/>
+          </a:xfrm>
+          <a:prstGeom prst="rect">
+            <a:avLst/>
+          </a:prstGeom>
+        </p:spPr>
+      </p:pic>
+      <p:pic>
+        <p:nvPicPr>
+          <p:cNvPr id="8" name="Image 7"/>
+          <p:cNvPicPr>
+            <a:picLocks noChangeAspect="1"/>
+          </p:cNvPicPr>
+          <p:nvPr/>
+        </p:nvPicPr>
+        <p:blipFill>
+          <a:blip r:embed="rId3">
+            <a:extLst>
+              <a:ext uri="{28A0092B-C50C-407E-A947-70E740481C1C}">
+                <a14:useLocalDpi xmlns:a14="http://schemas.microsoft.com/office/drawing/2010/main" val="0"/>
+              </a:ext>
+            </a:extLst>
+          </a:blip>
+          <a:stretch>
+            <a:fillRect/>
+          </a:stretch>
+        </p:blipFill>
+        <p:spPr>
+          <a:xfrm>
+            <a:off x="833400" y="4486777"/>
+            <a:ext cx="1212236" cy="1458329"/>
+          </a:xfrm>
+          <a:prstGeom prst="rect">
+            <a:avLst/>
+          </a:prstGeom>
+        </p:spPr>
+      </p:pic>
+    </p:spTree>
+    <p:extLst>
+      <p:ext uri="{BB962C8B-B14F-4D97-AF65-F5344CB8AC3E}">
+        <p14:creationId xmlns:p14="http://schemas.microsoft.com/office/powerpoint/2010/main" val="3012208352"/>
+      </p:ext>
+    </p:extLst>
+  </p:cSld>
+  <p:clrMapOvr>
+    <a:masterClrMapping/>
+  </p:clrMapOvr>
+  <p:timing>
+    <p:tnLst>
+      <p:par>
+        <p:cTn id="1" dur="indefinite" restart="never" nodeType="tmRoot">
+          <p:childTnLst>
+            <p:seq concurrent="1" nextAc="seek">
+              <p:cTn id="2" dur="indefinite" nodeType="mainSeq">
+                <p:childTnLst>
+                  <p:par>
+                    <p:cTn id="3" fill="hold">
+                      <p:stCondLst>
+                        <p:cond delay="indefinite"/>
+                        <p:cond evt="onBegin" delay="0">
+                          <p:tn val="2"/>
+                        </p:cond>
+                      </p:stCondLst>
+                      <p:childTnLst>
+                        <p:par>
+                          <p:cTn id="4" fill="hold">
+                            <p:stCondLst>
+                              <p:cond delay="0"/>
+                            </p:stCondLst>
+                            <p:childTnLst>
+                              <p:par>
+                                <p:cTn id="5" presetID="21" presetClass="entr" presetSubtype="1" fill="hold" nodeType="withEffect">
+                                  <p:stCondLst>
+                                    <p:cond delay="0"/>
+                                  </p:stCondLst>
+                                  <p:childTnLst>
+                                    <p:set>
+                                      <p:cBhvr>
+                                        <p:cTn id="6" dur="1" fill="hold">
+                                          <p:stCondLst>
+                                            <p:cond delay="0"/>
+                                          </p:stCondLst>
+                                        </p:cTn>
+                                        <p:tgtEl>
+                                          <p:spTgt spid="3"/>
+                                        </p:tgtEl>
+                                        <p:attrNameLst>
+                                          <p:attrName>style.visibility</p:attrName>
+                                        </p:attrNameLst>
+                                      </p:cBhvr>
+                                      <p:to>
+                                        <p:strVal val="visible"/>
+                                      </p:to>
+                                    </p:set>
+                                    <p:animEffect transition="in" filter="wheel(1)">
+                                      <p:cBhvr>
+                                        <p:cTn id="7" dur="2000"/>
+                                        <p:tgtEl>
+                                          <p:spTgt spid="3"/>
+                                        </p:tgtEl>
+                                      </p:cBhvr>
+                                    </p:animEffect>
+                                  </p:childTnLst>
+                                </p:cTn>
+                              </p:par>
+                            </p:childTnLst>
+                          </p:cTn>
+                        </p:par>
+                      </p:childTnLst>
+                    </p:cTn>
+                  </p:par>
+                </p:childTnLst>
+              </p:cTn>
+              <p:prevCondLst>
+                <p:cond evt="onPrev" delay="0">
+                  <p:tgtEl>
+                    <p:sldTgt/>
+                  </p:tgtEl>
+                </p:cond>
+              </p:prevCondLst>
+              <p:nextCondLst>
+                <p:cond evt="onNext" delay="0">
+                  <p:tgtEl>
+                    <p:sldTgt/>
+                  </p:tgtEl>
+                </p:cond>
+              </p:nextCondLst>
+            </p:seq>
+          </p:childTnLst>
+        </p:cTn>
+      </p:par>
+    </p:tnLst>
+  </p:timing>
+</p:sld>
+</file>
+
+<file path=ppt/slides/slide5.xml><?xml version="1.0" encoding="utf-8"?>
+<p:sld xmlns:a="http://schemas.openxmlformats.org/drawingml/2006/main" xmlns:r="http://schemas.openxmlformats.org/officeDocument/2006/relationships" xmlns:p="http://schemas.openxmlformats.org/presentationml/2006/main">
+  <p:cSld>
+    <p:spTree>
+      <p:nvGrpSpPr>
+        <p:cNvPr id="1" name=""/>
+        <p:cNvGrpSpPr/>
+        <p:nvPr/>
+      </p:nvGrpSpPr>
+      <p:grpSpPr>
+        <a:xfrm>
+          <a:off x="0" y="0"/>
+          <a:ext cx="0" cy="0"/>
+          <a:chOff x="0" y="0"/>
+          <a:chExt cx="0" cy="0"/>
+        </a:xfrm>
+      </p:grpSpPr>
+      <p:sp>
+        <p:nvSpPr>
+          <p:cNvPr id="2" name="Titre 1"/>
+          <p:cNvSpPr>
+            <a:spLocks noGrp="1"/>
+          </p:cNvSpPr>
+          <p:nvPr>
+            <p:ph type="title"/>
+          </p:nvPr>
+        </p:nvSpPr>
+        <p:spPr/>
+        <p:txBody>
+          <a:bodyPr/>
+          <a:lstStyle/>
+          <a:p>
+            <a:pPr algn="ctr"/>
+            <a:r>
+              <a:rPr lang="fr-FR" dirty="0" smtClean="0"/>
+              <a:t>Infographie</a:t>
+            </a:r>
+            <a:endParaRPr lang="fr-FR" dirty="0"/>
+          </a:p>
+        </p:txBody>
+      </p:sp>
+      <p:sp>
+        <p:nvSpPr>
+          <p:cNvPr id="3" name="Espace réservé du contenu 2"/>
+          <p:cNvSpPr>
+            <a:spLocks noGrp="1"/>
+          </p:cNvSpPr>
+          <p:nvPr>
+            <p:ph idx="1"/>
+          </p:nvPr>
+        </p:nvSpPr>
+        <p:spPr/>
+        <p:txBody>
+          <a:bodyPr/>
+          <a:lstStyle/>
+          <a:p>
+            <a:r>
+              <a:rPr lang="fr-FR" dirty="0"/>
+              <a:t>Afin de dessiner notre </a:t>
+            </a:r>
+            <a:r>
+              <a:rPr lang="fr-FR" dirty="0" err="1"/>
+              <a:t>board</a:t>
+            </a:r>
+            <a:r>
+              <a:rPr lang="fr-FR" dirty="0"/>
+              <a:t> (qui contiendra les cases du jeu), nous effectuerons les calculs suivants </a:t>
+            </a:r>
+            <a:r>
+              <a:rPr lang="fr-FR" dirty="0" smtClean="0"/>
+              <a:t>(version </a:t>
+            </a:r>
+            <a:r>
+              <a:rPr lang="fr-FR" dirty="0" err="1" smtClean="0"/>
+              <a:t>pseudo-code</a:t>
+            </a:r>
+            <a:r>
+              <a:rPr lang="fr-FR" dirty="0"/>
+              <a:t>) :</a:t>
+            </a:r>
+          </a:p>
+        </p:txBody>
+      </p:sp>
+      <p:pic>
+        <p:nvPicPr>
+          <p:cNvPr id="4" name="Image 3"/>
+          <p:cNvPicPr>
+            <a:picLocks noChangeAspect="1"/>
+          </p:cNvPicPr>
+          <p:nvPr/>
+        </p:nvPicPr>
+        <p:blipFill>
+          <a:blip r:embed="rId2">
+            <a:extLst>
+              <a:ext uri="{28A0092B-C50C-407E-A947-70E740481C1C}">
+                <a14:useLocalDpi xmlns:a14="http://schemas.microsoft.com/office/drawing/2010/main" val="0"/>
+              </a:ext>
+            </a:extLst>
+          </a:blip>
+          <a:stretch>
+            <a:fillRect/>
+          </a:stretch>
+        </p:blipFill>
+        <p:spPr>
+          <a:xfrm>
+            <a:off x="753534" y="3113317"/>
+            <a:ext cx="8709985" cy="2223212"/>
+          </a:xfrm>
+          <a:prstGeom prst="rect">
+            <a:avLst/>
+          </a:prstGeom>
+        </p:spPr>
+      </p:pic>
+      <p:sp>
+        <p:nvSpPr>
+          <p:cNvPr id="5" name="ZoneTexte 4"/>
+          <p:cNvSpPr txBox="1"/>
+          <p:nvPr/>
+        </p:nvSpPr>
+        <p:spPr>
+          <a:xfrm>
+            <a:off x="7882807" y="6519446"/>
+            <a:ext cx="4309193" cy="338554"/>
+          </a:xfrm>
+          <a:prstGeom prst="rect">
+            <a:avLst/>
+          </a:prstGeom>
+          <a:noFill/>
+        </p:spPr>
+        <p:txBody>
+          <a:bodyPr wrap="none" rtlCol="0">
+            <a:spAutoFit/>
+          </a:bodyPr>
+          <a:lstStyle/>
+          <a:p>
+            <a:r>
+              <a:rPr lang="fr-FR" sz="1600" dirty="0" smtClean="0">
+                <a:solidFill>
+                  <a:schemeClr val="bg2">
+                    <a:lumMod val="50000"/>
+                  </a:schemeClr>
+                </a:solidFill>
+              </a:rPr>
+              <a:t>Source: https</a:t>
+            </a:r>
+            <a:r>
+              <a:rPr lang="fr-FR" sz="1600" dirty="0">
+                <a:solidFill>
+                  <a:schemeClr val="bg2">
+                    <a:lumMod val="50000"/>
+                  </a:schemeClr>
+                </a:solidFill>
+              </a:rPr>
+              <a:t>://github.com/rbaumier/snake</a:t>
+            </a:r>
+          </a:p>
+        </p:txBody>
+      </p:sp>
+    </p:spTree>
+    <p:extLst>
+      <p:ext uri="{BB962C8B-B14F-4D97-AF65-F5344CB8AC3E}">
+        <p14:creationId xmlns:p14="http://schemas.microsoft.com/office/powerpoint/2010/main" val="1110366356"/>
+      </p:ext>
+    </p:extLst>
+  </p:cSld>
+  <p:clrMapOvr>
+    <a:masterClrMapping/>
+  </p:clrMapOvr>
+  <p:timing>
+    <p:tnLst>
+      <p:par>
+        <p:cTn id="1" dur="indefinite" restart="never" nodeType="tmRoot"/>
+      </p:par>
+    </p:tnLst>
+  </p:timing>
+</p:sld>
+</file>
+
+<file path=ppt/slides/slide6.xml><?xml version="1.0" encoding="utf-8"?>
 <p:sld xmlns:a="http://schemas.openxmlformats.org/drawingml/2006/main" xmlns:r="http://schemas.openxmlformats.org/officeDocument/2006/relationships" xmlns:p="http://schemas.openxmlformats.org/presentationml/2006/main">
   <p:cSld>
     <p:spTree>
@@ -6570,7 +13647,7 @@
 </p:sld>
 </file>
 
-<file path=ppt/slides/slide5.xml><?xml version="1.0" encoding="utf-8"?>
+<file path=ppt/slides/slide7.xml><?xml version="1.0" encoding="utf-8"?>
 <p:sld xmlns:a="http://schemas.openxmlformats.org/drawingml/2006/main" xmlns:r="http://schemas.openxmlformats.org/officeDocument/2006/relationships" xmlns:p="http://schemas.openxmlformats.org/presentationml/2006/main">
   <p:cSld>
     <p:spTree>
@@ -6618,6 +13695,84 @@
           </a:p>
         </p:txBody>
       </p:sp>
+      <p:sp>
+        <p:nvSpPr>
+          <p:cNvPr id="4" name="ZoneTexte 3"/>
+          <p:cNvSpPr txBox="1"/>
+          <p:nvPr/>
+        </p:nvSpPr>
+        <p:spPr>
+          <a:xfrm>
+            <a:off x="7882807" y="6519446"/>
+            <a:ext cx="4309193" cy="338554"/>
+          </a:xfrm>
+          <a:prstGeom prst="rect">
+            <a:avLst/>
+          </a:prstGeom>
+          <a:noFill/>
+        </p:spPr>
+        <p:txBody>
+          <a:bodyPr wrap="none" rtlCol="0">
+            <a:spAutoFit/>
+          </a:bodyPr>
+          <a:lstStyle/>
+          <a:p>
+            <a:r>
+              <a:rPr lang="fr-FR" sz="1600" dirty="0" smtClean="0">
+                <a:solidFill>
+                  <a:schemeClr val="bg2">
+                    <a:lumMod val="50000"/>
+                  </a:schemeClr>
+                </a:solidFill>
+              </a:rPr>
+              <a:t>Source: https</a:t>
+            </a:r>
+            <a:r>
+              <a:rPr lang="fr-FR" sz="1600" dirty="0">
+                <a:solidFill>
+                  <a:schemeClr val="bg2">
+                    <a:lumMod val="50000"/>
+                  </a:schemeClr>
+                </a:solidFill>
+              </a:rPr>
+              <a:t>://github.com/rbaumier/snake</a:t>
+            </a:r>
+          </a:p>
+        </p:txBody>
+      </p:sp>
+      <p:pic>
+        <p:nvPicPr>
+          <p:cNvPr id="5" name="Ta Da-SoundBible.com-1884170640">
+            <a:hlinkClick r:id="" action="ppaction://media"/>
+          </p:cNvPr>
+          <p:cNvPicPr>
+            <a:picLocks noChangeAspect="1"/>
+          </p:cNvPicPr>
+          <p:nvPr>
+            <a:audioFile r:link="rId2"/>
+            <p:extLst>
+              <p:ext uri="{DAA4B4D4-6D71-4841-9C94-3DE7FCFB9230}">
+                <p14:media xmlns:p14="http://schemas.microsoft.com/office/powerpoint/2010/main" r:embed="rId1"/>
+              </p:ext>
+            </p:extLst>
+          </p:nvPr>
+        </p:nvPicPr>
+        <p:blipFill>
+          <a:blip r:embed="rId4"/>
+          <a:stretch>
+            <a:fillRect/>
+          </a:stretch>
+        </p:blipFill>
+        <p:spPr>
+          <a:xfrm>
+            <a:off x="2232025" y="5794375"/>
+            <a:ext cx="487363" cy="487363"/>
+          </a:xfrm>
+          <a:prstGeom prst="rect">
+            <a:avLst/>
+          </a:prstGeom>
+        </p:spPr>
+      </p:pic>
     </p:spTree>
     <p:extLst>
       <p:ext uri="{BB962C8B-B14F-4D97-AF65-F5344CB8AC3E}">
@@ -6652,14 +13807,31 @@
                             </p:stCondLst>
                             <p:childTnLst>
                               <p:par>
-                                <p:cTn id="5" presetID="53" presetClass="entr" presetSubtype="16" fill="hold" grpId="0" nodeType="withEffect">
+                                <p:cTn id="5" presetID="1" presetClass="mediacall" presetSubtype="0" fill="hold" nodeType="withEffect">
+                                  <p:stCondLst>
+                                    <p:cond delay="0"/>
+                                  </p:stCondLst>
+                                  <p:childTnLst>
+                                    <p:cmd type="call" cmd="playFrom(0.0)">
+                                      <p:cBhvr>
+                                        <p:cTn id="6" dur="2063" fill="hold"/>
+                                        <p:tgtEl>
+                                          <p:spTgt spid="5"/>
+                                        </p:tgtEl>
+                                      </p:cBhvr>
+                                    </p:cmd>
+                                  </p:childTnLst>
+                                </p:cTn>
+                              </p:par>
+                              <p:par>
+                                <p:cTn id="7" presetID="53" presetClass="entr" presetSubtype="16" fill="hold" grpId="0" nodeType="withEffect">
                                   <p:stCondLst>
                                     <p:cond delay="0"/>
                                   </p:stCondLst>
                                   <p:childTnLst>
                                     <p:set>
                                       <p:cBhvr>
-                                        <p:cTn id="6" dur="1" fill="hold">
+                                        <p:cTn id="8" dur="1" fill="hold">
                                           <p:stCondLst>
                                             <p:cond delay="0"/>
                                           </p:stCondLst>
@@ -6677,7 +13849,7 @@
                                     </p:set>
                                     <p:anim calcmode="lin" valueType="num">
                                       <p:cBhvr>
-                                        <p:cTn id="7" dur="500" fill="hold"/>
+                                        <p:cTn id="9" dur="500" fill="hold"/>
                                         <p:tgtEl>
                                           <p:spTgt spid="2"/>
                                         </p:tgtEl>
@@ -6700,7 +13872,7 @@
                                     </p:anim>
                                     <p:anim calcmode="lin" valueType="num">
                                       <p:cBhvr>
-                                        <p:cTn id="8" dur="500" fill="hold"/>
+                                        <p:cTn id="10" dur="500" fill="hold"/>
                                         <p:tgtEl>
                                           <p:spTgt spid="2"/>
                                         </p:tgtEl>
@@ -6723,7 +13895,7 @@
                                     </p:anim>
                                     <p:animEffect transition="in" filter="fade">
                                       <p:cBhvr>
-                                        <p:cTn id="9" dur="500"/>
+                                        <p:cTn id="11" dur="500"/>
                                         <p:tgtEl>
                                           <p:spTgt spid="2"/>
                                         </p:tgtEl>
@@ -6755,6 +13927,25 @@
                 </p:cond>
               </p:nextCondLst>
             </p:seq>
+            <p:audio>
+              <p:cMediaNode showWhenStopped="0">
+                <p:cTn id="12" fill="hold" display="0">
+                  <p:stCondLst>
+                    <p:cond delay="indefinite"/>
+                  </p:stCondLst>
+                  <p:endCondLst>
+                    <p:cond evt="onStopAudio" delay="0">
+                      <p:tgtEl>
+                        <p:sldTgt/>
+                      </p:tgtEl>
+                    </p:cond>
+                  </p:endCondLst>
+                </p:cTn>
+                <p:tgtEl>
+                  <p:spTgt spid="5"/>
+                </p:tgtEl>
+              </p:cMediaNode>
+            </p:audio>
           </p:childTnLst>
         </p:cTn>
       </p:par>
@@ -6766,7 +13957,7 @@
 </p:sld>
 </file>
 
-<file path=ppt/slides/slide6.xml><?xml version="1.0" encoding="utf-8"?>
+<file path=ppt/slides/slide8.xml><?xml version="1.0" encoding="utf-8"?>
 <p:sld xmlns:a="http://schemas.openxmlformats.org/drawingml/2006/main" xmlns:r="http://schemas.openxmlformats.org/officeDocument/2006/relationships" xmlns:p="http://schemas.openxmlformats.org/presentationml/2006/main">
   <p:cSld>
     <p:spTree>
@@ -6795,8 +13986,8 @@
         </p:nvSpPr>
         <p:spPr>
           <a:xfrm>
-            <a:off x="1389155" y="120768"/>
-            <a:ext cx="7470476" cy="859063"/>
+            <a:off x="2150026" y="79236"/>
+            <a:ext cx="6780183" cy="859063"/>
           </a:xfrm>
         </p:spPr>
         <p:txBody>
@@ -6805,77 +13996,8 @@
           <a:p>
             <a:r>
               <a:rPr lang="fr-FR" dirty="0" smtClean="0"/>
-              <a:t>Problèmes rencontrés</a:t>
-            </a:r>
-            <a:endParaRPr lang="fr-FR" dirty="0"/>
-          </a:p>
-        </p:txBody>
-      </p:sp>
-      <p:sp>
-        <p:nvSpPr>
-          <p:cNvPr id="7" name="ZoneTexte 6"/>
-          <p:cNvSpPr txBox="1"/>
-          <p:nvPr/>
-        </p:nvSpPr>
-        <p:spPr>
-          <a:xfrm>
-            <a:off x="670343" y="1117855"/>
-            <a:ext cx="8908100" cy="1477328"/>
-          </a:xfrm>
-          <a:prstGeom prst="rect">
-            <a:avLst/>
-          </a:prstGeom>
-          <a:noFill/>
-        </p:spPr>
-        <p:txBody>
-          <a:bodyPr wrap="square" rtlCol="0">
-            <a:spAutoFit/>
-          </a:bodyPr>
-          <a:lstStyle/>
-          <a:p>
-            <a:pPr marL="285750" indent="-285750">
-              <a:buFont typeface="Arial" panose="020B0604020202020204" pitchFamily="34" charset="0"/>
-              <a:buChar char="•"/>
-            </a:pPr>
-            <a:r>
-              <a:rPr lang="fr-FR" dirty="0" smtClean="0"/>
-              <a:t>Compatibilité Git/</a:t>
-            </a:r>
-            <a:r>
-              <a:rPr lang="fr-FR" dirty="0" err="1" smtClean="0"/>
-              <a:t>IntelliJ</a:t>
-            </a:r>
-            <a:endParaRPr lang="fr-FR" dirty="0" smtClean="0"/>
-          </a:p>
-          <a:p>
-            <a:pPr marL="285750" indent="-285750">
-              <a:buFont typeface="Arial" panose="020B0604020202020204" pitchFamily="34" charset="0"/>
-              <a:buChar char="•"/>
-            </a:pPr>
-            <a:endParaRPr lang="fr-FR" dirty="0"/>
-          </a:p>
-          <a:p>
-            <a:pPr marL="285750" indent="-285750">
-              <a:buFont typeface="Arial" panose="020B0604020202020204" pitchFamily="34" charset="0"/>
-              <a:buChar char="•"/>
-            </a:pPr>
-            <a:r>
-              <a:rPr lang="fr-FR" dirty="0" smtClean="0"/>
-              <a:t>La logique modèle</a:t>
-            </a:r>
-          </a:p>
-          <a:p>
-            <a:pPr marL="285750" indent="-285750">
-              <a:buFont typeface="Arial" panose="020B0604020202020204" pitchFamily="34" charset="0"/>
-              <a:buChar char="•"/>
-            </a:pPr>
-            <a:endParaRPr lang="fr-FR" dirty="0"/>
-          </a:p>
-          <a:p>
-            <a:pPr marL="285750" indent="-285750">
-              <a:buFont typeface="Arial" panose="020B0604020202020204" pitchFamily="34" charset="0"/>
-              <a:buChar char="•"/>
-            </a:pPr>
+              <a:t>Bugs actuels connus</a:t>
+            </a:r>
             <a:endParaRPr lang="fr-FR" dirty="0"/>
           </a:p>
         </p:txBody>
@@ -6925,40 +14047,70 @@
           </a:p>
         </p:txBody>
       </p:sp>
-      <p:pic>
-        <p:nvPicPr>
-          <p:cNvPr id="3" name="Image 2"/>
-          <p:cNvPicPr>
-            <a:picLocks noChangeAspect="1"/>
-          </p:cNvPicPr>
+      <p:graphicFrame>
+        <p:nvGraphicFramePr>
+          <p:cNvPr id="16" name="Diagramme 15"/>
+          <p:cNvGraphicFramePr/>
+          <p:nvPr>
+            <p:extLst>
+              <p:ext uri="{D42A27DB-BD31-4B8C-83A1-F6EECF244321}">
+                <p14:modId xmlns:p14="http://schemas.microsoft.com/office/powerpoint/2010/main" val="1539032298"/>
+              </p:ext>
+            </p:extLst>
+          </p:nvPr>
+        </p:nvGraphicFramePr>
+        <p:xfrm>
+          <a:off x="2762250" y="2181225"/>
+          <a:ext cx="5457825" cy="2771775"/>
+        </p:xfrm>
+        <a:graphic>
+          <a:graphicData uri="http://schemas.openxmlformats.org/drawingml/2006/diagram">
+            <dgm:relIds xmlns:dgm="http://schemas.openxmlformats.org/drawingml/2006/diagram" xmlns:r="http://schemas.openxmlformats.org/officeDocument/2006/relationships" r:dm="rId2" r:lo="rId3" r:qs="rId4" r:cs="rId5"/>
+          </a:graphicData>
+        </a:graphic>
+      </p:graphicFrame>
+      <p:sp>
+        <p:nvSpPr>
+          <p:cNvPr id="18" name="ZoneTexte 17"/>
+          <p:cNvSpPr txBox="1"/>
           <p:nvPr/>
-        </p:nvPicPr>
-        <p:blipFill>
-          <a:blip r:embed="rId2">
-            <a:extLst>
-              <a:ext uri="{28A0092B-C50C-407E-A947-70E740481C1C}">
-                <a14:useLocalDpi xmlns:a14="http://schemas.microsoft.com/office/drawing/2010/main" val="0"/>
-              </a:ext>
-            </a:extLst>
-          </a:blip>
-          <a:stretch>
-            <a:fillRect/>
-          </a:stretch>
-        </p:blipFill>
+        </p:nvSpPr>
         <p:spPr>
           <a:xfrm>
-            <a:off x="209191" y="4571671"/>
-            <a:ext cx="2646315" cy="2117052"/>
+            <a:off x="3028950" y="3114675"/>
+            <a:ext cx="5022337" cy="369332"/>
           </a:xfrm>
           <a:prstGeom prst="rect">
             <a:avLst/>
           </a:prstGeom>
+          <a:noFill/>
         </p:spPr>
-      </p:pic>
+        <p:txBody>
+          <a:bodyPr wrap="none" rtlCol="0">
+            <a:spAutoFit/>
+          </a:bodyPr>
+          <a:lstStyle/>
+          <a:p>
+            <a:r>
+              <a:rPr lang="fr-FR" dirty="0" smtClean="0"/>
+              <a:t>Incrémentation du </a:t>
+            </a:r>
+            <a:r>
+              <a:rPr lang="fr-FR" dirty="0" err="1" smtClean="0"/>
+              <a:t>TextView</a:t>
+            </a:r>
+            <a:r>
+              <a:rPr lang="fr-FR" dirty="0" smtClean="0"/>
+              <a:t> à mettre en place</a:t>
+            </a:r>
+            <a:endParaRPr lang="fr-FR" dirty="0"/>
+          </a:p>
+        </p:txBody>
+      </p:sp>
     </p:spTree>
     <p:extLst>
       <p:ext uri="{BB962C8B-B14F-4D97-AF65-F5344CB8AC3E}">
-        <p14:creationId xmlns:p14="http://schemas.microsoft.com/office/powerpoint/2010/main" val="1699413981"/>
+        <p14:creationId xmlns:p14="http://schemas.microsoft.com/office/powerpoint/2010/main" val="1619343396"/>
       </p:ext>
     </p:extLst>
   </p:cSld>
@@ -6975,7 +14127,7 @@
 </p:sld>
 </file>
 
-<file path=ppt/slides/slide7.xml><?xml version="1.0" encoding="utf-8"?>
+<file path=ppt/slides/slide9.xml><?xml version="1.0" encoding="utf-8"?>
 <p:sld xmlns:a="http://schemas.openxmlformats.org/drawingml/2006/main" xmlns:r="http://schemas.openxmlformats.org/officeDocument/2006/relationships" xmlns:p="http://schemas.openxmlformats.org/presentationml/2006/main">
   <p:cSld>
     <p:spTree>
@@ -6992,39 +14144,105 @@
           <a:chExt cx="0" cy="0"/>
         </a:xfrm>
       </p:grpSpPr>
-      <p:pic>
-        <p:nvPicPr>
-          <p:cNvPr id="4" name="Espace réservé du contenu 3"/>
-          <p:cNvPicPr>
-            <a:picLocks noGrp="1" noChangeAspect="1"/>
-          </p:cNvPicPr>
+      <p:sp>
+        <p:nvSpPr>
+          <p:cNvPr id="2" name="Titre 1"/>
+          <p:cNvSpPr>
+            <a:spLocks noGrp="1"/>
+          </p:cNvSpPr>
           <p:nvPr>
-            <p:ph idx="1"/>
+            <p:ph type="ctrTitle"/>
           </p:nvPr>
-        </p:nvPicPr>
-        <p:blipFill>
-          <a:blip r:embed="rId2">
-            <a:extLst>
-              <a:ext uri="{28A0092B-C50C-407E-A947-70E740481C1C}">
-                <a14:useLocalDpi xmlns:a14="http://schemas.microsoft.com/office/drawing/2010/main" val="0"/>
-              </a:ext>
-            </a:extLst>
-          </a:blip>
-          <a:stretch>
-            <a:fillRect/>
-          </a:stretch>
-        </p:blipFill>
+        </p:nvSpPr>
         <p:spPr>
           <a:xfrm>
-            <a:off x="2022481" y="1268084"/>
-            <a:ext cx="6231936" cy="3901192"/>
+            <a:off x="2007151" y="79236"/>
+            <a:ext cx="7065933" cy="859063"/>
           </a:xfrm>
         </p:spPr>
-      </p:pic>
+        <p:txBody>
+          <a:bodyPr/>
+          <a:lstStyle/>
+          <a:p>
+            <a:r>
+              <a:rPr lang="fr-FR" dirty="0" smtClean="0"/>
+              <a:t>Améliorations futures</a:t>
+            </a:r>
+            <a:endParaRPr lang="fr-FR" dirty="0"/>
+          </a:p>
+        </p:txBody>
+      </p:sp>
+      <p:sp>
+        <p:nvSpPr>
+          <p:cNvPr id="8" name="ZoneTexte 7"/>
+          <p:cNvSpPr txBox="1"/>
+          <p:nvPr/>
+        </p:nvSpPr>
+        <p:spPr>
+          <a:xfrm>
+            <a:off x="7882807" y="6519446"/>
+            <a:ext cx="4309193" cy="338554"/>
+          </a:xfrm>
+          <a:prstGeom prst="rect">
+            <a:avLst/>
+          </a:prstGeom>
+          <a:noFill/>
+        </p:spPr>
+        <p:txBody>
+          <a:bodyPr wrap="none" rtlCol="0">
+            <a:spAutoFit/>
+          </a:bodyPr>
+          <a:lstStyle/>
+          <a:p>
+            <a:r>
+              <a:rPr lang="fr-FR" sz="1600" dirty="0" smtClean="0">
+                <a:solidFill>
+                  <a:schemeClr val="bg2">
+                    <a:lumMod val="50000"/>
+                  </a:schemeClr>
+                </a:solidFill>
+              </a:rPr>
+              <a:t>Source: https</a:t>
+            </a:r>
+            <a:r>
+              <a:rPr lang="fr-FR" sz="1600" dirty="0">
+                <a:solidFill>
+                  <a:schemeClr val="bg2">
+                    <a:lumMod val="50000"/>
+                  </a:schemeClr>
+                </a:solidFill>
+              </a:rPr>
+              <a:t>://github.com/rbaumier/snake</a:t>
+            </a:r>
+          </a:p>
+        </p:txBody>
+      </p:sp>
+      <p:graphicFrame>
+        <p:nvGraphicFramePr>
+          <p:cNvPr id="16" name="Diagramme 15"/>
+          <p:cNvGraphicFramePr/>
+          <p:nvPr>
+            <p:extLst>
+              <p:ext uri="{D42A27DB-BD31-4B8C-83A1-F6EECF244321}">
+                <p14:modId xmlns:p14="http://schemas.microsoft.com/office/powerpoint/2010/main" val="3453022013"/>
+              </p:ext>
+            </p:extLst>
+          </p:nvPr>
+        </p:nvGraphicFramePr>
+        <p:xfrm>
+          <a:off x="2298975" y="1485900"/>
+          <a:ext cx="6688384" cy="4133850"/>
+        </p:xfrm>
+        <a:graphic>
+          <a:graphicData uri="http://schemas.openxmlformats.org/drawingml/2006/diagram">
+            <dgm:relIds xmlns:dgm="http://schemas.openxmlformats.org/drawingml/2006/diagram" xmlns:r="http://schemas.openxmlformats.org/officeDocument/2006/relationships" r:dm="rId2" r:lo="rId3" r:qs="rId4" r:cs="rId5"/>
+          </a:graphicData>
+        </a:graphic>
+      </p:graphicFrame>
     </p:spTree>
     <p:extLst>
       <p:ext uri="{BB962C8B-B14F-4D97-AF65-F5344CB8AC3E}">
-        <p14:creationId xmlns:p14="http://schemas.microsoft.com/office/powerpoint/2010/main" val="2457564865"/>
+        <p14:creationId xmlns:p14="http://schemas.microsoft.com/office/powerpoint/2010/main" val="118963242"/>
       </p:ext>
     </p:extLst>
   </p:cSld>
